--- a/CST8917_Final_Oral_Exam_Presentation.pptx
+++ b/CST8917_Final_Oral_Exam_Presentation.pptx
@@ -5,10 +5,10 @@
     <p:sldMasterId id="2147483660" r:id="rId4"/>
   </p:sldMasterIdLst>
   <p:notesMasterIdLst>
-    <p:notesMasterId r:id="rId16"/>
+    <p:notesMasterId r:id="rId17"/>
   </p:notesMasterIdLst>
   <p:handoutMasterIdLst>
-    <p:handoutMasterId r:id="rId17"/>
+    <p:handoutMasterId r:id="rId18"/>
   </p:handoutMasterIdLst>
   <p:sldIdLst>
     <p:sldId id="257" r:id="rId5"/>
@@ -22,6 +22,7 @@
     <p:sldId id="265" r:id="rId13"/>
     <p:sldId id="266" r:id="rId14"/>
     <p:sldId id="267" r:id="rId15"/>
+    <p:sldId id="268" r:id="rId16"/>
   </p:sldIdLst>
   <p:sldSz cx="12188825" cy="6858000"/>
   <p:notesSz cx="6858000" cy="9144000"/>
@@ -235,7 +236,7 @@
           <a:p>
             <a:fld id="{FE5B4EDC-59C0-49C7-8ADA-5A781B329E02}" type="datetimeFigureOut">
               <a:rPr lang="en-US"/>
-              <a:t>8/6/2025</a:t>
+              <a:t>8/7/2025</a:t>
             </a:fld>
             <a:endParaRPr/>
           </a:p>
@@ -400,7 +401,7 @@
           <a:p>
             <a:fld id="{F2D8D46A-B586-417D-BFBD-8C8FE0AAF762}" type="datetimeFigureOut">
               <a:rPr lang="en-US"/>
-              <a:t>8/6/2025</a:t>
+              <a:t>8/7/2025</a:t>
             </a:fld>
             <a:endParaRPr/>
           </a:p>
@@ -1418,7 +1419,7 @@
           <a:p>
             <a:fld id="{F0DFD029-FB74-4578-B929-F66AA97659CA}" type="datetimeFigureOut">
               <a:rPr lang="en-US"/>
-              <a:t>8/6/2025</a:t>
+              <a:t>8/7/2025</a:t>
             </a:fld>
             <a:endParaRPr/>
           </a:p>
@@ -1616,7 +1617,7 @@
           <a:p>
             <a:fld id="{F0DFD029-FB74-4578-B929-F66AA97659CA}" type="datetimeFigureOut">
               <a:rPr lang="en-US"/>
-              <a:t>8/6/2025</a:t>
+              <a:t>8/7/2025</a:t>
             </a:fld>
             <a:endParaRPr/>
           </a:p>
@@ -1824,7 +1825,7 @@
           <a:p>
             <a:fld id="{F0DFD029-FB74-4578-B929-F66AA97659CA}" type="datetimeFigureOut">
               <a:rPr lang="en-US"/>
-              <a:t>8/6/2025</a:t>
+              <a:t>8/7/2025</a:t>
             </a:fld>
             <a:endParaRPr/>
           </a:p>
@@ -2022,7 +2023,7 @@
           <a:p>
             <a:fld id="{F0DFD029-FB74-4578-B929-F66AA97659CA}" type="datetimeFigureOut">
               <a:rPr lang="en-US"/>
-              <a:t>8/6/2025</a:t>
+              <a:t>8/7/2025</a:t>
             </a:fld>
             <a:endParaRPr/>
           </a:p>
@@ -2454,7 +2455,7 @@
           <a:p>
             <a:fld id="{F0DFD029-FB74-4578-B929-F66AA97659CA}" type="datetimeFigureOut">
               <a:rPr lang="en-US"/>
-              <a:t>8/6/2025</a:t>
+              <a:t>8/7/2025</a:t>
             </a:fld>
             <a:endParaRPr/>
           </a:p>
@@ -2758,7 +2759,7 @@
           <a:p>
             <a:fld id="{F0DFD029-FB74-4578-B929-F66AA97659CA}" type="datetimeFigureOut">
               <a:rPr lang="en-US"/>
-              <a:t>8/6/2025</a:t>
+              <a:t>8/7/2025</a:t>
             </a:fld>
             <a:endParaRPr/>
           </a:p>
@@ -3214,7 +3215,7 @@
           <a:p>
             <a:fld id="{F0DFD029-FB74-4578-B929-F66AA97659CA}" type="datetimeFigureOut">
               <a:rPr lang="en-US"/>
-              <a:t>8/6/2025</a:t>
+              <a:t>8/7/2025</a:t>
             </a:fld>
             <a:endParaRPr/>
           </a:p>
@@ -3344,7 +3345,7 @@
           <a:p>
             <a:fld id="{F0DFD029-FB74-4578-B929-F66AA97659CA}" type="datetimeFigureOut">
               <a:rPr lang="en-US"/>
-              <a:t>8/6/2025</a:t>
+              <a:t>8/7/2025</a:t>
             </a:fld>
             <a:endParaRPr/>
           </a:p>
@@ -3451,7 +3452,7 @@
           <a:p>
             <a:fld id="{F0DFD029-FB74-4578-B929-F66AA97659CA}" type="datetimeFigureOut">
               <a:rPr lang="en-US"/>
-              <a:t>8/6/2025</a:t>
+              <a:t>8/7/2025</a:t>
             </a:fld>
             <a:endParaRPr/>
           </a:p>
@@ -3750,7 +3751,7 @@
           <a:p>
             <a:fld id="{F0DFD029-FB74-4578-B929-F66AA97659CA}" type="datetimeFigureOut">
               <a:rPr lang="en-US"/>
-              <a:t>8/6/2025</a:t>
+              <a:t>8/7/2025</a:t>
             </a:fld>
             <a:endParaRPr/>
           </a:p>
@@ -4038,7 +4039,7 @@
           <a:p>
             <a:fld id="{F0DFD029-FB74-4578-B929-F66AA97659CA}" type="datetimeFigureOut">
               <a:rPr lang="en-US"/>
-              <a:t>8/6/2025</a:t>
+              <a:t>8/7/2025</a:t>
             </a:fld>
             <a:endParaRPr/>
           </a:p>
@@ -4661,7 +4662,7 @@
             <a:fld id="{F0DFD029-FB74-4578-B929-F66AA97659CA}" type="datetimeFigureOut">
               <a:rPr lang="en-US"/>
               <a:pPr/>
-              <a:t>8/6/2025</a:t>
+              <a:t>8/7/2025</a:t>
             </a:fld>
             <a:endParaRPr/>
           </a:p>
@@ -5098,12 +5099,12 @@
   <p:extLst>
     <p:ext uri="{27BBF7A9-308A-43DC-89C8-2F10F3537804}">
       <p15:sldGuideLst xmlns:p15="http://schemas.microsoft.com/office/powerpoint/2012/main">
-        <p15:guide id="1" orient="horz" pos="2160" userDrawn="1">
+        <p15:guide id="1" orient="horz" pos="2160">
           <p15:clr>
             <a:srgbClr val="F26B43"/>
           </p15:clr>
         </p15:guide>
-        <p15:guide id="2" pos="3839" userDrawn="1">
+        <p15:guide id="2" pos="3839">
           <p15:clr>
             <a:srgbClr val="F26B43"/>
           </p15:clr>
@@ -5321,8 +5322,8 @@
         </p:nvSpPr>
         <p:spPr>
           <a:xfrm>
-            <a:off x="6166420" y="1196752"/>
-            <a:ext cx="8496944" cy="5262979"/>
+            <a:off x="1485900" y="908720"/>
+            <a:ext cx="4320480" cy="2677656"/>
           </a:xfrm>
           <a:prstGeom prst="rect">
             <a:avLst/>
@@ -5335,6 +5336,7 @@
           </a:bodyPr>
           <a:lstStyle/>
           <a:p>
+            <a:pPr algn="ctr"/>
             <a:r>
               <a:rPr lang="en-US" sz="1800" b="1" dirty="0">
                 <a:solidFill>
@@ -5344,20 +5346,20 @@
                 </a:solidFill>
                 <a:latin typeface="Aptos Light" panose="020B0004020202020204" pitchFamily="34" charset="0"/>
               </a:rPr>
-              <a:t>Order Processing Orchestration</a:t>
-            </a:r>
-          </a:p>
-          <a:p>
-            <a:r>
-              <a:rPr lang="en-US" sz="1600" b="1" dirty="0">
+              <a:t>Current State Analysis – RabbitMQ</a:t>
+            </a:r>
+          </a:p>
+          <a:p>
+            <a:r>
+              <a:rPr lang="en-US" sz="1800" b="1" dirty="0">
                 <a:solidFill>
                   <a:srgbClr val="5F6F0F"/>
                 </a:solidFill>
                 <a:latin typeface="Aptos Light" panose="020B0004020202020204" pitchFamily="34" charset="0"/>
               </a:rPr>
-              <a:t>Sequential Steps:</a:t>
-            </a:r>
-            <a:endParaRPr lang="en-US" sz="1600" dirty="0">
+              <a:t>Strengths:</a:t>
+            </a:r>
+            <a:endParaRPr lang="en-US" sz="1800" dirty="0">
               <a:solidFill>
                 <a:srgbClr val="5F6F0F"/>
               </a:solidFill>
@@ -5365,452 +5367,154 @@
             </a:endParaRPr>
           </a:p>
           <a:p>
+            <a:pPr marL="285750" indent="-285750">
+              <a:buFont typeface="Arial" panose="020B0604020202020204" pitchFamily="34" charset="0"/>
+              <a:buChar char="•"/>
+            </a:pPr>
+            <a:r>
+              <a:rPr lang="en-US" sz="1400" dirty="0">
+                <a:solidFill>
+                  <a:schemeClr val="accent6">
+                    <a:lumMod val="50000"/>
+                  </a:schemeClr>
+                </a:solidFill>
+                <a:latin typeface="Aptos Light" panose="020B0004020202020204" pitchFamily="34" charset="0"/>
+              </a:rPr>
+              <a:t>Mature and stable message broker</a:t>
+            </a:r>
+          </a:p>
+          <a:p>
+            <a:pPr marL="285750" indent="-285750">
+              <a:buFont typeface="Arial" panose="020B0604020202020204" pitchFamily="34" charset="0"/>
+              <a:buChar char="•"/>
+            </a:pPr>
+            <a:r>
+              <a:rPr lang="en-US" sz="1400" dirty="0">
+                <a:solidFill>
+                  <a:schemeClr val="accent6">
+                    <a:lumMod val="50000"/>
+                  </a:schemeClr>
+                </a:solidFill>
+                <a:latin typeface="Aptos Light" panose="020B0004020202020204" pitchFamily="34" charset="0"/>
+              </a:rPr>
+              <a:t>Rich feature set and flexibility</a:t>
+            </a:r>
+          </a:p>
+          <a:p>
+            <a:pPr marL="285750" indent="-285750">
+              <a:buFont typeface="Arial" panose="020B0604020202020204" pitchFamily="34" charset="0"/>
+              <a:buChar char="•"/>
+            </a:pPr>
+            <a:r>
+              <a:rPr lang="en-US" sz="1400" dirty="0">
+                <a:solidFill>
+                  <a:schemeClr val="accent6">
+                    <a:lumMod val="50000"/>
+                  </a:schemeClr>
+                </a:solidFill>
+                <a:latin typeface="Aptos Light" panose="020B0004020202020204" pitchFamily="34" charset="0"/>
+              </a:rPr>
+              <a:t>Strong community and documentation</a:t>
+            </a:r>
+          </a:p>
+          <a:p>
+            <a:r>
+              <a:rPr lang="en-US" sz="1800" b="1" dirty="0">
+                <a:solidFill>
+                  <a:srgbClr val="5F6F0F"/>
+                </a:solidFill>
+                <a:latin typeface="Aptos Light" panose="020B0004020202020204" pitchFamily="34" charset="0"/>
+              </a:rPr>
+              <a:t>Limitations:</a:t>
+            </a:r>
+            <a:endParaRPr lang="en-US" sz="1800" dirty="0">
+              <a:solidFill>
+                <a:srgbClr val="5F6F0F"/>
+              </a:solidFill>
+              <a:latin typeface="Aptos Light" panose="020B0004020202020204" pitchFamily="34" charset="0"/>
+            </a:endParaRPr>
+          </a:p>
+          <a:p>
+            <a:pPr marL="285750" indent="-285750">
+              <a:buFont typeface="Arial" panose="020B0604020202020204" pitchFamily="34" charset="0"/>
+              <a:buChar char="•"/>
+            </a:pPr>
+            <a:r>
+              <a:rPr lang="en-US" sz="1400" dirty="0">
+                <a:solidFill>
+                  <a:schemeClr val="accent6">
+                    <a:lumMod val="50000"/>
+                  </a:schemeClr>
+                </a:solidFill>
+                <a:latin typeface="Aptos Light" panose="020B0004020202020204" pitchFamily="34" charset="0"/>
+              </a:rPr>
+              <a:t>Requires manual infrastructure management</a:t>
+            </a:r>
+          </a:p>
+          <a:p>
+            <a:pPr marL="285750" indent="-285750">
+              <a:buFont typeface="Arial" panose="020B0604020202020204" pitchFamily="34" charset="0"/>
+              <a:buChar char="•"/>
+            </a:pPr>
+            <a:r>
+              <a:rPr lang="en-US" sz="1400" dirty="0">
+                <a:solidFill>
+                  <a:schemeClr val="accent6">
+                    <a:lumMod val="50000"/>
+                  </a:schemeClr>
+                </a:solidFill>
+                <a:latin typeface="Aptos Light" panose="020B0004020202020204" pitchFamily="34" charset="0"/>
+              </a:rPr>
+              <a:t>Single point of failure if not clustered</a:t>
+            </a:r>
+          </a:p>
+          <a:p>
+            <a:pPr marL="285750" indent="-285750">
+              <a:buFont typeface="Arial" panose="020B0604020202020204" pitchFamily="34" charset="0"/>
+              <a:buChar char="•"/>
+            </a:pPr>
+            <a:r>
+              <a:rPr lang="en-US" sz="1400" dirty="0">
+                <a:solidFill>
+                  <a:schemeClr val="accent6">
+                    <a:lumMod val="50000"/>
+                  </a:schemeClr>
+                </a:solidFill>
+                <a:latin typeface="Aptos Light" panose="020B0004020202020204" pitchFamily="34" charset="0"/>
+              </a:rPr>
+              <a:t>Scaling requires manual intervention</a:t>
+            </a:r>
+          </a:p>
+          <a:p>
+            <a:pPr marL="285750" indent="-285750">
+              <a:buFont typeface="Arial" panose="020B0604020202020204" pitchFamily="34" charset="0"/>
+              <a:buChar char="•"/>
+            </a:pPr>
+            <a:r>
+              <a:rPr lang="en-US" sz="1400" dirty="0">
+                <a:solidFill>
+                  <a:schemeClr val="accent6">
+                    <a:lumMod val="50000"/>
+                  </a:schemeClr>
+                </a:solidFill>
+                <a:latin typeface="Aptos Light" panose="020B0004020202020204" pitchFamily="34" charset="0"/>
+              </a:rPr>
+              <a:t>Operational overhead for updates and monitoring</a:t>
+            </a:r>
+          </a:p>
+          <a:p>
             <a:pPr marL="342900" indent="-342900">
               <a:buFont typeface="+mj-lt"/>
               <a:buAutoNum type="arabicPeriod"/>
             </a:pPr>
-            <a:r>
-              <a:rPr lang="en-US" sz="1600" b="1" dirty="0">
-                <a:solidFill>
-                  <a:schemeClr val="accent6">
-                    <a:lumMod val="50000"/>
-                  </a:schemeClr>
-                </a:solidFill>
-                <a:latin typeface="Aptos Light" panose="020B0004020202020204" pitchFamily="34" charset="0"/>
-              </a:rPr>
-              <a:t>Validate Order</a:t>
-            </a:r>
-            <a:r>
-              <a:rPr lang="en-US" sz="1600" dirty="0">
-                <a:solidFill>
-                  <a:schemeClr val="accent6">
-                    <a:lumMod val="50000"/>
-                  </a:schemeClr>
-                </a:solidFill>
-                <a:latin typeface="Aptos Light" panose="020B0004020202020204" pitchFamily="34" charset="0"/>
-              </a:rPr>
-              <a:t> - Check inventory, customer details</a:t>
-            </a:r>
-          </a:p>
-          <a:p>
-            <a:pPr marL="342900" indent="-342900">
-              <a:buFont typeface="+mj-lt"/>
-              <a:buAutoNum type="arabicPeriod"/>
-            </a:pPr>
-            <a:r>
-              <a:rPr lang="en-US" sz="1600" b="1" dirty="0">
-                <a:solidFill>
-                  <a:schemeClr val="accent6">
-                    <a:lumMod val="50000"/>
-                  </a:schemeClr>
-                </a:solidFill>
-                <a:latin typeface="Aptos Light" panose="020B0004020202020204" pitchFamily="34" charset="0"/>
-              </a:rPr>
-              <a:t>Process Payment</a:t>
-            </a:r>
-            <a:r>
-              <a:rPr lang="en-US" sz="1600" dirty="0">
-                <a:solidFill>
-                  <a:schemeClr val="accent6">
-                    <a:lumMod val="50000"/>
-                  </a:schemeClr>
-                </a:solidFill>
-                <a:latin typeface="Aptos Light" panose="020B0004020202020204" pitchFamily="34" charset="0"/>
-              </a:rPr>
-              <a:t> - Handle payment processing</a:t>
-            </a:r>
-          </a:p>
-          <a:p>
-            <a:pPr marL="342900" indent="-342900">
-              <a:buFont typeface="+mj-lt"/>
-              <a:buAutoNum type="arabicPeriod"/>
-            </a:pPr>
-            <a:r>
-              <a:rPr lang="en-US" sz="1600" b="1" dirty="0">
-                <a:solidFill>
-                  <a:schemeClr val="accent6">
-                    <a:lumMod val="50000"/>
-                  </a:schemeClr>
-                </a:solidFill>
-                <a:latin typeface="Aptos Light" panose="020B0004020202020204" pitchFamily="34" charset="0"/>
-              </a:rPr>
-              <a:t>Generate AI Content</a:t>
-            </a:r>
-            <a:r>
-              <a:rPr lang="en-US" sz="1600" dirty="0">
-                <a:solidFill>
-                  <a:schemeClr val="accent6">
-                    <a:lumMod val="50000"/>
-                  </a:schemeClr>
-                </a:solidFill>
-                <a:latin typeface="Aptos Light" panose="020B0004020202020204" pitchFamily="34" charset="0"/>
-              </a:rPr>
-              <a:t> - Create product descriptions (if needed)</a:t>
-            </a:r>
-          </a:p>
-          <a:p>
-            <a:pPr marL="342900" indent="-342900">
-              <a:buFont typeface="+mj-lt"/>
-              <a:buAutoNum type="arabicPeriod"/>
-            </a:pPr>
-            <a:r>
-              <a:rPr lang="en-US" sz="1600" b="1" dirty="0">
-                <a:solidFill>
-                  <a:schemeClr val="accent6">
-                    <a:lumMod val="50000"/>
-                  </a:schemeClr>
-                </a:solidFill>
-                <a:latin typeface="Aptos Light" panose="020B0004020202020204" pitchFamily="34" charset="0"/>
-              </a:rPr>
-              <a:t>Update Inventory</a:t>
-            </a:r>
-            <a:r>
-              <a:rPr lang="en-US" sz="1600" dirty="0">
-                <a:solidFill>
-                  <a:schemeClr val="accent6">
-                    <a:lumMod val="50000"/>
-                  </a:schemeClr>
-                </a:solidFill>
-                <a:latin typeface="Aptos Light" panose="020B0004020202020204" pitchFamily="34" charset="0"/>
-              </a:rPr>
-              <a:t> - Decrement stock levels</a:t>
-            </a:r>
-          </a:p>
-          <a:p>
-            <a:pPr marL="342900" indent="-342900">
-              <a:buFont typeface="+mj-lt"/>
-              <a:buAutoNum type="arabicPeriod"/>
-            </a:pPr>
-            <a:r>
-              <a:rPr lang="en-US" sz="1600" b="1" dirty="0">
-                <a:solidFill>
-                  <a:schemeClr val="accent6">
-                    <a:lumMod val="50000"/>
-                  </a:schemeClr>
-                </a:solidFill>
-                <a:latin typeface="Aptos Light" panose="020B0004020202020204" pitchFamily="34" charset="0"/>
-              </a:rPr>
-              <a:t>Send Notifications</a:t>
-            </a:r>
-            <a:r>
-              <a:rPr lang="en-US" sz="1600" dirty="0">
-                <a:solidFill>
-                  <a:schemeClr val="accent6">
-                    <a:lumMod val="50000"/>
-                  </a:schemeClr>
-                </a:solidFill>
-                <a:latin typeface="Aptos Light" panose="020B0004020202020204" pitchFamily="34" charset="0"/>
-              </a:rPr>
-              <a:t> - Confirm order to customer and staff</a:t>
-            </a:r>
-          </a:p>
-          <a:p>
-            <a:r>
-              <a:rPr lang="en-US" sz="1600" b="1" dirty="0">
-                <a:solidFill>
-                  <a:srgbClr val="5F6F0F"/>
-                </a:solidFill>
-                <a:latin typeface="Aptos Light" panose="020B0004020202020204" pitchFamily="34" charset="0"/>
-              </a:rPr>
-              <a:t>Key Advantages of Orchestration</a:t>
-            </a:r>
-          </a:p>
-          <a:p>
-            <a:pPr marL="342900" indent="-342900">
-              <a:buFont typeface="+mj-lt"/>
-              <a:buAutoNum type="arabicPeriod"/>
-            </a:pPr>
-            <a:r>
-              <a:rPr lang="en-US" sz="1600" b="1" dirty="0">
-                <a:solidFill>
-                  <a:schemeClr val="accent6">
-                    <a:lumMod val="50000"/>
-                  </a:schemeClr>
-                </a:solidFill>
-                <a:latin typeface="Aptos Light" panose="020B0004020202020204" pitchFamily="34" charset="0"/>
-              </a:rPr>
-              <a:t>Reliability</a:t>
-            </a:r>
-            <a:r>
-              <a:rPr lang="en-US" sz="1600" dirty="0">
-                <a:solidFill>
-                  <a:schemeClr val="accent6">
-                    <a:lumMod val="50000"/>
-                  </a:schemeClr>
-                </a:solidFill>
-                <a:latin typeface="Aptos Light" panose="020B0004020202020204" pitchFamily="34" charset="0"/>
-              </a:rPr>
-              <a:t> - Each step can retry independently</a:t>
-            </a:r>
-          </a:p>
-          <a:p>
-            <a:pPr marL="342900" indent="-342900">
-              <a:buFont typeface="+mj-lt"/>
-              <a:buAutoNum type="arabicPeriod"/>
-            </a:pPr>
-            <a:r>
-              <a:rPr lang="en-US" sz="1600" b="1" dirty="0">
-                <a:solidFill>
-                  <a:schemeClr val="accent6">
-                    <a:lumMod val="50000"/>
-                  </a:schemeClr>
-                </a:solidFill>
-                <a:latin typeface="Aptos Light" panose="020B0004020202020204" pitchFamily="34" charset="0"/>
-              </a:rPr>
-              <a:t>Visibility</a:t>
-            </a:r>
-            <a:r>
-              <a:rPr lang="en-US" sz="1600" dirty="0">
-                <a:solidFill>
-                  <a:schemeClr val="accent6">
-                    <a:lumMod val="50000"/>
-                  </a:schemeClr>
-                </a:solidFill>
-                <a:latin typeface="Aptos Light" panose="020B0004020202020204" pitchFamily="34" charset="0"/>
-              </a:rPr>
-              <a:t> - Track progress of each order through pipeline</a:t>
-            </a:r>
-          </a:p>
-          <a:p>
-            <a:pPr marL="342900" indent="-342900">
-              <a:buFont typeface="+mj-lt"/>
-              <a:buAutoNum type="arabicPeriod"/>
-            </a:pPr>
-            <a:r>
-              <a:rPr lang="en-US" sz="1600" b="1" dirty="0">
-                <a:solidFill>
-                  <a:schemeClr val="accent6">
-                    <a:lumMod val="50000"/>
-                  </a:schemeClr>
-                </a:solidFill>
-                <a:latin typeface="Aptos Light" panose="020B0004020202020204" pitchFamily="34" charset="0"/>
-              </a:rPr>
-              <a:t>Scalability</a:t>
-            </a:r>
-            <a:r>
-              <a:rPr lang="en-US" sz="1600" dirty="0">
-                <a:solidFill>
-                  <a:schemeClr val="accent6">
-                    <a:lumMod val="50000"/>
-                  </a:schemeClr>
-                </a:solidFill>
-                <a:latin typeface="Aptos Light" panose="020B0004020202020204" pitchFamily="34" charset="0"/>
-              </a:rPr>
-              <a:t> - Each step scales based on its own demands</a:t>
-            </a:r>
-          </a:p>
-          <a:p>
-            <a:pPr marL="342900" indent="-342900">
-              <a:buFont typeface="+mj-lt"/>
-              <a:buAutoNum type="arabicPeriod"/>
-            </a:pPr>
-            <a:r>
-              <a:rPr lang="en-US" sz="1600" b="1" dirty="0">
-                <a:solidFill>
-                  <a:schemeClr val="accent6">
-                    <a:lumMod val="50000"/>
-                  </a:schemeClr>
-                </a:solidFill>
-                <a:latin typeface="Aptos Light" panose="020B0004020202020204" pitchFamily="34" charset="0"/>
-              </a:rPr>
-              <a:t>Maintainability</a:t>
-            </a:r>
-            <a:r>
-              <a:rPr lang="en-US" sz="1600" dirty="0">
-                <a:solidFill>
-                  <a:schemeClr val="accent6">
-                    <a:lumMod val="50000"/>
-                  </a:schemeClr>
-                </a:solidFill>
-                <a:latin typeface="Aptos Light" panose="020B0004020202020204" pitchFamily="34" charset="0"/>
-              </a:rPr>
-              <a:t> - Clear separation of business logic</a:t>
-            </a:r>
-          </a:p>
-          <a:p>
-            <a:r>
-              <a:rPr lang="en-US" sz="1600" b="1" dirty="0">
-                <a:solidFill>
-                  <a:srgbClr val="5F6F0F"/>
-                </a:solidFill>
-                <a:latin typeface="Aptos Light" panose="020B0004020202020204" pitchFamily="34" charset="0"/>
-              </a:rPr>
-              <a:t>Error Handling Strategy</a:t>
-            </a:r>
-          </a:p>
-          <a:p>
-            <a:pPr marL="342900" indent="-342900">
-              <a:buFont typeface="+mj-lt"/>
-              <a:buAutoNum type="arabicPeriod"/>
-            </a:pPr>
-            <a:r>
-              <a:rPr lang="en-US" sz="1600" b="1" dirty="0">
-                <a:solidFill>
-                  <a:schemeClr val="accent6">
-                    <a:lumMod val="50000"/>
-                  </a:schemeClr>
-                </a:solidFill>
-                <a:latin typeface="Aptos Light" panose="020B0004020202020204" pitchFamily="34" charset="0"/>
-              </a:rPr>
-              <a:t>Automatic Retries</a:t>
-            </a:r>
-            <a:r>
-              <a:rPr lang="en-US" sz="1600" dirty="0">
-                <a:solidFill>
-                  <a:schemeClr val="accent6">
-                    <a:lumMod val="50000"/>
-                  </a:schemeClr>
-                </a:solidFill>
-                <a:latin typeface="Aptos Light" panose="020B0004020202020204" pitchFamily="34" charset="0"/>
-              </a:rPr>
-              <a:t> with exponential backoff</a:t>
-            </a:r>
-          </a:p>
-          <a:p>
-            <a:pPr marL="342900" indent="-342900">
-              <a:buFont typeface="+mj-lt"/>
-              <a:buAutoNum type="arabicPeriod"/>
-            </a:pPr>
-            <a:r>
-              <a:rPr lang="en-US" sz="1600" b="1" dirty="0">
-                <a:solidFill>
-                  <a:schemeClr val="accent6">
-                    <a:lumMod val="50000"/>
-                  </a:schemeClr>
-                </a:solidFill>
-                <a:latin typeface="Aptos Light" panose="020B0004020202020204" pitchFamily="34" charset="0"/>
-              </a:rPr>
-              <a:t>Compensation Actions</a:t>
-            </a:r>
-            <a:r>
-              <a:rPr lang="en-US" sz="1600" dirty="0">
-                <a:solidFill>
-                  <a:schemeClr val="accent6">
-                    <a:lumMod val="50000"/>
-                  </a:schemeClr>
-                </a:solidFill>
-                <a:latin typeface="Aptos Light" panose="020B0004020202020204" pitchFamily="34" charset="0"/>
-              </a:rPr>
-              <a:t> to rollback on failures</a:t>
-            </a:r>
-          </a:p>
-          <a:p>
-            <a:pPr marL="342900" indent="-342900">
-              <a:buFont typeface="+mj-lt"/>
-              <a:buAutoNum type="arabicPeriod"/>
-            </a:pPr>
-            <a:r>
-              <a:rPr lang="en-US" sz="1600" b="1" dirty="0">
-                <a:solidFill>
-                  <a:schemeClr val="accent6">
-                    <a:lumMod val="50000"/>
-                  </a:schemeClr>
-                </a:solidFill>
-                <a:latin typeface="Aptos Light" panose="020B0004020202020204" pitchFamily="34" charset="0"/>
-              </a:rPr>
-              <a:t>Dead Letter Queues</a:t>
-            </a:r>
-            <a:r>
-              <a:rPr lang="en-US" sz="1600" dirty="0">
-                <a:solidFill>
-                  <a:schemeClr val="accent6">
-                    <a:lumMod val="50000"/>
-                  </a:schemeClr>
-                </a:solidFill>
-                <a:latin typeface="Aptos Light" panose="020B0004020202020204" pitchFamily="34" charset="0"/>
-              </a:rPr>
-              <a:t> for manual intervention</a:t>
-            </a:r>
-          </a:p>
-          <a:p>
-            <a:pPr marL="342900" indent="-342900">
-              <a:buFont typeface="+mj-lt"/>
-              <a:buAutoNum type="arabicPeriod"/>
-            </a:pPr>
-            <a:r>
-              <a:rPr lang="en-US" sz="1600" b="1" dirty="0">
-                <a:solidFill>
-                  <a:schemeClr val="accent6">
-                    <a:lumMod val="50000"/>
-                  </a:schemeClr>
-                </a:solidFill>
-                <a:latin typeface="Aptos Light" panose="020B0004020202020204" pitchFamily="34" charset="0"/>
-              </a:rPr>
-              <a:t>Monitoring Alerts</a:t>
-            </a:r>
-            <a:r>
-              <a:rPr lang="en-US" sz="1600" dirty="0">
-                <a:solidFill>
-                  <a:schemeClr val="accent6">
-                    <a:lumMod val="50000"/>
-                  </a:schemeClr>
-                </a:solidFill>
-                <a:latin typeface="Aptos Light" panose="020B0004020202020204" pitchFamily="34" charset="0"/>
-              </a:rPr>
-              <a:t> for failed workflows</a:t>
-            </a:r>
-          </a:p>
-          <a:p>
-            <a:r>
-              <a:rPr lang="en-US" sz="1600" b="1" dirty="0">
-                <a:solidFill>
-                  <a:srgbClr val="5F6F0F"/>
-                </a:solidFill>
-                <a:latin typeface="Aptos Light" panose="020B0004020202020204" pitchFamily="34" charset="0"/>
-              </a:rPr>
-              <a:t>Fan-out/Fan-in Pattern for Bulk Operations</a:t>
-            </a:r>
-          </a:p>
-          <a:p>
-            <a:pPr marL="342900" indent="-342900">
-              <a:buFont typeface="+mj-lt"/>
-              <a:buAutoNum type="arabicPeriod"/>
-            </a:pPr>
-            <a:r>
-              <a:rPr lang="en-US" sz="1600" dirty="0">
-                <a:solidFill>
-                  <a:schemeClr val="accent6">
-                    <a:lumMod val="50000"/>
-                  </a:schemeClr>
-                </a:solidFill>
-                <a:latin typeface="Aptos Light" panose="020B0004020202020204" pitchFamily="34" charset="0"/>
-              </a:rPr>
-              <a:t>Process multiple orders simultaneously during peak times</a:t>
-            </a:r>
-          </a:p>
-          <a:p>
-            <a:pPr marL="342900" indent="-342900">
-              <a:buFont typeface="+mj-lt"/>
-              <a:buAutoNum type="arabicPeriod"/>
-            </a:pPr>
-            <a:r>
-              <a:rPr lang="en-US" sz="1600" dirty="0">
-                <a:solidFill>
-                  <a:schemeClr val="accent6">
-                    <a:lumMod val="50000"/>
-                  </a:schemeClr>
-                </a:solidFill>
-                <a:latin typeface="Aptos Light" panose="020B0004020202020204" pitchFamily="34" charset="0"/>
-              </a:rPr>
-              <a:t>Generate AI content for multiple products in parallel</a:t>
-            </a:r>
-          </a:p>
-          <a:p>
-            <a:pPr marL="342900" indent="-342900">
-              <a:buFont typeface="+mj-lt"/>
-              <a:buAutoNum type="arabicPeriod"/>
-            </a:pPr>
-            <a:r>
-              <a:rPr lang="en-US" sz="1600" dirty="0">
-                <a:solidFill>
-                  <a:schemeClr val="accent6">
-                    <a:lumMod val="50000"/>
-                  </a:schemeClr>
-                </a:solidFill>
-                <a:latin typeface="Aptos Light" panose="020B0004020202020204" pitchFamily="34" charset="0"/>
-              </a:rPr>
-              <a:t>Aggregate results for reporting and analytics</a:t>
-            </a:r>
+            <a:endParaRPr lang="en-US" sz="1600" dirty="0">
+              <a:solidFill>
+                <a:schemeClr val="accent6">
+                  <a:lumMod val="50000"/>
+                </a:schemeClr>
+              </a:solidFill>
+              <a:latin typeface="Aptos Light" panose="020B0004020202020204" pitchFamily="34" charset="0"/>
+            </a:endParaRPr>
           </a:p>
         </p:txBody>
       </p:sp>
@@ -5828,8 +5532,8 @@
         </p:nvSpPr>
         <p:spPr>
           <a:xfrm>
-            <a:off x="6598468" y="260648"/>
-            <a:ext cx="5256584" cy="400110"/>
+            <a:off x="2782044" y="188640"/>
+            <a:ext cx="7128792" cy="646331"/>
           </a:xfrm>
           <a:prstGeom prst="rect">
             <a:avLst/>
@@ -5843,7 +5547,7 @@
           <a:lstStyle/>
           <a:p>
             <a:r>
-              <a:rPr lang="en-US" sz="2000" b="1" dirty="0">
+              <a:rPr lang="en-US" sz="3600" b="1" dirty="0">
                 <a:solidFill>
                   <a:schemeClr val="accent6">
                     <a:lumMod val="75000"/>
@@ -5851,9 +5555,653 @@
                 </a:solidFill>
                 <a:latin typeface="Aptos Light" panose="020F0502020204030204" pitchFamily="34" charset="0"/>
               </a:rPr>
-              <a:t>Durable Functions for Complex Workflows</a:t>
-            </a:r>
-            <a:endParaRPr lang="en-US" sz="2000" dirty="0"/>
+              <a:t>Messaging Architecture Evolution</a:t>
+            </a:r>
+            <a:endParaRPr lang="en-US" sz="3600" dirty="0"/>
+          </a:p>
+        </p:txBody>
+      </p:sp>
+      <p:sp>
+        <p:nvSpPr>
+          <p:cNvPr id="2" name="TextBox 1">
+            <a:extLst>
+              <a:ext uri="{FF2B5EF4-FFF2-40B4-BE49-F238E27FC236}">
+                <a16:creationId xmlns:a16="http://schemas.microsoft.com/office/drawing/2014/main" id="{C565F6E3-6E8B-46B6-D80F-7441CE76E492}"/>
+              </a:ext>
+            </a:extLst>
+          </p:cNvPr>
+          <p:cNvSpPr txBox="1"/>
+          <p:nvPr/>
+        </p:nvSpPr>
+        <p:spPr>
+          <a:xfrm>
+            <a:off x="6310436" y="908720"/>
+            <a:ext cx="5688632" cy="2893100"/>
+          </a:xfrm>
+          <a:prstGeom prst="rect">
+            <a:avLst/>
+          </a:prstGeom>
+          <a:noFill/>
+        </p:spPr>
+        <p:txBody>
+          <a:bodyPr wrap="square">
+            <a:spAutoFit/>
+          </a:bodyPr>
+          <a:lstStyle/>
+          <a:p>
+            <a:pPr algn="ctr"/>
+            <a:r>
+              <a:rPr lang="en-US" sz="1800" b="1" dirty="0">
+                <a:solidFill>
+                  <a:schemeClr val="accent3">
+                    <a:lumMod val="75000"/>
+                  </a:schemeClr>
+                </a:solidFill>
+                <a:latin typeface="Aptos Light" panose="020B0004020202020204" pitchFamily="34" charset="0"/>
+              </a:rPr>
+              <a:t>Proposed Azure Messaging Architecture</a:t>
+            </a:r>
+          </a:p>
+          <a:p>
+            <a:r>
+              <a:rPr lang="en-US" sz="1800" b="1" dirty="0">
+                <a:solidFill>
+                  <a:srgbClr val="5F6F0F"/>
+                </a:solidFill>
+                <a:latin typeface="Aptos Light" panose="020B0004020202020204" pitchFamily="34" charset="0"/>
+              </a:rPr>
+              <a:t>Azure Service Bus for Reliable Messaging:</a:t>
+            </a:r>
+            <a:endParaRPr lang="en-US" sz="1800" dirty="0">
+              <a:solidFill>
+                <a:srgbClr val="5F6F0F"/>
+              </a:solidFill>
+              <a:latin typeface="Aptos Light" panose="020B0004020202020204" pitchFamily="34" charset="0"/>
+            </a:endParaRPr>
+          </a:p>
+          <a:p>
+            <a:pPr marL="285750" indent="-285750">
+              <a:buFont typeface="Arial" panose="020B0604020202020204" pitchFamily="34" charset="0"/>
+              <a:buChar char="•"/>
+            </a:pPr>
+            <a:r>
+              <a:rPr lang="en-US" sz="1400" b="1" dirty="0">
+                <a:solidFill>
+                  <a:schemeClr val="accent6">
+                    <a:lumMod val="50000"/>
+                  </a:schemeClr>
+                </a:solidFill>
+                <a:latin typeface="Aptos Light" panose="020B0004020202020204" pitchFamily="34" charset="0"/>
+              </a:rPr>
+              <a:t>Guaranteed Delivery</a:t>
+            </a:r>
+            <a:r>
+              <a:rPr lang="en-US" sz="1400" dirty="0">
+                <a:solidFill>
+                  <a:schemeClr val="accent6">
+                    <a:lumMod val="50000"/>
+                  </a:schemeClr>
+                </a:solidFill>
+                <a:latin typeface="Aptos Light" panose="020B0004020202020204" pitchFamily="34" charset="0"/>
+              </a:rPr>
+              <a:t> - At-least-once message delivery</a:t>
+            </a:r>
+          </a:p>
+          <a:p>
+            <a:pPr marL="285750" indent="-285750">
+              <a:buFont typeface="Arial" panose="020B0604020202020204" pitchFamily="34" charset="0"/>
+              <a:buChar char="•"/>
+            </a:pPr>
+            <a:r>
+              <a:rPr lang="en-US" sz="1400" b="1" dirty="0">
+                <a:solidFill>
+                  <a:schemeClr val="accent6">
+                    <a:lumMod val="50000"/>
+                  </a:schemeClr>
+                </a:solidFill>
+                <a:latin typeface="Aptos Light" panose="020B0004020202020204" pitchFamily="34" charset="0"/>
+              </a:rPr>
+              <a:t>Message Sessions</a:t>
+            </a:r>
+            <a:r>
+              <a:rPr lang="en-US" sz="1400" dirty="0">
+                <a:solidFill>
+                  <a:schemeClr val="accent6">
+                    <a:lumMod val="50000"/>
+                  </a:schemeClr>
+                </a:solidFill>
+                <a:latin typeface="Aptos Light" panose="020B0004020202020204" pitchFamily="34" charset="0"/>
+              </a:rPr>
+              <a:t> - Ordered processing for related messages</a:t>
+            </a:r>
+          </a:p>
+          <a:p>
+            <a:pPr marL="285750" indent="-285750">
+              <a:buFont typeface="Arial" panose="020B0604020202020204" pitchFamily="34" charset="0"/>
+              <a:buChar char="•"/>
+            </a:pPr>
+            <a:r>
+              <a:rPr lang="en-US" sz="1400" b="1" dirty="0">
+                <a:solidFill>
+                  <a:schemeClr val="accent6">
+                    <a:lumMod val="50000"/>
+                  </a:schemeClr>
+                </a:solidFill>
+                <a:latin typeface="Aptos Light" panose="020B0004020202020204" pitchFamily="34" charset="0"/>
+              </a:rPr>
+              <a:t>Dead Letter Queues</a:t>
+            </a:r>
+            <a:r>
+              <a:rPr lang="en-US" sz="1400" dirty="0">
+                <a:solidFill>
+                  <a:schemeClr val="accent6">
+                    <a:lumMod val="50000"/>
+                  </a:schemeClr>
+                </a:solidFill>
+                <a:latin typeface="Aptos Light" panose="020B0004020202020204" pitchFamily="34" charset="0"/>
+              </a:rPr>
+              <a:t> - Automatic handling of problematic messages</a:t>
+            </a:r>
+          </a:p>
+          <a:p>
+            <a:pPr marL="285750" indent="-285750">
+              <a:buFont typeface="Arial" panose="020B0604020202020204" pitchFamily="34" charset="0"/>
+              <a:buChar char="•"/>
+            </a:pPr>
+            <a:r>
+              <a:rPr lang="en-US" sz="1400" b="1" dirty="0">
+                <a:solidFill>
+                  <a:schemeClr val="accent6">
+                    <a:lumMod val="50000"/>
+                  </a:schemeClr>
+                </a:solidFill>
+                <a:latin typeface="Aptos Light" panose="020B0004020202020204" pitchFamily="34" charset="0"/>
+              </a:rPr>
+              <a:t>Auto-scaling</a:t>
+            </a:r>
+            <a:r>
+              <a:rPr lang="en-US" sz="1400" dirty="0">
+                <a:solidFill>
+                  <a:schemeClr val="accent6">
+                    <a:lumMod val="50000"/>
+                  </a:schemeClr>
+                </a:solidFill>
+                <a:latin typeface="Aptos Light" panose="020B0004020202020204" pitchFamily="34" charset="0"/>
+              </a:rPr>
+              <a:t> - Handles traffic spikes automatically</a:t>
+            </a:r>
+          </a:p>
+          <a:p>
+            <a:r>
+              <a:rPr lang="en-US" sz="1800" b="1" dirty="0">
+                <a:solidFill>
+                  <a:srgbClr val="5F6F0F"/>
+                </a:solidFill>
+                <a:latin typeface="Aptos Light" panose="020B0004020202020204" pitchFamily="34" charset="0"/>
+              </a:rPr>
+              <a:t>Azure Event Grid for Event Distribution:</a:t>
+            </a:r>
+            <a:endParaRPr lang="en-US" sz="1800" dirty="0">
+              <a:solidFill>
+                <a:srgbClr val="5F6F0F"/>
+              </a:solidFill>
+              <a:latin typeface="Aptos Light" panose="020B0004020202020204" pitchFamily="34" charset="0"/>
+            </a:endParaRPr>
+          </a:p>
+          <a:p>
+            <a:pPr marL="285750" indent="-285750">
+              <a:buFont typeface="Arial" panose="020B0604020202020204" pitchFamily="34" charset="0"/>
+              <a:buChar char="•"/>
+            </a:pPr>
+            <a:r>
+              <a:rPr lang="en-US" sz="1400" b="1" dirty="0">
+                <a:solidFill>
+                  <a:schemeClr val="accent6">
+                    <a:lumMod val="50000"/>
+                  </a:schemeClr>
+                </a:solidFill>
+                <a:latin typeface="Aptos Light" panose="020B0004020202020204" pitchFamily="34" charset="0"/>
+              </a:rPr>
+              <a:t>Pub/Sub Pattern</a:t>
+            </a:r>
+            <a:r>
+              <a:rPr lang="en-US" sz="1400" dirty="0">
+                <a:solidFill>
+                  <a:schemeClr val="accent6">
+                    <a:lumMod val="50000"/>
+                  </a:schemeClr>
+                </a:solidFill>
+                <a:latin typeface="Aptos Light" panose="020B0004020202020204" pitchFamily="34" charset="0"/>
+              </a:rPr>
+              <a:t> - Multiple subscribers for single events</a:t>
+            </a:r>
+          </a:p>
+          <a:p>
+            <a:pPr marL="285750" indent="-285750">
+              <a:buFont typeface="Arial" panose="020B0604020202020204" pitchFamily="34" charset="0"/>
+              <a:buChar char="•"/>
+            </a:pPr>
+            <a:r>
+              <a:rPr lang="en-US" sz="1400" b="1" dirty="0">
+                <a:solidFill>
+                  <a:schemeClr val="accent6">
+                    <a:lumMod val="50000"/>
+                  </a:schemeClr>
+                </a:solidFill>
+                <a:latin typeface="Aptos Light" panose="020B0004020202020204" pitchFamily="34" charset="0"/>
+              </a:rPr>
+              <a:t>Event Filtering</a:t>
+            </a:r>
+            <a:r>
+              <a:rPr lang="en-US" sz="1400" dirty="0">
+                <a:solidFill>
+                  <a:schemeClr val="accent6">
+                    <a:lumMod val="50000"/>
+                  </a:schemeClr>
+                </a:solidFill>
+                <a:latin typeface="Aptos Light" panose="020B0004020202020204" pitchFamily="34" charset="0"/>
+              </a:rPr>
+              <a:t> - Route events based on content and metadata</a:t>
+            </a:r>
+          </a:p>
+          <a:p>
+            <a:pPr marL="285750" indent="-285750">
+              <a:buFont typeface="Arial" panose="020B0604020202020204" pitchFamily="34" charset="0"/>
+              <a:buChar char="•"/>
+            </a:pPr>
+            <a:r>
+              <a:rPr lang="en-US" sz="1400" b="1" dirty="0">
+                <a:solidFill>
+                  <a:schemeClr val="accent6">
+                    <a:lumMod val="50000"/>
+                  </a:schemeClr>
+                </a:solidFill>
+                <a:latin typeface="Aptos Light" panose="020B0004020202020204" pitchFamily="34" charset="0"/>
+              </a:rPr>
+              <a:t>Built-in Retry Logic</a:t>
+            </a:r>
+            <a:r>
+              <a:rPr lang="en-US" sz="1400" dirty="0">
+                <a:solidFill>
+                  <a:schemeClr val="accent6">
+                    <a:lumMod val="50000"/>
+                  </a:schemeClr>
+                </a:solidFill>
+                <a:latin typeface="Aptos Light" panose="020B0004020202020204" pitchFamily="34" charset="0"/>
+              </a:rPr>
+              <a:t> - Automatic retry with exponential backoff</a:t>
+            </a:r>
+          </a:p>
+          <a:p>
+            <a:pPr marL="285750" indent="-285750">
+              <a:buFont typeface="Arial" panose="020B0604020202020204" pitchFamily="34" charset="0"/>
+              <a:buChar char="•"/>
+            </a:pPr>
+            <a:r>
+              <a:rPr lang="en-US" sz="1400" b="1" dirty="0">
+                <a:solidFill>
+                  <a:schemeClr val="accent6">
+                    <a:lumMod val="50000"/>
+                  </a:schemeClr>
+                </a:solidFill>
+                <a:latin typeface="Aptos Light" panose="020B0004020202020204" pitchFamily="34" charset="0"/>
+              </a:rPr>
+              <a:t>Global Distribution</a:t>
+            </a:r>
+            <a:r>
+              <a:rPr lang="en-US" sz="1400" dirty="0">
+                <a:solidFill>
+                  <a:schemeClr val="accent6">
+                    <a:lumMod val="50000"/>
+                  </a:schemeClr>
+                </a:solidFill>
+                <a:latin typeface="Aptos Light" panose="020B0004020202020204" pitchFamily="34" charset="0"/>
+              </a:rPr>
+              <a:t> - Events can be routed worldwide</a:t>
+            </a:r>
+          </a:p>
+          <a:p>
+            <a:pPr marL="342900" indent="-342900">
+              <a:buFont typeface="+mj-lt"/>
+              <a:buAutoNum type="arabicPeriod"/>
+            </a:pPr>
+            <a:endParaRPr lang="en-US" sz="1600" dirty="0">
+              <a:solidFill>
+                <a:schemeClr val="accent6">
+                  <a:lumMod val="50000"/>
+                </a:schemeClr>
+              </a:solidFill>
+              <a:latin typeface="Aptos Light" panose="020B0004020202020204" pitchFamily="34" charset="0"/>
+            </a:endParaRPr>
+          </a:p>
+        </p:txBody>
+      </p:sp>
+      <p:sp>
+        <p:nvSpPr>
+          <p:cNvPr id="4" name="TextBox 3">
+            <a:extLst>
+              <a:ext uri="{FF2B5EF4-FFF2-40B4-BE49-F238E27FC236}">
+                <a16:creationId xmlns:a16="http://schemas.microsoft.com/office/drawing/2014/main" id="{4CCC8596-288A-13F5-F445-F60B8F5BBC0E}"/>
+              </a:ext>
+            </a:extLst>
+          </p:cNvPr>
+          <p:cNvSpPr txBox="1"/>
+          <p:nvPr/>
+        </p:nvSpPr>
+        <p:spPr>
+          <a:xfrm>
+            <a:off x="3070076" y="3717032"/>
+            <a:ext cx="6408712" cy="2862322"/>
+          </a:xfrm>
+          <a:prstGeom prst="rect">
+            <a:avLst/>
+          </a:prstGeom>
+          <a:noFill/>
+        </p:spPr>
+        <p:txBody>
+          <a:bodyPr wrap="square">
+            <a:spAutoFit/>
+          </a:bodyPr>
+          <a:lstStyle/>
+          <a:p>
+            <a:pPr algn="ctr"/>
+            <a:r>
+              <a:rPr lang="en-US" sz="1800" b="1" dirty="0">
+                <a:solidFill>
+                  <a:schemeClr val="accent3">
+                    <a:lumMod val="75000"/>
+                  </a:schemeClr>
+                </a:solidFill>
+                <a:latin typeface="Aptos Light" panose="020B0004020202020204" pitchFamily="34" charset="0"/>
+              </a:rPr>
+              <a:t>Migration Benefits vs Trade-offs</a:t>
+            </a:r>
+          </a:p>
+          <a:p>
+            <a:r>
+              <a:rPr lang="en-US" sz="1800" b="1" dirty="0">
+                <a:solidFill>
+                  <a:srgbClr val="5F6F0F"/>
+                </a:solidFill>
+                <a:latin typeface="Aptos Light" panose="020B0004020202020204" pitchFamily="34" charset="0"/>
+              </a:rPr>
+              <a:t>✅ Benefits:</a:t>
+            </a:r>
+            <a:endParaRPr lang="en-US" sz="1800" dirty="0">
+              <a:solidFill>
+                <a:srgbClr val="5F6F0F"/>
+              </a:solidFill>
+              <a:latin typeface="Aptos Light" panose="020B0004020202020204" pitchFamily="34" charset="0"/>
+            </a:endParaRPr>
+          </a:p>
+          <a:p>
+            <a:pPr marL="285750" indent="-285750">
+              <a:buFont typeface="Arial" panose="020B0604020202020204" pitchFamily="34" charset="0"/>
+              <a:buChar char="•"/>
+            </a:pPr>
+            <a:r>
+              <a:rPr lang="en-US" sz="1400" b="1" dirty="0">
+                <a:solidFill>
+                  <a:schemeClr val="accent6">
+                    <a:lumMod val="50000"/>
+                  </a:schemeClr>
+                </a:solidFill>
+                <a:latin typeface="Aptos Light" panose="020B0004020202020204" pitchFamily="34" charset="0"/>
+              </a:rPr>
+              <a:t>Reduced Operational Overhead</a:t>
+            </a:r>
+            <a:r>
+              <a:rPr lang="en-US" sz="1400" dirty="0">
+                <a:solidFill>
+                  <a:schemeClr val="accent6">
+                    <a:lumMod val="50000"/>
+                  </a:schemeClr>
+                </a:solidFill>
+                <a:latin typeface="Aptos Light" panose="020B0004020202020204" pitchFamily="34" charset="0"/>
+              </a:rPr>
+              <a:t> - Fully managed services</a:t>
+            </a:r>
+          </a:p>
+          <a:p>
+            <a:pPr marL="285750" indent="-285750">
+              <a:buFont typeface="Arial" panose="020B0604020202020204" pitchFamily="34" charset="0"/>
+              <a:buChar char="•"/>
+            </a:pPr>
+            <a:r>
+              <a:rPr lang="en-US" sz="1400" b="1" dirty="0">
+                <a:solidFill>
+                  <a:schemeClr val="accent6">
+                    <a:lumMod val="50000"/>
+                  </a:schemeClr>
+                </a:solidFill>
+                <a:latin typeface="Aptos Light" panose="020B0004020202020204" pitchFamily="34" charset="0"/>
+              </a:rPr>
+              <a:t>Better Reliability</a:t>
+            </a:r>
+            <a:r>
+              <a:rPr lang="en-US" sz="1400" dirty="0">
+                <a:solidFill>
+                  <a:schemeClr val="accent6">
+                    <a:lumMod val="50000"/>
+                  </a:schemeClr>
+                </a:solidFill>
+                <a:latin typeface="Aptos Light" panose="020B0004020202020204" pitchFamily="34" charset="0"/>
+              </a:rPr>
+              <a:t> - Built-in redundancy and failover</a:t>
+            </a:r>
+          </a:p>
+          <a:p>
+            <a:pPr marL="285750" indent="-285750">
+              <a:buFont typeface="Arial" panose="020B0604020202020204" pitchFamily="34" charset="0"/>
+              <a:buChar char="•"/>
+            </a:pPr>
+            <a:r>
+              <a:rPr lang="en-US" sz="1400" b="1" dirty="0">
+                <a:solidFill>
+                  <a:schemeClr val="accent6">
+                    <a:lumMod val="50000"/>
+                  </a:schemeClr>
+                </a:solidFill>
+                <a:latin typeface="Aptos Light" panose="020B0004020202020204" pitchFamily="34" charset="0"/>
+              </a:rPr>
+              <a:t>Automatic Scaling</a:t>
+            </a:r>
+            <a:r>
+              <a:rPr lang="en-US" sz="1400" dirty="0">
+                <a:solidFill>
+                  <a:schemeClr val="accent6">
+                    <a:lumMod val="50000"/>
+                  </a:schemeClr>
+                </a:solidFill>
+                <a:latin typeface="Aptos Light" panose="020B0004020202020204" pitchFamily="34" charset="0"/>
+              </a:rPr>
+              <a:t> - Handle traffic without manual intervention</a:t>
+            </a:r>
+          </a:p>
+          <a:p>
+            <a:pPr marL="285750" indent="-285750">
+              <a:buFont typeface="Arial" panose="020B0604020202020204" pitchFamily="34" charset="0"/>
+              <a:buChar char="•"/>
+            </a:pPr>
+            <a:r>
+              <a:rPr lang="en-US" sz="1400" b="1" dirty="0">
+                <a:solidFill>
+                  <a:schemeClr val="accent6">
+                    <a:lumMod val="50000"/>
+                  </a:schemeClr>
+                </a:solidFill>
+                <a:latin typeface="Aptos Light" panose="020B0004020202020204" pitchFamily="34" charset="0"/>
+              </a:rPr>
+              <a:t>Cost Optimization</a:t>
+            </a:r>
+            <a:r>
+              <a:rPr lang="en-US" sz="1400" dirty="0">
+                <a:solidFill>
+                  <a:schemeClr val="accent6">
+                    <a:lumMod val="50000"/>
+                  </a:schemeClr>
+                </a:solidFill>
+                <a:latin typeface="Aptos Light" panose="020B0004020202020204" pitchFamily="34" charset="0"/>
+              </a:rPr>
+              <a:t> - Pay only for messages processed</a:t>
+            </a:r>
+          </a:p>
+          <a:p>
+            <a:pPr marL="285750" indent="-285750">
+              <a:buFont typeface="Arial" panose="020B0604020202020204" pitchFamily="34" charset="0"/>
+              <a:buChar char="•"/>
+            </a:pPr>
+            <a:r>
+              <a:rPr lang="en-US" sz="1400" b="1" dirty="0">
+                <a:solidFill>
+                  <a:schemeClr val="accent6">
+                    <a:lumMod val="50000"/>
+                  </a:schemeClr>
+                </a:solidFill>
+                <a:latin typeface="Aptos Light" panose="020B0004020202020204" pitchFamily="34" charset="0"/>
+              </a:rPr>
+              <a:t>Enhanced Security</a:t>
+            </a:r>
+            <a:r>
+              <a:rPr lang="en-US" sz="1400" dirty="0">
+                <a:solidFill>
+                  <a:schemeClr val="accent6">
+                    <a:lumMod val="50000"/>
+                  </a:schemeClr>
+                </a:solidFill>
+                <a:latin typeface="Aptos Light" panose="020B0004020202020204" pitchFamily="34" charset="0"/>
+              </a:rPr>
+              <a:t> - Built-in encryption and access control</a:t>
+            </a:r>
+          </a:p>
+          <a:p>
+            <a:r>
+              <a:rPr lang="en-US" sz="1800" b="1" dirty="0">
+                <a:solidFill>
+                  <a:srgbClr val="5F6F0F"/>
+                </a:solidFill>
+                <a:latin typeface="Aptos Light" panose="020B0004020202020204" pitchFamily="34" charset="0"/>
+              </a:rPr>
+              <a:t>⚠️ Trade-offs:</a:t>
+            </a:r>
+            <a:endParaRPr lang="en-US" sz="1800" dirty="0">
+              <a:solidFill>
+                <a:srgbClr val="5F6F0F"/>
+              </a:solidFill>
+              <a:latin typeface="Aptos Light" panose="020B0004020202020204" pitchFamily="34" charset="0"/>
+            </a:endParaRPr>
+          </a:p>
+          <a:p>
+            <a:pPr marL="285750" indent="-285750">
+              <a:buFont typeface="Arial" panose="020B0604020202020204" pitchFamily="34" charset="0"/>
+              <a:buChar char="•"/>
+            </a:pPr>
+            <a:r>
+              <a:rPr lang="en-US" sz="1400" b="1" dirty="0">
+                <a:solidFill>
+                  <a:schemeClr val="accent6">
+                    <a:lumMod val="50000"/>
+                  </a:schemeClr>
+                </a:solidFill>
+                <a:latin typeface="Aptos Light" panose="020B0004020202020204" pitchFamily="34" charset="0"/>
+              </a:rPr>
+              <a:t>Vendor Lock-in</a:t>
+            </a:r>
+            <a:r>
+              <a:rPr lang="en-US" sz="1400" dirty="0">
+                <a:solidFill>
+                  <a:schemeClr val="accent6">
+                    <a:lumMod val="50000"/>
+                  </a:schemeClr>
+                </a:solidFill>
+                <a:latin typeface="Aptos Light" panose="020B0004020202020204" pitchFamily="34" charset="0"/>
+              </a:rPr>
+              <a:t> - Azure-specific implementation</a:t>
+            </a:r>
+          </a:p>
+          <a:p>
+            <a:pPr marL="285750" indent="-285750">
+              <a:buFont typeface="Arial" panose="020B0604020202020204" pitchFamily="34" charset="0"/>
+              <a:buChar char="•"/>
+            </a:pPr>
+            <a:r>
+              <a:rPr lang="en-US" sz="1400" b="1" dirty="0">
+                <a:solidFill>
+                  <a:schemeClr val="accent6">
+                    <a:lumMod val="50000"/>
+                  </a:schemeClr>
+                </a:solidFill>
+                <a:latin typeface="Aptos Light" panose="020B0004020202020204" pitchFamily="34" charset="0"/>
+              </a:rPr>
+              <a:t>Learning Curve</a:t>
+            </a:r>
+            <a:r>
+              <a:rPr lang="en-US" sz="1400" dirty="0">
+                <a:solidFill>
+                  <a:schemeClr val="accent6">
+                    <a:lumMod val="50000"/>
+                  </a:schemeClr>
+                </a:solidFill>
+                <a:latin typeface="Aptos Light" panose="020B0004020202020204" pitchFamily="34" charset="0"/>
+              </a:rPr>
+              <a:t> - Team needs to learn Azure-specific concepts</a:t>
+            </a:r>
+          </a:p>
+          <a:p>
+            <a:pPr marL="285750" indent="-285750">
+              <a:buFont typeface="Arial" panose="020B0604020202020204" pitchFamily="34" charset="0"/>
+              <a:buChar char="•"/>
+            </a:pPr>
+            <a:r>
+              <a:rPr lang="en-US" sz="1400" b="1" dirty="0">
+                <a:solidFill>
+                  <a:schemeClr val="accent6">
+                    <a:lumMod val="50000"/>
+                  </a:schemeClr>
+                </a:solidFill>
+                <a:latin typeface="Aptos Light" panose="020B0004020202020204" pitchFamily="34" charset="0"/>
+              </a:rPr>
+              <a:t>Feature Differences</a:t>
+            </a:r>
+            <a:r>
+              <a:rPr lang="en-US" sz="1400" dirty="0">
+                <a:solidFill>
+                  <a:schemeClr val="accent6">
+                    <a:lumMod val="50000"/>
+                  </a:schemeClr>
+                </a:solidFill>
+                <a:latin typeface="Aptos Light" panose="020B0004020202020204" pitchFamily="34" charset="0"/>
+              </a:rPr>
+              <a:t> - Some RabbitMQ features may not have direct equivalents</a:t>
+            </a:r>
+          </a:p>
+          <a:p>
+            <a:pPr marL="285750" indent="-285750">
+              <a:buFont typeface="Arial" panose="020B0604020202020204" pitchFamily="34" charset="0"/>
+              <a:buChar char="•"/>
+            </a:pPr>
+            <a:r>
+              <a:rPr lang="en-US" sz="1400" b="1" dirty="0">
+                <a:solidFill>
+                  <a:schemeClr val="accent6">
+                    <a:lumMod val="50000"/>
+                  </a:schemeClr>
+                </a:solidFill>
+                <a:latin typeface="Aptos Light" panose="020B0004020202020204" pitchFamily="34" charset="0"/>
+              </a:rPr>
+              <a:t>Migration Complexity</a:t>
+            </a:r>
+            <a:r>
+              <a:rPr lang="en-US" sz="1400" dirty="0">
+                <a:solidFill>
+                  <a:schemeClr val="accent6">
+                    <a:lumMod val="50000"/>
+                  </a:schemeClr>
+                </a:solidFill>
+                <a:latin typeface="Aptos Light" panose="020B0004020202020204" pitchFamily="34" charset="0"/>
+              </a:rPr>
+              <a:t> - Careful planning required for zero-downtime migration</a:t>
+            </a:r>
           </a:p>
         </p:txBody>
       </p:sp>
@@ -5867,13 +6215,13 @@
   <p:clrMapOvr>
     <a:masterClrMapping/>
   </p:clrMapOvr>
-  <mc:AlternateContent xmlns:mc="http://schemas.openxmlformats.org/markup-compatibility/2006">
-    <mc:Choice xmlns:p14="http://schemas.microsoft.com/office/powerpoint/2010/main" Requires="p14">
+  <mc:AlternateContent xmlns:mc="http://schemas.openxmlformats.org/markup-compatibility/2006" xmlns:p14="http://schemas.microsoft.com/office/powerpoint/2010/main">
+    <mc:Choice Requires="p14">
       <p:transition spd="med" p14:dur="700">
         <p:fade/>
       </p:transition>
     </mc:Choice>
-    <mc:Fallback>
+    <mc:Fallback xmlns="">
       <p:transition spd="med">
         <p:fade/>
       </p:transition>
@@ -5929,8 +6277,8 @@
         </p:nvSpPr>
         <p:spPr>
           <a:xfrm>
-            <a:off x="5158308" y="1196752"/>
-            <a:ext cx="8496944" cy="5262979"/>
+            <a:off x="4222204" y="548680"/>
+            <a:ext cx="4320480" cy="3354765"/>
           </a:xfrm>
           <a:prstGeom prst="rect">
             <a:avLst/>
@@ -5944,7 +6292,7 @@
           <a:lstStyle/>
           <a:p>
             <a:r>
-              <a:rPr lang="en-US" sz="1800" b="1" dirty="0">
+              <a:rPr lang="en-US" sz="1400" b="1" dirty="0">
                 <a:solidFill>
                   <a:schemeClr val="accent3">
                     <a:lumMod val="75000"/>
@@ -5952,20 +6300,20 @@
                 </a:solidFill>
                 <a:latin typeface="Aptos Light" panose="020B0004020202020204" pitchFamily="34" charset="0"/>
               </a:rPr>
-              <a:t>Order Processing Orchestration</a:t>
-            </a:r>
-          </a:p>
-          <a:p>
-            <a:r>
-              <a:rPr lang="en-US" sz="1600" b="1" dirty="0">
+              <a:t>Serverless Best Practices Applied</a:t>
+            </a:r>
+          </a:p>
+          <a:p>
+            <a:r>
+              <a:rPr lang="en-US" sz="1400" b="1" dirty="0">
                 <a:solidFill>
                   <a:srgbClr val="5F6F0F"/>
                 </a:solidFill>
                 <a:latin typeface="Aptos Light" panose="020B0004020202020204" pitchFamily="34" charset="0"/>
               </a:rPr>
-              <a:t>Sequential Steps:</a:t>
-            </a:r>
-            <a:endParaRPr lang="en-US" sz="1600" dirty="0">
+              <a:t>Design Principles:</a:t>
+            </a:r>
+            <a:endParaRPr lang="en-US" sz="1400" dirty="0">
               <a:solidFill>
                 <a:srgbClr val="5F6F0F"/>
               </a:solidFill>
@@ -5973,451 +6321,373 @@
             </a:endParaRPr>
           </a:p>
           <a:p>
-            <a:pPr marL="342900" indent="-342900">
-              <a:buFont typeface="+mj-lt"/>
-              <a:buAutoNum type="arabicPeriod"/>
-            </a:pPr>
-            <a:r>
-              <a:rPr lang="en-US" sz="1600" b="1" dirty="0">
-                <a:solidFill>
-                  <a:schemeClr val="accent6">
-                    <a:lumMod val="50000"/>
-                  </a:schemeClr>
-                </a:solidFill>
-                <a:latin typeface="Aptos Light" panose="020B0004020202020204" pitchFamily="34" charset="0"/>
-              </a:rPr>
-              <a:t>Validate Order</a:t>
-            </a:r>
-            <a:r>
-              <a:rPr lang="en-US" sz="1600" dirty="0">
-                <a:solidFill>
-                  <a:schemeClr val="accent6">
-                    <a:lumMod val="50000"/>
-                  </a:schemeClr>
-                </a:solidFill>
-                <a:latin typeface="Aptos Light" panose="020B0004020202020204" pitchFamily="34" charset="0"/>
-              </a:rPr>
-              <a:t> - Check inventory, customer details</a:t>
-            </a:r>
-          </a:p>
-          <a:p>
-            <a:pPr marL="342900" indent="-342900">
-              <a:buFont typeface="+mj-lt"/>
-              <a:buAutoNum type="arabicPeriod"/>
-            </a:pPr>
-            <a:r>
-              <a:rPr lang="en-US" sz="1600" b="1" dirty="0">
-                <a:solidFill>
-                  <a:schemeClr val="accent6">
-                    <a:lumMod val="50000"/>
-                  </a:schemeClr>
-                </a:solidFill>
-                <a:latin typeface="Aptos Light" panose="020B0004020202020204" pitchFamily="34" charset="0"/>
-              </a:rPr>
-              <a:t>Process Payment</a:t>
-            </a:r>
-            <a:r>
-              <a:rPr lang="en-US" sz="1600" dirty="0">
-                <a:solidFill>
-                  <a:schemeClr val="accent6">
-                    <a:lumMod val="50000"/>
-                  </a:schemeClr>
-                </a:solidFill>
-                <a:latin typeface="Aptos Light" panose="020B0004020202020204" pitchFamily="34" charset="0"/>
-              </a:rPr>
-              <a:t> - Handle payment processing</a:t>
-            </a:r>
-          </a:p>
-          <a:p>
-            <a:pPr marL="342900" indent="-342900">
-              <a:buFont typeface="+mj-lt"/>
-              <a:buAutoNum type="arabicPeriod"/>
-            </a:pPr>
-            <a:r>
-              <a:rPr lang="en-US" sz="1600" b="1" dirty="0">
-                <a:solidFill>
-                  <a:schemeClr val="accent6">
-                    <a:lumMod val="50000"/>
-                  </a:schemeClr>
-                </a:solidFill>
-                <a:latin typeface="Aptos Light" panose="020B0004020202020204" pitchFamily="34" charset="0"/>
-              </a:rPr>
-              <a:t>Generate AI Content</a:t>
-            </a:r>
-            <a:r>
-              <a:rPr lang="en-US" sz="1600" dirty="0">
-                <a:solidFill>
-                  <a:schemeClr val="accent6">
-                    <a:lumMod val="50000"/>
-                  </a:schemeClr>
-                </a:solidFill>
-                <a:latin typeface="Aptos Light" panose="020B0004020202020204" pitchFamily="34" charset="0"/>
-              </a:rPr>
-              <a:t> - Create product descriptions (if needed)</a:t>
-            </a:r>
-          </a:p>
-          <a:p>
-            <a:pPr marL="342900" indent="-342900">
-              <a:buFont typeface="+mj-lt"/>
-              <a:buAutoNum type="arabicPeriod"/>
-            </a:pPr>
-            <a:r>
-              <a:rPr lang="en-US" sz="1600" b="1" dirty="0">
-                <a:solidFill>
-                  <a:schemeClr val="accent6">
-                    <a:lumMod val="50000"/>
-                  </a:schemeClr>
-                </a:solidFill>
-                <a:latin typeface="Aptos Light" panose="020B0004020202020204" pitchFamily="34" charset="0"/>
-              </a:rPr>
-              <a:t>Update Inventory</a:t>
-            </a:r>
-            <a:r>
-              <a:rPr lang="en-US" sz="1600" dirty="0">
-                <a:solidFill>
-                  <a:schemeClr val="accent6">
-                    <a:lumMod val="50000"/>
-                  </a:schemeClr>
-                </a:solidFill>
-                <a:latin typeface="Aptos Light" panose="020B0004020202020204" pitchFamily="34" charset="0"/>
-              </a:rPr>
-              <a:t> - Decrement stock levels</a:t>
-            </a:r>
-          </a:p>
-          <a:p>
-            <a:pPr marL="342900" indent="-342900">
-              <a:buFont typeface="+mj-lt"/>
-              <a:buAutoNum type="arabicPeriod"/>
-            </a:pPr>
-            <a:r>
-              <a:rPr lang="en-US" sz="1600" b="1" dirty="0">
-                <a:solidFill>
-                  <a:schemeClr val="accent6">
-                    <a:lumMod val="50000"/>
-                  </a:schemeClr>
-                </a:solidFill>
-                <a:latin typeface="Aptos Light" panose="020B0004020202020204" pitchFamily="34" charset="0"/>
-              </a:rPr>
-              <a:t>Send Notifications</a:t>
-            </a:r>
-            <a:r>
-              <a:rPr lang="en-US" sz="1600" dirty="0">
-                <a:solidFill>
-                  <a:schemeClr val="accent6">
-                    <a:lumMod val="50000"/>
-                  </a:schemeClr>
-                </a:solidFill>
-                <a:latin typeface="Aptos Light" panose="020B0004020202020204" pitchFamily="34" charset="0"/>
-              </a:rPr>
-              <a:t> - Confirm order to customer and staff</a:t>
-            </a:r>
-          </a:p>
-          <a:p>
-            <a:r>
-              <a:rPr lang="en-US" sz="1600" b="1" dirty="0">
+            <a:pPr marL="285750" indent="-285750">
+              <a:buFont typeface="Arial" panose="020B0604020202020204" pitchFamily="34" charset="0"/>
+              <a:buChar char="•"/>
+            </a:pPr>
+            <a:r>
+              <a:rPr lang="en-US" sz="1200" b="1" dirty="0">
+                <a:solidFill>
+                  <a:schemeClr val="accent6">
+                    <a:lumMod val="50000"/>
+                  </a:schemeClr>
+                </a:solidFill>
+                <a:latin typeface="Aptos Light" panose="020B0004020202020204" pitchFamily="34" charset="0"/>
+              </a:rPr>
+              <a:t>Single Responsibility</a:t>
+            </a:r>
+            <a:r>
+              <a:rPr lang="en-US" sz="1200" dirty="0">
+                <a:solidFill>
+                  <a:schemeClr val="accent6">
+                    <a:lumMod val="50000"/>
+                  </a:schemeClr>
+                </a:solidFill>
+                <a:latin typeface="Aptos Light" panose="020B0004020202020204" pitchFamily="34" charset="0"/>
+              </a:rPr>
+              <a:t> - Each function has one clear purpose</a:t>
+            </a:r>
+          </a:p>
+          <a:p>
+            <a:pPr marL="285750" indent="-285750">
+              <a:buFont typeface="Arial" panose="020B0604020202020204" pitchFamily="34" charset="0"/>
+              <a:buChar char="•"/>
+            </a:pPr>
+            <a:r>
+              <a:rPr lang="en-US" sz="1200" b="1" dirty="0">
+                <a:solidFill>
+                  <a:schemeClr val="accent6">
+                    <a:lumMod val="50000"/>
+                  </a:schemeClr>
+                </a:solidFill>
+                <a:latin typeface="Aptos Light" panose="020B0004020202020204" pitchFamily="34" charset="0"/>
+              </a:rPr>
+              <a:t>Stateless Operations</a:t>
+            </a:r>
+            <a:r>
+              <a:rPr lang="en-US" sz="1200" dirty="0">
+                <a:solidFill>
+                  <a:schemeClr val="accent6">
+                    <a:lumMod val="50000"/>
+                  </a:schemeClr>
+                </a:solidFill>
+                <a:latin typeface="Aptos Light" panose="020B0004020202020204" pitchFamily="34" charset="0"/>
+              </a:rPr>
+              <a:t> - No dependencies on local storage</a:t>
+            </a:r>
+          </a:p>
+          <a:p>
+            <a:pPr marL="285750" indent="-285750">
+              <a:buFont typeface="Arial" panose="020B0604020202020204" pitchFamily="34" charset="0"/>
+              <a:buChar char="•"/>
+            </a:pPr>
+            <a:r>
+              <a:rPr lang="en-US" sz="1200" b="1" dirty="0">
+                <a:solidFill>
+                  <a:schemeClr val="accent6">
+                    <a:lumMod val="50000"/>
+                  </a:schemeClr>
+                </a:solidFill>
+                <a:latin typeface="Aptos Light" panose="020B0004020202020204" pitchFamily="34" charset="0"/>
+              </a:rPr>
+              <a:t>Idempotent Functions</a:t>
+            </a:r>
+            <a:r>
+              <a:rPr lang="en-US" sz="1200" dirty="0">
+                <a:solidFill>
+                  <a:schemeClr val="accent6">
+                    <a:lumMod val="50000"/>
+                  </a:schemeClr>
+                </a:solidFill>
+                <a:latin typeface="Aptos Light" panose="020B0004020202020204" pitchFamily="34" charset="0"/>
+              </a:rPr>
+              <a:t> - Safe to retry operations</a:t>
+            </a:r>
+          </a:p>
+          <a:p>
+            <a:pPr marL="285750" indent="-285750">
+              <a:buFont typeface="Arial" panose="020B0604020202020204" pitchFamily="34" charset="0"/>
+              <a:buChar char="•"/>
+            </a:pPr>
+            <a:r>
+              <a:rPr lang="en-US" sz="1200" b="1" dirty="0">
+                <a:solidFill>
+                  <a:schemeClr val="accent6">
+                    <a:lumMod val="50000"/>
+                  </a:schemeClr>
+                </a:solidFill>
+                <a:latin typeface="Aptos Light" panose="020B0004020202020204" pitchFamily="34" charset="0"/>
+              </a:rPr>
+              <a:t>Small and Fast</a:t>
+            </a:r>
+            <a:r>
+              <a:rPr lang="en-US" sz="1200" dirty="0">
+                <a:solidFill>
+                  <a:schemeClr val="accent6">
+                    <a:lumMod val="50000"/>
+                  </a:schemeClr>
+                </a:solidFill>
+                <a:latin typeface="Aptos Light" panose="020B0004020202020204" pitchFamily="34" charset="0"/>
+              </a:rPr>
+              <a:t> - Quick startup and execution times</a:t>
+            </a:r>
+          </a:p>
+          <a:p>
+            <a:r>
+              <a:rPr lang="en-US" sz="1400" b="1" dirty="0">
                 <a:solidFill>
                   <a:srgbClr val="5F6F0F"/>
                 </a:solidFill>
                 <a:latin typeface="Aptos Light" panose="020B0004020202020204" pitchFamily="34" charset="0"/>
               </a:rPr>
-              <a:t>Key Advantages of Orchestration</a:t>
-            </a:r>
-          </a:p>
-          <a:p>
-            <a:pPr marL="342900" indent="-342900">
-              <a:buFont typeface="+mj-lt"/>
-              <a:buAutoNum type="arabicPeriod"/>
-            </a:pPr>
-            <a:r>
-              <a:rPr lang="en-US" sz="1600" b="1" dirty="0">
-                <a:solidFill>
-                  <a:schemeClr val="accent6">
-                    <a:lumMod val="50000"/>
-                  </a:schemeClr>
-                </a:solidFill>
-                <a:latin typeface="Aptos Light" panose="020B0004020202020204" pitchFamily="34" charset="0"/>
-              </a:rPr>
-              <a:t>Reliability</a:t>
-            </a:r>
-            <a:r>
-              <a:rPr lang="en-US" sz="1600" dirty="0">
-                <a:solidFill>
-                  <a:schemeClr val="accent6">
-                    <a:lumMod val="50000"/>
-                  </a:schemeClr>
-                </a:solidFill>
-                <a:latin typeface="Aptos Light" panose="020B0004020202020204" pitchFamily="34" charset="0"/>
-              </a:rPr>
-              <a:t> - Each step can retry independently</a:t>
-            </a:r>
-          </a:p>
-          <a:p>
-            <a:pPr marL="342900" indent="-342900">
-              <a:buFont typeface="+mj-lt"/>
-              <a:buAutoNum type="arabicPeriod"/>
-            </a:pPr>
-            <a:r>
-              <a:rPr lang="en-US" sz="1600" b="1" dirty="0">
-                <a:solidFill>
-                  <a:schemeClr val="accent6">
-                    <a:lumMod val="50000"/>
-                  </a:schemeClr>
-                </a:solidFill>
-                <a:latin typeface="Aptos Light" panose="020B0004020202020204" pitchFamily="34" charset="0"/>
-              </a:rPr>
-              <a:t>Visibility</a:t>
-            </a:r>
-            <a:r>
-              <a:rPr lang="en-US" sz="1600" dirty="0">
-                <a:solidFill>
-                  <a:schemeClr val="accent6">
-                    <a:lumMod val="50000"/>
-                  </a:schemeClr>
-                </a:solidFill>
-                <a:latin typeface="Aptos Light" panose="020B0004020202020204" pitchFamily="34" charset="0"/>
-              </a:rPr>
-              <a:t> - Track progress of each order through pipeline</a:t>
-            </a:r>
-          </a:p>
-          <a:p>
-            <a:pPr marL="342900" indent="-342900">
-              <a:buFont typeface="+mj-lt"/>
-              <a:buAutoNum type="arabicPeriod"/>
-            </a:pPr>
-            <a:r>
-              <a:rPr lang="en-US" sz="1600" b="1" dirty="0">
-                <a:solidFill>
-                  <a:schemeClr val="accent6">
-                    <a:lumMod val="50000"/>
-                  </a:schemeClr>
-                </a:solidFill>
-                <a:latin typeface="Aptos Light" panose="020B0004020202020204" pitchFamily="34" charset="0"/>
-              </a:rPr>
-              <a:t>Scalability</a:t>
-            </a:r>
-            <a:r>
-              <a:rPr lang="en-US" sz="1600" dirty="0">
-                <a:solidFill>
-                  <a:schemeClr val="accent6">
-                    <a:lumMod val="50000"/>
-                  </a:schemeClr>
-                </a:solidFill>
-                <a:latin typeface="Aptos Light" panose="020B0004020202020204" pitchFamily="34" charset="0"/>
-              </a:rPr>
-              <a:t> - Each step scales based on its own demands</a:t>
-            </a:r>
-          </a:p>
-          <a:p>
-            <a:pPr marL="342900" indent="-342900">
-              <a:buFont typeface="+mj-lt"/>
-              <a:buAutoNum type="arabicPeriod"/>
-            </a:pPr>
-            <a:r>
-              <a:rPr lang="en-US" sz="1600" b="1" dirty="0">
-                <a:solidFill>
-                  <a:schemeClr val="accent6">
-                    <a:lumMod val="50000"/>
-                  </a:schemeClr>
-                </a:solidFill>
-                <a:latin typeface="Aptos Light" panose="020B0004020202020204" pitchFamily="34" charset="0"/>
-              </a:rPr>
-              <a:t>Maintainability</a:t>
-            </a:r>
-            <a:r>
-              <a:rPr lang="en-US" sz="1600" dirty="0">
-                <a:solidFill>
-                  <a:schemeClr val="accent6">
-                    <a:lumMod val="50000"/>
-                  </a:schemeClr>
-                </a:solidFill>
-                <a:latin typeface="Aptos Light" panose="020B0004020202020204" pitchFamily="34" charset="0"/>
-              </a:rPr>
-              <a:t> - Clear separation of business logic</a:t>
-            </a:r>
-          </a:p>
-          <a:p>
-            <a:r>
-              <a:rPr lang="en-US" sz="1600" b="1" dirty="0">
+              <a:t>Performance Optimization:</a:t>
+            </a:r>
+            <a:endParaRPr lang="en-US" sz="1400" dirty="0">
+              <a:solidFill>
+                <a:srgbClr val="5F6F0F"/>
+              </a:solidFill>
+              <a:latin typeface="Aptos Light" panose="020B0004020202020204" pitchFamily="34" charset="0"/>
+            </a:endParaRPr>
+          </a:p>
+          <a:p>
+            <a:pPr marL="285750" indent="-285750">
+              <a:buFont typeface="Arial" panose="020B0604020202020204" pitchFamily="34" charset="0"/>
+              <a:buChar char="•"/>
+            </a:pPr>
+            <a:r>
+              <a:rPr lang="en-US" sz="1200" b="1" dirty="0">
+                <a:solidFill>
+                  <a:schemeClr val="accent6">
+                    <a:lumMod val="50000"/>
+                  </a:schemeClr>
+                </a:solidFill>
+                <a:latin typeface="Aptos Light" panose="020B0004020202020204" pitchFamily="34" charset="0"/>
+              </a:rPr>
+              <a:t>Premium Plans</a:t>
+            </a:r>
+            <a:r>
+              <a:rPr lang="en-US" sz="1200" dirty="0">
+                <a:solidFill>
+                  <a:schemeClr val="accent6">
+                    <a:lumMod val="50000"/>
+                  </a:schemeClr>
+                </a:solidFill>
+                <a:latin typeface="Aptos Light" panose="020B0004020202020204" pitchFamily="34" charset="0"/>
+              </a:rPr>
+              <a:t> for consistent performance</a:t>
+            </a:r>
+          </a:p>
+          <a:p>
+            <a:pPr marL="285750" indent="-285750">
+              <a:buFont typeface="Arial" panose="020B0604020202020204" pitchFamily="34" charset="0"/>
+              <a:buChar char="•"/>
+            </a:pPr>
+            <a:r>
+              <a:rPr lang="en-US" sz="1200" b="1" dirty="0">
+                <a:solidFill>
+                  <a:schemeClr val="accent6">
+                    <a:lumMod val="50000"/>
+                  </a:schemeClr>
+                </a:solidFill>
+                <a:latin typeface="Aptos Light" panose="020B0004020202020204" pitchFamily="34" charset="0"/>
+              </a:rPr>
+              <a:t>Connection Pooling</a:t>
+            </a:r>
+            <a:r>
+              <a:rPr lang="en-US" sz="1200" dirty="0">
+                <a:solidFill>
+                  <a:schemeClr val="accent6">
+                    <a:lumMod val="50000"/>
+                  </a:schemeClr>
+                </a:solidFill>
+                <a:latin typeface="Aptos Light" panose="020B0004020202020204" pitchFamily="34" charset="0"/>
+              </a:rPr>
+              <a:t> to reduce cold start impact</a:t>
+            </a:r>
+          </a:p>
+          <a:p>
+            <a:pPr marL="285750" indent="-285750">
+              <a:buFont typeface="Arial" panose="020B0604020202020204" pitchFamily="34" charset="0"/>
+              <a:buChar char="•"/>
+            </a:pPr>
+            <a:r>
+              <a:rPr lang="en-US" sz="1200" b="1" dirty="0">
+                <a:solidFill>
+                  <a:schemeClr val="accent6">
+                    <a:lumMod val="50000"/>
+                  </a:schemeClr>
+                </a:solidFill>
+                <a:latin typeface="Aptos Light" panose="020B0004020202020204" pitchFamily="34" charset="0"/>
+              </a:rPr>
+              <a:t>Async Processing</a:t>
+            </a:r>
+            <a:r>
+              <a:rPr lang="en-US" sz="1200" dirty="0">
+                <a:solidFill>
+                  <a:schemeClr val="accent6">
+                    <a:lumMod val="50000"/>
+                  </a:schemeClr>
+                </a:solidFill>
+                <a:latin typeface="Aptos Light" panose="020B0004020202020204" pitchFamily="34" charset="0"/>
+              </a:rPr>
+              <a:t> for better resource utilization</a:t>
+            </a:r>
+          </a:p>
+          <a:p>
+            <a:pPr marL="285750" indent="-285750">
+              <a:buFont typeface="Arial" panose="020B0604020202020204" pitchFamily="34" charset="0"/>
+              <a:buChar char="•"/>
+            </a:pPr>
+            <a:r>
+              <a:rPr lang="en-US" sz="1200" b="1" dirty="0">
+                <a:solidFill>
+                  <a:schemeClr val="accent6">
+                    <a:lumMod val="50000"/>
+                  </a:schemeClr>
+                </a:solidFill>
+                <a:latin typeface="Aptos Light" panose="020B0004020202020204" pitchFamily="34" charset="0"/>
+              </a:rPr>
+              <a:t>Output Caching</a:t>
+            </a:r>
+            <a:r>
+              <a:rPr lang="en-US" sz="1200" dirty="0">
+                <a:solidFill>
+                  <a:schemeClr val="accent6">
+                    <a:lumMod val="50000"/>
+                  </a:schemeClr>
+                </a:solidFill>
+                <a:latin typeface="Aptos Light" panose="020B0004020202020204" pitchFamily="34" charset="0"/>
+              </a:rPr>
+              <a:t> for frequently requested data</a:t>
+            </a:r>
+          </a:p>
+          <a:p>
+            <a:r>
+              <a:rPr lang="en-US" sz="1400" b="1" dirty="0">
                 <a:solidFill>
                   <a:srgbClr val="5F6F0F"/>
                 </a:solidFill>
                 <a:latin typeface="Aptos Light" panose="020B0004020202020204" pitchFamily="34" charset="0"/>
               </a:rPr>
-              <a:t>Error Handling Strategy</a:t>
-            </a:r>
-          </a:p>
-          <a:p>
-            <a:pPr marL="342900" indent="-342900">
-              <a:buFont typeface="+mj-lt"/>
-              <a:buAutoNum type="arabicPeriod"/>
-            </a:pPr>
-            <a:r>
-              <a:rPr lang="en-US" sz="1600" b="1" dirty="0">
-                <a:solidFill>
-                  <a:schemeClr val="accent6">
-                    <a:lumMod val="50000"/>
-                  </a:schemeClr>
-                </a:solidFill>
-                <a:latin typeface="Aptos Light" panose="020B0004020202020204" pitchFamily="34" charset="0"/>
-              </a:rPr>
-              <a:t>Automatic Retries</a:t>
-            </a:r>
-            <a:r>
-              <a:rPr lang="en-US" sz="1600" dirty="0">
-                <a:solidFill>
-                  <a:schemeClr val="accent6">
-                    <a:lumMod val="50000"/>
-                  </a:schemeClr>
-                </a:solidFill>
-                <a:latin typeface="Aptos Light" panose="020B0004020202020204" pitchFamily="34" charset="0"/>
-              </a:rPr>
-              <a:t> with exponential backoff</a:t>
-            </a:r>
-          </a:p>
-          <a:p>
-            <a:pPr marL="342900" indent="-342900">
-              <a:buFont typeface="+mj-lt"/>
-              <a:buAutoNum type="arabicPeriod"/>
-            </a:pPr>
-            <a:r>
-              <a:rPr lang="en-US" sz="1600" b="1" dirty="0">
-                <a:solidFill>
-                  <a:schemeClr val="accent6">
-                    <a:lumMod val="50000"/>
-                  </a:schemeClr>
-                </a:solidFill>
-                <a:latin typeface="Aptos Light" panose="020B0004020202020204" pitchFamily="34" charset="0"/>
-              </a:rPr>
-              <a:t>Compensation Actions</a:t>
-            </a:r>
-            <a:r>
-              <a:rPr lang="en-US" sz="1600" dirty="0">
-                <a:solidFill>
-                  <a:schemeClr val="accent6">
-                    <a:lumMod val="50000"/>
-                  </a:schemeClr>
-                </a:solidFill>
-                <a:latin typeface="Aptos Light" panose="020B0004020202020204" pitchFamily="34" charset="0"/>
-              </a:rPr>
-              <a:t> to rollback on failures</a:t>
-            </a:r>
-          </a:p>
-          <a:p>
-            <a:pPr marL="342900" indent="-342900">
-              <a:buFont typeface="+mj-lt"/>
-              <a:buAutoNum type="arabicPeriod"/>
-            </a:pPr>
-            <a:r>
-              <a:rPr lang="en-US" sz="1600" b="1" dirty="0">
-                <a:solidFill>
-                  <a:schemeClr val="accent6">
-                    <a:lumMod val="50000"/>
-                  </a:schemeClr>
-                </a:solidFill>
-                <a:latin typeface="Aptos Light" panose="020B0004020202020204" pitchFamily="34" charset="0"/>
-              </a:rPr>
-              <a:t>Dead Letter Queues</a:t>
-            </a:r>
-            <a:r>
-              <a:rPr lang="en-US" sz="1600" dirty="0">
-                <a:solidFill>
-                  <a:schemeClr val="accent6">
-                    <a:lumMod val="50000"/>
-                  </a:schemeClr>
-                </a:solidFill>
-                <a:latin typeface="Aptos Light" panose="020B0004020202020204" pitchFamily="34" charset="0"/>
-              </a:rPr>
-              <a:t> for manual intervention</a:t>
-            </a:r>
-          </a:p>
-          <a:p>
-            <a:pPr marL="342900" indent="-342900">
-              <a:buFont typeface="+mj-lt"/>
-              <a:buAutoNum type="arabicPeriod"/>
-            </a:pPr>
-            <a:r>
-              <a:rPr lang="en-US" sz="1600" b="1" dirty="0">
-                <a:solidFill>
-                  <a:schemeClr val="accent6">
-                    <a:lumMod val="50000"/>
-                  </a:schemeClr>
-                </a:solidFill>
-                <a:latin typeface="Aptos Light" panose="020B0004020202020204" pitchFamily="34" charset="0"/>
-              </a:rPr>
-              <a:t>Monitoring Alerts</a:t>
-            </a:r>
-            <a:r>
-              <a:rPr lang="en-US" sz="1600" dirty="0">
-                <a:solidFill>
-                  <a:schemeClr val="accent6">
-                    <a:lumMod val="50000"/>
-                  </a:schemeClr>
-                </a:solidFill>
-                <a:latin typeface="Aptos Light" panose="020B0004020202020204" pitchFamily="34" charset="0"/>
-              </a:rPr>
-              <a:t> for failed workflows</a:t>
-            </a:r>
-          </a:p>
-          <a:p>
-            <a:r>
-              <a:rPr lang="en-US" sz="1600" b="1" dirty="0">
-                <a:solidFill>
-                  <a:srgbClr val="5F6F0F"/>
-                </a:solidFill>
-                <a:latin typeface="Aptos Light" panose="020B0004020202020204" pitchFamily="34" charset="0"/>
-              </a:rPr>
-              <a:t>Fan-out/Fan-in Pattern for Bulk Operations</a:t>
-            </a:r>
-          </a:p>
-          <a:p>
-            <a:pPr marL="342900" indent="-342900">
-              <a:buFont typeface="+mj-lt"/>
-              <a:buAutoNum type="arabicPeriod"/>
-            </a:pPr>
-            <a:r>
-              <a:rPr lang="en-US" sz="1600" dirty="0">
-                <a:solidFill>
-                  <a:schemeClr val="accent6">
-                    <a:lumMod val="50000"/>
-                  </a:schemeClr>
-                </a:solidFill>
-                <a:latin typeface="Aptos Light" panose="020B0004020202020204" pitchFamily="34" charset="0"/>
-              </a:rPr>
-              <a:t>Process multiple orders simultaneously during peak times</a:t>
-            </a:r>
-          </a:p>
-          <a:p>
-            <a:pPr marL="342900" indent="-342900">
-              <a:buFont typeface="+mj-lt"/>
-              <a:buAutoNum type="arabicPeriod"/>
-            </a:pPr>
-            <a:r>
-              <a:rPr lang="en-US" sz="1600" dirty="0">
-                <a:solidFill>
-                  <a:schemeClr val="accent6">
-                    <a:lumMod val="50000"/>
-                  </a:schemeClr>
-                </a:solidFill>
-                <a:latin typeface="Aptos Light" panose="020B0004020202020204" pitchFamily="34" charset="0"/>
-              </a:rPr>
-              <a:t>Generate AI content for multiple products in parallel</a:t>
-            </a:r>
-          </a:p>
-          <a:p>
-            <a:pPr marL="342900" indent="-342900">
-              <a:buFont typeface="+mj-lt"/>
-              <a:buAutoNum type="arabicPeriod"/>
-            </a:pPr>
-            <a:r>
-              <a:rPr lang="en-US" sz="1600" dirty="0">
-                <a:solidFill>
-                  <a:schemeClr val="accent6">
-                    <a:lumMod val="50000"/>
-                  </a:schemeClr>
-                </a:solidFill>
-                <a:latin typeface="Aptos Light" panose="020B0004020202020204" pitchFamily="34" charset="0"/>
-              </a:rPr>
-              <a:t>Aggregate results for reporting and analytics</a:t>
+              <a:t>Reliability Patterns:</a:t>
+            </a:r>
+            <a:endParaRPr lang="en-US" sz="1400" dirty="0">
+              <a:solidFill>
+                <a:srgbClr val="5F6F0F"/>
+              </a:solidFill>
+              <a:latin typeface="Aptos Light" panose="020B0004020202020204" pitchFamily="34" charset="0"/>
+            </a:endParaRPr>
+          </a:p>
+          <a:p>
+            <a:pPr marL="285750" indent="-285750">
+              <a:buFont typeface="Arial" panose="020B0604020202020204" pitchFamily="34" charset="0"/>
+              <a:buChar char="•"/>
+            </a:pPr>
+            <a:r>
+              <a:rPr lang="en-US" sz="1200" b="1" dirty="0">
+                <a:solidFill>
+                  <a:schemeClr val="accent6">
+                    <a:lumMod val="50000"/>
+                  </a:schemeClr>
+                </a:solidFill>
+                <a:latin typeface="Aptos Light" panose="020B0004020202020204" pitchFamily="34" charset="0"/>
+              </a:rPr>
+              <a:t>Circuit Breaker</a:t>
+            </a:r>
+            <a:r>
+              <a:rPr lang="en-US" sz="1200" dirty="0">
+                <a:solidFill>
+                  <a:schemeClr val="accent6">
+                    <a:lumMod val="50000"/>
+                  </a:schemeClr>
+                </a:solidFill>
+                <a:latin typeface="Aptos Light" panose="020B0004020202020204" pitchFamily="34" charset="0"/>
+              </a:rPr>
+              <a:t> - Prevent cascading failures</a:t>
+            </a:r>
+          </a:p>
+          <a:p>
+            <a:pPr marL="285750" indent="-285750">
+              <a:buFont typeface="Arial" panose="020B0604020202020204" pitchFamily="34" charset="0"/>
+              <a:buChar char="•"/>
+            </a:pPr>
+            <a:r>
+              <a:rPr lang="en-US" sz="1200" b="1" dirty="0">
+                <a:solidFill>
+                  <a:schemeClr val="accent6">
+                    <a:lumMod val="50000"/>
+                  </a:schemeClr>
+                </a:solidFill>
+                <a:latin typeface="Aptos Light" panose="020B0004020202020204" pitchFamily="34" charset="0"/>
+              </a:rPr>
+              <a:t>Retry Policies</a:t>
+            </a:r>
+            <a:r>
+              <a:rPr lang="en-US" sz="1200" dirty="0">
+                <a:solidFill>
+                  <a:schemeClr val="accent6">
+                    <a:lumMod val="50000"/>
+                  </a:schemeClr>
+                </a:solidFill>
+                <a:latin typeface="Aptos Light" panose="020B0004020202020204" pitchFamily="34" charset="0"/>
+              </a:rPr>
+              <a:t> - Handle transient failures gracefully</a:t>
+            </a:r>
+          </a:p>
+          <a:p>
+            <a:pPr marL="285750" indent="-285750">
+              <a:buFont typeface="Arial" panose="020B0604020202020204" pitchFamily="34" charset="0"/>
+              <a:buChar char="•"/>
+            </a:pPr>
+            <a:r>
+              <a:rPr lang="en-US" sz="1200" b="1" dirty="0">
+                <a:solidFill>
+                  <a:schemeClr val="accent6">
+                    <a:lumMod val="50000"/>
+                  </a:schemeClr>
+                </a:solidFill>
+                <a:latin typeface="Aptos Light" panose="020B0004020202020204" pitchFamily="34" charset="0"/>
+              </a:rPr>
+              <a:t>Bulkhead Isolation</a:t>
+            </a:r>
+            <a:r>
+              <a:rPr lang="en-US" sz="1200" dirty="0">
+                <a:solidFill>
+                  <a:schemeClr val="accent6">
+                    <a:lumMod val="50000"/>
+                  </a:schemeClr>
+                </a:solidFill>
+                <a:latin typeface="Aptos Light" panose="020B0004020202020204" pitchFamily="34" charset="0"/>
+              </a:rPr>
+              <a:t> - Separate critical from non-critical functions</a:t>
+            </a:r>
+          </a:p>
+          <a:p>
+            <a:pPr marL="285750" indent="-285750">
+              <a:buFont typeface="Arial" panose="020B0604020202020204" pitchFamily="34" charset="0"/>
+              <a:buChar char="•"/>
+            </a:pPr>
+            <a:r>
+              <a:rPr lang="en-US" sz="1200" b="1" dirty="0">
+                <a:solidFill>
+                  <a:schemeClr val="accent6">
+                    <a:lumMod val="50000"/>
+                  </a:schemeClr>
+                </a:solidFill>
+                <a:latin typeface="Aptos Light" panose="020B0004020202020204" pitchFamily="34" charset="0"/>
+              </a:rPr>
+              <a:t>Health Checks</a:t>
+            </a:r>
+            <a:r>
+              <a:rPr lang="en-US" sz="1200" dirty="0">
+                <a:solidFill>
+                  <a:schemeClr val="accent6">
+                    <a:lumMod val="50000"/>
+                  </a:schemeClr>
+                </a:solidFill>
+                <a:latin typeface="Aptos Light" panose="020B0004020202020204" pitchFamily="34" charset="0"/>
+              </a:rPr>
+              <a:t> - Monitor function health and dependencies</a:t>
             </a:r>
           </a:p>
         </p:txBody>
@@ -6436,7 +6706,7 @@
         </p:nvSpPr>
         <p:spPr>
           <a:xfrm>
-            <a:off x="6598468" y="260648"/>
+            <a:off x="5806380" y="76562"/>
             <a:ext cx="5256584" cy="400110"/>
           </a:xfrm>
           <a:prstGeom prst="rect">
@@ -6459,7 +6729,7 @@
                 </a:solidFill>
                 <a:latin typeface="Aptos Light" panose="020F0502020204030204" pitchFamily="34" charset="0"/>
               </a:rPr>
-              <a:t>Durable Functions for Complex Workflows</a:t>
+              <a:t>Implementation Roadmap &amp; Success Metrics</a:t>
             </a:r>
             <a:endParaRPr lang="en-US" sz="2000" dirty="0"/>
           </a:p>
@@ -6501,6 +6771,802 @@
           </a:prstGeom>
         </p:spPr>
       </p:pic>
+      <p:sp>
+        <p:nvSpPr>
+          <p:cNvPr id="2" name="TextBox 1">
+            <a:extLst>
+              <a:ext uri="{FF2B5EF4-FFF2-40B4-BE49-F238E27FC236}">
+                <a16:creationId xmlns:a16="http://schemas.microsoft.com/office/drawing/2014/main" id="{599A7204-07D6-A835-9742-4E8F21D2264A}"/>
+              </a:ext>
+            </a:extLst>
+          </p:cNvPr>
+          <p:cNvSpPr txBox="1"/>
+          <p:nvPr/>
+        </p:nvSpPr>
+        <p:spPr>
+          <a:xfrm>
+            <a:off x="4222204" y="3933056"/>
+            <a:ext cx="4608512" cy="2800767"/>
+          </a:xfrm>
+          <a:prstGeom prst="rect">
+            <a:avLst/>
+          </a:prstGeom>
+          <a:noFill/>
+        </p:spPr>
+        <p:txBody>
+          <a:bodyPr wrap="square">
+            <a:spAutoFit/>
+          </a:bodyPr>
+          <a:lstStyle/>
+          <a:p>
+            <a:r>
+              <a:rPr lang="en-US" sz="1400" b="1" dirty="0">
+                <a:solidFill>
+                  <a:schemeClr val="accent3">
+                    <a:lumMod val="75000"/>
+                  </a:schemeClr>
+                </a:solidFill>
+                <a:latin typeface="Aptos Light" panose="020B0004020202020204" pitchFamily="34" charset="0"/>
+              </a:rPr>
+              <a:t>Expected Business Impact</a:t>
+            </a:r>
+          </a:p>
+          <a:p>
+            <a:r>
+              <a:rPr lang="en-US" sz="1400" b="1" dirty="0">
+                <a:solidFill>
+                  <a:srgbClr val="5F6F0F"/>
+                </a:solidFill>
+                <a:latin typeface="Aptos Light" panose="020B0004020202020204" pitchFamily="34" charset="0"/>
+              </a:rPr>
+              <a:t>Cost Optimization:</a:t>
+            </a:r>
+            <a:endParaRPr lang="en-US" sz="1400" dirty="0">
+              <a:solidFill>
+                <a:srgbClr val="5F6F0F"/>
+              </a:solidFill>
+              <a:latin typeface="Aptos Light" panose="020B0004020202020204" pitchFamily="34" charset="0"/>
+            </a:endParaRPr>
+          </a:p>
+          <a:p>
+            <a:pPr marL="171450" indent="-171450">
+              <a:buFont typeface="Arial" panose="020B0604020202020204" pitchFamily="34" charset="0"/>
+              <a:buChar char="•"/>
+            </a:pPr>
+            <a:r>
+              <a:rPr lang="en-US" sz="1200" b="1" dirty="0">
+                <a:solidFill>
+                  <a:schemeClr val="accent6">
+                    <a:lumMod val="50000"/>
+                  </a:schemeClr>
+                </a:solidFill>
+                <a:latin typeface="Aptos Light" panose="020B0004020202020204" pitchFamily="34" charset="0"/>
+              </a:rPr>
+              <a:t>60-80% Infrastructure Cost Reduction</a:t>
+            </a:r>
+            <a:r>
+              <a:rPr lang="en-US" sz="1200" dirty="0">
+                <a:solidFill>
+                  <a:schemeClr val="accent6">
+                    <a:lumMod val="50000"/>
+                  </a:schemeClr>
+                </a:solidFill>
+                <a:latin typeface="Aptos Light" panose="020B0004020202020204" pitchFamily="34" charset="0"/>
+              </a:rPr>
+              <a:t> through pay-per-use model</a:t>
+            </a:r>
+          </a:p>
+          <a:p>
+            <a:pPr marL="171450" indent="-171450">
+              <a:buFont typeface="Arial" panose="020B0604020202020204" pitchFamily="34" charset="0"/>
+              <a:buChar char="•"/>
+            </a:pPr>
+            <a:r>
+              <a:rPr lang="en-US" sz="1200" b="1" dirty="0">
+                <a:solidFill>
+                  <a:schemeClr val="accent6">
+                    <a:lumMod val="50000"/>
+                  </a:schemeClr>
+                </a:solidFill>
+                <a:latin typeface="Aptos Light" panose="020B0004020202020204" pitchFamily="34" charset="0"/>
+              </a:rPr>
+              <a:t>Reduced Operational Overhead</a:t>
+            </a:r>
+            <a:r>
+              <a:rPr lang="en-US" sz="1200" dirty="0">
+                <a:solidFill>
+                  <a:schemeClr val="accent6">
+                    <a:lumMod val="50000"/>
+                  </a:schemeClr>
+                </a:solidFill>
+                <a:latin typeface="Aptos Light" panose="020B0004020202020204" pitchFamily="34" charset="0"/>
+              </a:rPr>
+              <a:t> - No server management required</a:t>
+            </a:r>
+          </a:p>
+          <a:p>
+            <a:pPr marL="171450" indent="-171450">
+              <a:buFont typeface="Arial" panose="020B0604020202020204" pitchFamily="34" charset="0"/>
+              <a:buChar char="•"/>
+            </a:pPr>
+            <a:r>
+              <a:rPr lang="en-US" sz="1200" b="1" dirty="0">
+                <a:solidFill>
+                  <a:schemeClr val="accent6">
+                    <a:lumMod val="50000"/>
+                  </a:schemeClr>
+                </a:solidFill>
+                <a:latin typeface="Aptos Light" panose="020B0004020202020204" pitchFamily="34" charset="0"/>
+              </a:rPr>
+              <a:t>Better Resource Utilization</a:t>
+            </a:r>
+            <a:r>
+              <a:rPr lang="en-US" sz="1200" dirty="0">
+                <a:solidFill>
+                  <a:schemeClr val="accent6">
+                    <a:lumMod val="50000"/>
+                  </a:schemeClr>
+                </a:solidFill>
+                <a:latin typeface="Aptos Light" panose="020B0004020202020204" pitchFamily="34" charset="0"/>
+              </a:rPr>
+              <a:t> - Automatic scaling based on demand</a:t>
+            </a:r>
+          </a:p>
+          <a:p>
+            <a:r>
+              <a:rPr lang="en-US" sz="1400" b="1" dirty="0">
+                <a:solidFill>
+                  <a:srgbClr val="5F6F0F"/>
+                </a:solidFill>
+                <a:latin typeface="Aptos Light" panose="020B0004020202020204" pitchFamily="34" charset="0"/>
+              </a:rPr>
+              <a:t>Performance Improvements:</a:t>
+            </a:r>
+            <a:endParaRPr lang="en-US" sz="1400" dirty="0">
+              <a:solidFill>
+                <a:srgbClr val="5F6F0F"/>
+              </a:solidFill>
+              <a:latin typeface="Aptos Light" panose="020B0004020202020204" pitchFamily="34" charset="0"/>
+            </a:endParaRPr>
+          </a:p>
+          <a:p>
+            <a:pPr marL="171450" indent="-171450">
+              <a:buFont typeface="Arial" panose="020B0604020202020204" pitchFamily="34" charset="0"/>
+              <a:buChar char="•"/>
+            </a:pPr>
+            <a:r>
+              <a:rPr lang="en-US" sz="1200" b="1" dirty="0">
+                <a:solidFill>
+                  <a:schemeClr val="accent6">
+                    <a:lumMod val="50000"/>
+                  </a:schemeClr>
+                </a:solidFill>
+                <a:latin typeface="Aptos Light" panose="020B0004020202020204" pitchFamily="34" charset="0"/>
+              </a:rPr>
+              <a:t>Faster Time-to-Market</a:t>
+            </a:r>
+            <a:r>
+              <a:rPr lang="en-US" sz="1200" dirty="0">
+                <a:solidFill>
+                  <a:schemeClr val="accent6">
+                    <a:lumMod val="50000"/>
+                  </a:schemeClr>
+                </a:solidFill>
+                <a:latin typeface="Aptos Light" panose="020B0004020202020204" pitchFamily="34" charset="0"/>
+              </a:rPr>
+              <a:t> - Deploy new features quickly</a:t>
+            </a:r>
+          </a:p>
+          <a:p>
+            <a:pPr marL="171450" indent="-171450">
+              <a:buFont typeface="Arial" panose="020B0604020202020204" pitchFamily="34" charset="0"/>
+              <a:buChar char="•"/>
+            </a:pPr>
+            <a:r>
+              <a:rPr lang="en-US" sz="1200" b="1" dirty="0">
+                <a:solidFill>
+                  <a:schemeClr val="accent6">
+                    <a:lumMod val="50000"/>
+                  </a:schemeClr>
+                </a:solidFill>
+                <a:latin typeface="Aptos Light" panose="020B0004020202020204" pitchFamily="34" charset="0"/>
+              </a:rPr>
+              <a:t>Better Scalability</a:t>
+            </a:r>
+            <a:r>
+              <a:rPr lang="en-US" sz="1200" dirty="0">
+                <a:solidFill>
+                  <a:schemeClr val="accent6">
+                    <a:lumMod val="50000"/>
+                  </a:schemeClr>
+                </a:solidFill>
+                <a:latin typeface="Aptos Light" panose="020B0004020202020204" pitchFamily="34" charset="0"/>
+              </a:rPr>
+              <a:t> - Handle traffic spikes automatically</a:t>
+            </a:r>
+          </a:p>
+          <a:p>
+            <a:pPr marL="171450" indent="-171450">
+              <a:buFont typeface="Arial" panose="020B0604020202020204" pitchFamily="34" charset="0"/>
+              <a:buChar char="•"/>
+            </a:pPr>
+            <a:r>
+              <a:rPr lang="en-US" sz="1200" b="1" dirty="0">
+                <a:solidFill>
+                  <a:schemeClr val="accent6">
+                    <a:lumMod val="50000"/>
+                  </a:schemeClr>
+                </a:solidFill>
+                <a:latin typeface="Aptos Light" panose="020B0004020202020204" pitchFamily="34" charset="0"/>
+              </a:rPr>
+              <a:t>Improved Reliability</a:t>
+            </a:r>
+            <a:r>
+              <a:rPr lang="en-US" sz="1200" dirty="0">
+                <a:solidFill>
+                  <a:schemeClr val="accent6">
+                    <a:lumMod val="50000"/>
+                  </a:schemeClr>
+                </a:solidFill>
+                <a:latin typeface="Aptos Light" panose="020B0004020202020204" pitchFamily="34" charset="0"/>
+              </a:rPr>
+              <a:t> - Built-in redundancy and failover</a:t>
+            </a:r>
+          </a:p>
+          <a:p>
+            <a:r>
+              <a:rPr lang="en-US" sz="1400" b="1" dirty="0">
+                <a:solidFill>
+                  <a:srgbClr val="5F6F0F"/>
+                </a:solidFill>
+                <a:latin typeface="Aptos Light" panose="020B0004020202020204" pitchFamily="34" charset="0"/>
+              </a:rPr>
+              <a:t>Developer Productivity:</a:t>
+            </a:r>
+            <a:endParaRPr lang="en-US" sz="1400" dirty="0">
+              <a:solidFill>
+                <a:srgbClr val="5F6F0F"/>
+              </a:solidFill>
+              <a:latin typeface="Aptos Light" panose="020B0004020202020204" pitchFamily="34" charset="0"/>
+            </a:endParaRPr>
+          </a:p>
+          <a:p>
+            <a:pPr marL="171450" indent="-171450">
+              <a:buFont typeface="Arial" panose="020B0604020202020204" pitchFamily="34" charset="0"/>
+              <a:buChar char="•"/>
+            </a:pPr>
+            <a:r>
+              <a:rPr lang="en-US" sz="1200" b="1" dirty="0">
+                <a:solidFill>
+                  <a:schemeClr val="accent6">
+                    <a:lumMod val="50000"/>
+                  </a:schemeClr>
+                </a:solidFill>
+                <a:latin typeface="Aptos Light" panose="020B0004020202020204" pitchFamily="34" charset="0"/>
+              </a:rPr>
+              <a:t>Focus on Business Logic</a:t>
+            </a:r>
+            <a:r>
+              <a:rPr lang="en-US" sz="1200" dirty="0">
+                <a:solidFill>
+                  <a:schemeClr val="accent6">
+                    <a:lumMod val="50000"/>
+                  </a:schemeClr>
+                </a:solidFill>
+                <a:latin typeface="Aptos Light" panose="020B0004020202020204" pitchFamily="34" charset="0"/>
+              </a:rPr>
+              <a:t> - Less infrastructure concerns</a:t>
+            </a:r>
+          </a:p>
+          <a:p>
+            <a:pPr marL="171450" indent="-171450">
+              <a:buFont typeface="Arial" panose="020B0604020202020204" pitchFamily="34" charset="0"/>
+              <a:buChar char="•"/>
+            </a:pPr>
+            <a:r>
+              <a:rPr lang="en-US" sz="1200" b="1" dirty="0">
+                <a:solidFill>
+                  <a:schemeClr val="accent6">
+                    <a:lumMod val="50000"/>
+                  </a:schemeClr>
+                </a:solidFill>
+                <a:latin typeface="Aptos Light" panose="020B0004020202020204" pitchFamily="34" charset="0"/>
+              </a:rPr>
+              <a:t>Faster Development Cycles</a:t>
+            </a:r>
+            <a:r>
+              <a:rPr lang="en-US" sz="1200" dirty="0">
+                <a:solidFill>
+                  <a:schemeClr val="accent6">
+                    <a:lumMod val="50000"/>
+                  </a:schemeClr>
+                </a:solidFill>
+                <a:latin typeface="Aptos Light" panose="020B0004020202020204" pitchFamily="34" charset="0"/>
+              </a:rPr>
+              <a:t> - Simplified deployment process</a:t>
+            </a:r>
+          </a:p>
+          <a:p>
+            <a:pPr marL="171450" indent="-171450">
+              <a:buFont typeface="Arial" panose="020B0604020202020204" pitchFamily="34" charset="0"/>
+              <a:buChar char="•"/>
+            </a:pPr>
+            <a:r>
+              <a:rPr lang="en-US" sz="1200" b="1" dirty="0">
+                <a:solidFill>
+                  <a:schemeClr val="accent6">
+                    <a:lumMod val="50000"/>
+                  </a:schemeClr>
+                </a:solidFill>
+                <a:latin typeface="Aptos Light" panose="020B0004020202020204" pitchFamily="34" charset="0"/>
+              </a:rPr>
+              <a:t>Better Testing</a:t>
+            </a:r>
+            <a:r>
+              <a:rPr lang="en-US" sz="1200" dirty="0">
+                <a:solidFill>
+                  <a:schemeClr val="accent6">
+                    <a:lumMod val="50000"/>
+                  </a:schemeClr>
+                </a:solidFill>
+                <a:latin typeface="Aptos Light" panose="020B0004020202020204" pitchFamily="34" charset="0"/>
+              </a:rPr>
+              <a:t> - Isolated function testing</a:t>
+            </a:r>
+          </a:p>
+          <a:p>
+            <a:pPr marL="285750" indent="-285750">
+              <a:buFont typeface="Arial" panose="020B0604020202020204" pitchFamily="34" charset="0"/>
+              <a:buChar char="•"/>
+            </a:pPr>
+            <a:endParaRPr lang="en-US" sz="1200" dirty="0">
+              <a:solidFill>
+                <a:schemeClr val="accent6">
+                  <a:lumMod val="50000"/>
+                </a:schemeClr>
+              </a:solidFill>
+              <a:latin typeface="Aptos Light" panose="020B0004020202020204" pitchFamily="34" charset="0"/>
+            </a:endParaRPr>
+          </a:p>
+        </p:txBody>
+      </p:sp>
+      <p:sp>
+        <p:nvSpPr>
+          <p:cNvPr id="5" name="TextBox 4">
+            <a:extLst>
+              <a:ext uri="{FF2B5EF4-FFF2-40B4-BE49-F238E27FC236}">
+                <a16:creationId xmlns:a16="http://schemas.microsoft.com/office/drawing/2014/main" id="{24CC727F-B78A-1914-1FE5-F0BF0ED44F5C}"/>
+              </a:ext>
+            </a:extLst>
+          </p:cNvPr>
+          <p:cNvSpPr txBox="1"/>
+          <p:nvPr/>
+        </p:nvSpPr>
+        <p:spPr>
+          <a:xfrm>
+            <a:off x="8830715" y="548680"/>
+            <a:ext cx="3358109" cy="5447645"/>
+          </a:xfrm>
+          <a:prstGeom prst="rect">
+            <a:avLst/>
+          </a:prstGeom>
+          <a:noFill/>
+        </p:spPr>
+        <p:txBody>
+          <a:bodyPr wrap="square">
+            <a:spAutoFit/>
+          </a:bodyPr>
+          <a:lstStyle/>
+          <a:p>
+            <a:r>
+              <a:rPr lang="en-US" sz="1400" b="1" dirty="0">
+                <a:solidFill>
+                  <a:schemeClr val="accent3">
+                    <a:lumMod val="75000"/>
+                  </a:schemeClr>
+                </a:solidFill>
+                <a:latin typeface="Aptos Light" panose="020B0004020202020204" pitchFamily="34" charset="0"/>
+              </a:rPr>
+              <a:t>Implementation Timeline</a:t>
+            </a:r>
+          </a:p>
+          <a:p>
+            <a:r>
+              <a:rPr lang="en-US" sz="1400" b="1" dirty="0">
+                <a:solidFill>
+                  <a:srgbClr val="5F6F0F"/>
+                </a:solidFill>
+                <a:latin typeface="Aptos Light" panose="020B0004020202020204" pitchFamily="34" charset="0"/>
+              </a:rPr>
+              <a:t>Phase 1 (Months 1-2): Foundation</a:t>
+            </a:r>
+            <a:endParaRPr lang="en-US" sz="1400" dirty="0">
+              <a:solidFill>
+                <a:srgbClr val="5F6F0F"/>
+              </a:solidFill>
+              <a:latin typeface="Aptos Light" panose="020B0004020202020204" pitchFamily="34" charset="0"/>
+            </a:endParaRPr>
+          </a:p>
+          <a:p>
+            <a:pPr marL="171450" indent="-171450">
+              <a:buFont typeface="Arial" panose="020B0604020202020204" pitchFamily="34" charset="0"/>
+              <a:buChar char="•"/>
+            </a:pPr>
+            <a:r>
+              <a:rPr lang="en-US" sz="1200" dirty="0">
+                <a:solidFill>
+                  <a:schemeClr val="accent6">
+                    <a:lumMod val="50000"/>
+                  </a:schemeClr>
+                </a:solidFill>
+                <a:latin typeface="Aptos Light" panose="020B0004020202020204" pitchFamily="34" charset="0"/>
+              </a:rPr>
+              <a:t>Migrate AI service and virtual workers</a:t>
+            </a:r>
+          </a:p>
+          <a:p>
+            <a:pPr marL="171450" indent="-171450">
+              <a:buFont typeface="Arial" panose="020B0604020202020204" pitchFamily="34" charset="0"/>
+              <a:buChar char="•"/>
+            </a:pPr>
+            <a:r>
+              <a:rPr lang="en-US" sz="1200" dirty="0">
+                <a:solidFill>
+                  <a:schemeClr val="accent6">
+                    <a:lumMod val="50000"/>
+                  </a:schemeClr>
+                </a:solidFill>
+                <a:latin typeface="Aptos Light" panose="020B0004020202020204" pitchFamily="34" charset="0"/>
+              </a:rPr>
+              <a:t>Implement basic monitoring and alerting</a:t>
+            </a:r>
+          </a:p>
+          <a:p>
+            <a:pPr marL="171450" indent="-171450">
+              <a:buFont typeface="Arial" panose="020B0604020202020204" pitchFamily="34" charset="0"/>
+              <a:buChar char="•"/>
+            </a:pPr>
+            <a:r>
+              <a:rPr lang="en-US" sz="1200" dirty="0">
+                <a:solidFill>
+                  <a:schemeClr val="accent6">
+                    <a:lumMod val="50000"/>
+                  </a:schemeClr>
+                </a:solidFill>
+                <a:latin typeface="Aptos Light" panose="020B0004020202020204" pitchFamily="34" charset="0"/>
+              </a:rPr>
+              <a:t>Train team on Azure Functions</a:t>
+            </a:r>
+          </a:p>
+          <a:p>
+            <a:r>
+              <a:rPr lang="en-US" sz="1400" b="1" dirty="0">
+                <a:solidFill>
+                  <a:srgbClr val="5F6F0F"/>
+                </a:solidFill>
+                <a:latin typeface="Aptos Light" panose="020B0004020202020204" pitchFamily="34" charset="0"/>
+              </a:rPr>
+              <a:t>Phase 2 (Months 3-4): Core Migration</a:t>
+            </a:r>
+            <a:endParaRPr lang="en-US" sz="1400" dirty="0">
+              <a:solidFill>
+                <a:srgbClr val="5F6F0F"/>
+              </a:solidFill>
+              <a:latin typeface="Aptos Light" panose="020B0004020202020204" pitchFamily="34" charset="0"/>
+            </a:endParaRPr>
+          </a:p>
+          <a:p>
+            <a:pPr marL="171450" indent="-171450">
+              <a:buFont typeface="Arial" panose="020B0604020202020204" pitchFamily="34" charset="0"/>
+              <a:buChar char="•"/>
+            </a:pPr>
+            <a:r>
+              <a:rPr lang="en-US" sz="1200" dirty="0">
+                <a:solidFill>
+                  <a:schemeClr val="accent6">
+                    <a:lumMod val="50000"/>
+                  </a:schemeClr>
+                </a:solidFill>
+                <a:latin typeface="Aptos Light" panose="020B0004020202020204" pitchFamily="34" charset="0"/>
+              </a:rPr>
+              <a:t>Implement Durable Functions for order processing</a:t>
+            </a:r>
+          </a:p>
+          <a:p>
+            <a:pPr marL="171450" indent="-171450">
+              <a:buFont typeface="Arial" panose="020B0604020202020204" pitchFamily="34" charset="0"/>
+              <a:buChar char="•"/>
+            </a:pPr>
+            <a:r>
+              <a:rPr lang="en-US" sz="1200" dirty="0">
+                <a:solidFill>
+                  <a:schemeClr val="accent6">
+                    <a:lumMod val="50000"/>
+                  </a:schemeClr>
+                </a:solidFill>
+                <a:latin typeface="Aptos Light" panose="020B0004020202020204" pitchFamily="34" charset="0"/>
+              </a:rPr>
+              <a:t>Migrate product service CRUD operations</a:t>
+            </a:r>
+          </a:p>
+          <a:p>
+            <a:pPr marL="171450" indent="-171450">
+              <a:buFont typeface="Arial" panose="020B0604020202020204" pitchFamily="34" charset="0"/>
+              <a:buChar char="•"/>
+            </a:pPr>
+            <a:r>
+              <a:rPr lang="en-US" sz="1200" dirty="0">
+                <a:solidFill>
+                  <a:schemeClr val="accent6">
+                    <a:lumMod val="50000"/>
+                  </a:schemeClr>
+                </a:solidFill>
+                <a:latin typeface="Aptos Light" panose="020B0004020202020204" pitchFamily="34" charset="0"/>
+              </a:rPr>
+              <a:t>Set up comprehensive CI/CD pipeline</a:t>
+            </a:r>
+          </a:p>
+          <a:p>
+            <a:r>
+              <a:rPr lang="en-US" sz="1400" b="1" dirty="0">
+                <a:solidFill>
+                  <a:srgbClr val="5F6F0F"/>
+                </a:solidFill>
+                <a:latin typeface="Aptos Light" panose="020B0004020202020204" pitchFamily="34" charset="0"/>
+              </a:rPr>
+              <a:t>Phase 3 (Months 5-6): Infrastructure Modernization</a:t>
+            </a:r>
+            <a:endParaRPr lang="en-US" sz="1400" dirty="0">
+              <a:solidFill>
+                <a:srgbClr val="5F6F0F"/>
+              </a:solidFill>
+              <a:latin typeface="Aptos Light" panose="020B0004020202020204" pitchFamily="34" charset="0"/>
+            </a:endParaRPr>
+          </a:p>
+          <a:p>
+            <a:pPr marL="171450" indent="-171450">
+              <a:buFont typeface="Arial" panose="020B0604020202020204" pitchFamily="34" charset="0"/>
+              <a:buChar char="•"/>
+            </a:pPr>
+            <a:r>
+              <a:rPr lang="en-US" sz="1200" dirty="0">
+                <a:solidFill>
+                  <a:schemeClr val="accent6">
+                    <a:lumMod val="50000"/>
+                  </a:schemeClr>
+                </a:solidFill>
+                <a:latin typeface="Aptos Light" panose="020B0004020202020204" pitchFamily="34" charset="0"/>
+              </a:rPr>
+              <a:t>Replace RabbitMQ with Service Bus/Event Grid</a:t>
+            </a:r>
+          </a:p>
+          <a:p>
+            <a:pPr marL="171450" indent="-171450">
+              <a:buFont typeface="Arial" panose="020B0604020202020204" pitchFamily="34" charset="0"/>
+              <a:buChar char="•"/>
+            </a:pPr>
+            <a:r>
+              <a:rPr lang="en-US" sz="1200" dirty="0">
+                <a:solidFill>
+                  <a:schemeClr val="accent6">
+                    <a:lumMod val="50000"/>
+                  </a:schemeClr>
+                </a:solidFill>
+                <a:latin typeface="Aptos Light" panose="020B0004020202020204" pitchFamily="34" charset="0"/>
+              </a:rPr>
+              <a:t>Migrate to Cosmos DB with change feeds</a:t>
+            </a:r>
+          </a:p>
+          <a:p>
+            <a:pPr marL="171450" indent="-171450">
+              <a:buFont typeface="Arial" panose="020B0604020202020204" pitchFamily="34" charset="0"/>
+              <a:buChar char="•"/>
+            </a:pPr>
+            <a:r>
+              <a:rPr lang="en-US" sz="1200" dirty="0">
+                <a:solidFill>
+                  <a:schemeClr val="accent6">
+                    <a:lumMod val="50000"/>
+                  </a:schemeClr>
+                </a:solidFill>
+                <a:latin typeface="Aptos Light" panose="020B0004020202020204" pitchFamily="34" charset="0"/>
+              </a:rPr>
+              <a:t>Implement Logic Apps for business processes</a:t>
+            </a:r>
+          </a:p>
+          <a:p>
+            <a:r>
+              <a:rPr lang="en-US" sz="1400" b="1" dirty="0">
+                <a:solidFill>
+                  <a:srgbClr val="5F6F0F"/>
+                </a:solidFill>
+                <a:latin typeface="Aptos Light" panose="020B0004020202020204" pitchFamily="34" charset="0"/>
+              </a:rPr>
+              <a:t>Phase 4 (Months 7-8): Optimization</a:t>
+            </a:r>
+            <a:endParaRPr lang="en-US" sz="1400" dirty="0">
+              <a:solidFill>
+                <a:srgbClr val="5F6F0F"/>
+              </a:solidFill>
+              <a:latin typeface="Aptos Light" panose="020B0004020202020204" pitchFamily="34" charset="0"/>
+            </a:endParaRPr>
+          </a:p>
+          <a:p>
+            <a:pPr marL="171450" indent="-171450">
+              <a:buFont typeface="Arial" panose="020B0604020202020204" pitchFamily="34" charset="0"/>
+              <a:buChar char="•"/>
+            </a:pPr>
+            <a:r>
+              <a:rPr lang="en-US" sz="1200" dirty="0">
+                <a:solidFill>
+                  <a:schemeClr val="accent6">
+                    <a:lumMod val="50000"/>
+                  </a:schemeClr>
+                </a:solidFill>
+                <a:latin typeface="Aptos Light" panose="020B0004020202020204" pitchFamily="34" charset="0"/>
+              </a:rPr>
+              <a:t>Performance tuning and cost optimization</a:t>
+            </a:r>
+          </a:p>
+          <a:p>
+            <a:pPr marL="171450" indent="-171450">
+              <a:buFont typeface="Arial" panose="020B0604020202020204" pitchFamily="34" charset="0"/>
+              <a:buChar char="•"/>
+            </a:pPr>
+            <a:r>
+              <a:rPr lang="en-US" sz="1200" dirty="0">
+                <a:solidFill>
+                  <a:schemeClr val="accent6">
+                    <a:lumMod val="50000"/>
+                  </a:schemeClr>
+                </a:solidFill>
+                <a:latin typeface="Aptos Light" panose="020B0004020202020204" pitchFamily="34" charset="0"/>
+              </a:rPr>
+              <a:t>Complete monitoring and alerting setup</a:t>
+            </a:r>
+          </a:p>
+          <a:p>
+            <a:pPr marL="171450" indent="-171450">
+              <a:buFont typeface="Arial" panose="020B0604020202020204" pitchFamily="34" charset="0"/>
+              <a:buChar char="•"/>
+            </a:pPr>
+            <a:r>
+              <a:rPr lang="en-US" sz="1200" dirty="0">
+                <a:solidFill>
+                  <a:schemeClr val="accent6">
+                    <a:lumMod val="50000"/>
+                  </a:schemeClr>
+                </a:solidFill>
+                <a:latin typeface="Aptos Light" panose="020B0004020202020204" pitchFamily="34" charset="0"/>
+              </a:rPr>
+              <a:t>User training and documentation</a:t>
+            </a:r>
+          </a:p>
+          <a:p>
+            <a:r>
+              <a:rPr lang="en-US" sz="1400" b="1" dirty="0">
+                <a:solidFill>
+                  <a:srgbClr val="5F6F0F"/>
+                </a:solidFill>
+                <a:latin typeface="Aptos Light" panose="020B0004020202020204" pitchFamily="34" charset="0"/>
+              </a:rPr>
+              <a:t>Success Metrics</a:t>
+            </a:r>
+          </a:p>
+          <a:p>
+            <a:pPr marL="171450" indent="-171450">
+              <a:buFont typeface="Arial" panose="020B0604020202020204" pitchFamily="34" charset="0"/>
+              <a:buChar char="•"/>
+            </a:pPr>
+            <a:r>
+              <a:rPr lang="en-US" sz="1200" b="1" dirty="0">
+                <a:solidFill>
+                  <a:schemeClr val="accent6">
+                    <a:lumMod val="50000"/>
+                  </a:schemeClr>
+                </a:solidFill>
+                <a:latin typeface="Aptos Light" panose="020B0004020202020204" pitchFamily="34" charset="0"/>
+              </a:rPr>
+              <a:t>Cost Reduction:</a:t>
+            </a:r>
+            <a:r>
+              <a:rPr lang="en-US" sz="1200" dirty="0">
+                <a:solidFill>
+                  <a:schemeClr val="accent6">
+                    <a:lumMod val="50000"/>
+                  </a:schemeClr>
+                </a:solidFill>
+                <a:latin typeface="Aptos Light" panose="020B0004020202020204" pitchFamily="34" charset="0"/>
+              </a:rPr>
+              <a:t> 60%+ decrease in infrastructure costs</a:t>
+            </a:r>
+          </a:p>
+          <a:p>
+            <a:pPr marL="171450" indent="-171450">
+              <a:buFont typeface="Arial" panose="020B0604020202020204" pitchFamily="34" charset="0"/>
+              <a:buChar char="•"/>
+            </a:pPr>
+            <a:r>
+              <a:rPr lang="en-US" sz="1200" b="1" dirty="0">
+                <a:solidFill>
+                  <a:schemeClr val="accent6">
+                    <a:lumMod val="50000"/>
+                  </a:schemeClr>
+                </a:solidFill>
+                <a:latin typeface="Aptos Light" panose="020B0004020202020204" pitchFamily="34" charset="0"/>
+              </a:rPr>
+              <a:t>Performance:</a:t>
+            </a:r>
+            <a:r>
+              <a:rPr lang="en-US" sz="1200" dirty="0">
+                <a:solidFill>
+                  <a:schemeClr val="accent6">
+                    <a:lumMod val="50000"/>
+                  </a:schemeClr>
+                </a:solidFill>
+                <a:latin typeface="Aptos Light" panose="020B0004020202020204" pitchFamily="34" charset="0"/>
+              </a:rPr>
+              <a:t> 50%+ improvement in order processing speed</a:t>
+            </a:r>
+          </a:p>
+          <a:p>
+            <a:pPr marL="171450" indent="-171450">
+              <a:buFont typeface="Arial" panose="020B0604020202020204" pitchFamily="34" charset="0"/>
+              <a:buChar char="•"/>
+            </a:pPr>
+            <a:r>
+              <a:rPr lang="en-US" sz="1200" b="1" dirty="0">
+                <a:solidFill>
+                  <a:schemeClr val="accent6">
+                    <a:lumMod val="50000"/>
+                  </a:schemeClr>
+                </a:solidFill>
+                <a:latin typeface="Aptos Light" panose="020B0004020202020204" pitchFamily="34" charset="0"/>
+              </a:rPr>
+              <a:t>Reliability:</a:t>
+            </a:r>
+            <a:r>
+              <a:rPr lang="en-US" sz="1200" dirty="0">
+                <a:solidFill>
+                  <a:schemeClr val="accent6">
+                    <a:lumMod val="50000"/>
+                  </a:schemeClr>
+                </a:solidFill>
+                <a:latin typeface="Aptos Light" panose="020B0004020202020204" pitchFamily="34" charset="0"/>
+              </a:rPr>
+              <a:t> 99.9%+ uptime with automatic failover</a:t>
+            </a:r>
+          </a:p>
+          <a:p>
+            <a:pPr marL="171450" indent="-171450">
+              <a:buFont typeface="Arial" panose="020B0604020202020204" pitchFamily="34" charset="0"/>
+              <a:buChar char="•"/>
+            </a:pPr>
+            <a:r>
+              <a:rPr lang="en-US" sz="1200" b="1" dirty="0">
+                <a:solidFill>
+                  <a:schemeClr val="accent6">
+                    <a:lumMod val="50000"/>
+                  </a:schemeClr>
+                </a:solidFill>
+                <a:latin typeface="Aptos Light" panose="020B0004020202020204" pitchFamily="34" charset="0"/>
+              </a:rPr>
+              <a:t>Developer Velocity:</a:t>
+            </a:r>
+            <a:r>
+              <a:rPr lang="en-US" sz="1200" dirty="0">
+                <a:solidFill>
+                  <a:schemeClr val="accent6">
+                    <a:lumMod val="50000"/>
+                  </a:schemeClr>
+                </a:solidFill>
+                <a:latin typeface="Aptos Light" panose="020B0004020202020204" pitchFamily="34" charset="0"/>
+              </a:rPr>
+              <a:t> 40%+ faster feature deployment</a:t>
+            </a:r>
+          </a:p>
+        </p:txBody>
+      </p:sp>
     </p:spTree>
     <p:extLst>
       <p:ext uri="{BB962C8B-B14F-4D97-AF65-F5344CB8AC3E}">
@@ -6511,14 +7577,119 @@
   <p:clrMapOvr>
     <a:masterClrMapping/>
   </p:clrMapOvr>
-  <mc:AlternateContent xmlns:mc="http://schemas.openxmlformats.org/markup-compatibility/2006">
-    <mc:Choice xmlns:p14="http://schemas.microsoft.com/office/powerpoint/2010/main" Requires="p14">
+  <mc:AlternateContent xmlns:mc="http://schemas.openxmlformats.org/markup-compatibility/2006" xmlns:p14="http://schemas.microsoft.com/office/powerpoint/2010/main">
+    <mc:Choice Requires="p14">
       <p:transition spd="med" p14:dur="700">
         <p:fade/>
       </p:transition>
     </mc:Choice>
+    <mc:Fallback xmlns="">
+      <p:transition spd="med">
+        <p:fade/>
+      </p:transition>
+    </mc:Fallback>
+  </mc:AlternateContent>
+</p:sld>
+</file>
+
+<file path=ppt/slides/slide12.xml><?xml version="1.0" encoding="utf-8"?>
+<p:sld xmlns:a="http://schemas.openxmlformats.org/drawingml/2006/main" xmlns:r="http://schemas.openxmlformats.org/officeDocument/2006/relationships" xmlns:p="http://schemas.openxmlformats.org/presentationml/2006/main">
+  <p:cSld>
+    <p:bg>
+      <p:bgPr>
+        <a:solidFill>
+          <a:schemeClr val="tx1">
+            <a:lumMod val="95000"/>
+          </a:schemeClr>
+        </a:solidFill>
+        <a:effectLst/>
+      </p:bgPr>
+    </p:bg>
+    <p:spTree>
+      <p:nvGrpSpPr>
+        <p:cNvPr id="1" name="">
+          <a:extLst>
+            <a:ext uri="{FF2B5EF4-FFF2-40B4-BE49-F238E27FC236}">
+              <a16:creationId xmlns:a16="http://schemas.microsoft.com/office/drawing/2014/main" id="{47C0B760-F8C7-376F-813A-A9A6BA3C52DA}"/>
+            </a:ext>
+          </a:extLst>
+        </p:cNvPr>
+        <p:cNvGrpSpPr/>
+        <p:nvPr/>
+      </p:nvGrpSpPr>
+      <p:grpSpPr>
+        <a:xfrm>
+          <a:off x="0" y="0"/>
+          <a:ext cx="0" cy="0"/>
+          <a:chOff x="0" y="0"/>
+          <a:chExt cx="0" cy="0"/>
+        </a:xfrm>
+      </p:grpSpPr>
+      <p:sp>
+        <p:nvSpPr>
+          <p:cNvPr id="3" name="TextBox 2">
+            <a:extLst>
+              <a:ext uri="{FF2B5EF4-FFF2-40B4-BE49-F238E27FC236}">
+                <a16:creationId xmlns:a16="http://schemas.microsoft.com/office/drawing/2014/main" id="{48EFC319-A9B5-4269-B1C4-CF0FCE11AECD}"/>
+              </a:ext>
+            </a:extLst>
+          </p:cNvPr>
+          <p:cNvSpPr txBox="1"/>
+          <p:nvPr/>
+        </p:nvSpPr>
+        <p:spPr>
+          <a:xfrm>
+            <a:off x="3286100" y="2564904"/>
+            <a:ext cx="4896544" cy="1446550"/>
+          </a:xfrm>
+          <a:prstGeom prst="rect">
+            <a:avLst/>
+          </a:prstGeom>
+          <a:noFill/>
+        </p:spPr>
+        <p:txBody>
+          <a:bodyPr wrap="square">
+            <a:spAutoFit/>
+          </a:bodyPr>
+          <a:lstStyle/>
+          <a:p>
+            <a:pPr algn="ctr"/>
+            <a:r>
+              <a:rPr lang="en-US" sz="4400" b="1" dirty="0">
+                <a:solidFill>
+                  <a:srgbClr val="7030A0"/>
+                </a:solidFill>
+                <a:latin typeface="Cabin Sketch" panose="020B0503050202020004" pitchFamily="34" charset="0"/>
+              </a:rPr>
+              <a:t>Thank you for your attention.</a:t>
+            </a:r>
+            <a:endParaRPr lang="en-US" sz="4400" dirty="0">
+              <a:solidFill>
+                <a:srgbClr val="7030A0"/>
+              </a:solidFill>
+              <a:latin typeface="Cabin Sketch" panose="020B0503050202020004" pitchFamily="34" charset="0"/>
+            </a:endParaRPr>
+          </a:p>
+        </p:txBody>
+      </p:sp>
+    </p:spTree>
+    <p:extLst>
+      <p:ext uri="{BB962C8B-B14F-4D97-AF65-F5344CB8AC3E}">
+        <p14:creationId xmlns:p14="http://schemas.microsoft.com/office/powerpoint/2010/main" val="1238880593"/>
+      </p:ext>
+    </p:extLst>
+  </p:cSld>
+  <p:clrMapOvr>
+    <a:masterClrMapping/>
+  </p:clrMapOvr>
+  <mc:AlternateContent xmlns:mc="http://schemas.openxmlformats.org/markup-compatibility/2006">
+    <mc:Choice xmlns:p14="http://schemas.microsoft.com/office/powerpoint/2010/main" Requires="p14">
+      <p:transition spd="slow" p14:dur="800">
+        <p14:flythrough/>
+      </p:transition>
+    </mc:Choice>
     <mc:Fallback>
-      <p:transition spd="med">
+      <p:transition spd="slow">
         <p:fade/>
       </p:transition>
     </mc:Fallback>
@@ -7634,13 +8805,13 @@
   <p:clrMapOvr>
     <a:masterClrMapping/>
   </p:clrMapOvr>
-  <mc:AlternateContent xmlns:mc="http://schemas.openxmlformats.org/markup-compatibility/2006">
-    <mc:Choice xmlns:p14="http://schemas.microsoft.com/office/powerpoint/2010/main" Requires="p14">
+  <mc:AlternateContent xmlns:mc="http://schemas.openxmlformats.org/markup-compatibility/2006" xmlns:p14="http://schemas.microsoft.com/office/powerpoint/2010/main">
+    <mc:Choice Requires="p14">
       <p:transition spd="med" p14:dur="700">
         <p:fade/>
       </p:transition>
     </mc:Choice>
-    <mc:Fallback>
+    <mc:Fallback xmlns="">
       <p:transition spd="med">
         <p:fade/>
       </p:transition>
@@ -8341,13 +9512,13 @@
   <p:clrMapOvr>
     <a:masterClrMapping/>
   </p:clrMapOvr>
-  <mc:AlternateContent xmlns:mc="http://schemas.openxmlformats.org/markup-compatibility/2006">
-    <mc:Choice xmlns:p14="http://schemas.microsoft.com/office/powerpoint/2010/main" Requires="p14">
+  <mc:AlternateContent xmlns:mc="http://schemas.openxmlformats.org/markup-compatibility/2006" xmlns:p14="http://schemas.microsoft.com/office/powerpoint/2010/main">
+    <mc:Choice Requires="p14">
       <p:transition spd="med" p14:dur="700">
         <p:fade/>
       </p:transition>
     </mc:Choice>
-    <mc:Fallback>
+    <mc:Fallback xmlns="">
       <p:transition spd="med">
         <p:fade/>
       </p:transition>
@@ -8985,13 +10156,13 @@
   <p:clrMapOvr>
     <a:masterClrMapping/>
   </p:clrMapOvr>
-  <mc:AlternateContent xmlns:mc="http://schemas.openxmlformats.org/markup-compatibility/2006">
-    <mc:Choice xmlns:p14="http://schemas.microsoft.com/office/powerpoint/2010/main" Requires="p14">
+  <mc:AlternateContent xmlns:mc="http://schemas.openxmlformats.org/markup-compatibility/2006" xmlns:p14="http://schemas.microsoft.com/office/powerpoint/2010/main">
+    <mc:Choice Requires="p14">
       <p:transition spd="med" p14:dur="700">
         <p:fade/>
       </p:transition>
     </mc:Choice>
-    <mc:Fallback>
+    <mc:Fallback xmlns="">
       <p:transition spd="med">
         <p:fade/>
       </p:transition>
@@ -9688,13 +10859,13 @@
   <p:clrMapOvr>
     <a:masterClrMapping/>
   </p:clrMapOvr>
-  <mc:AlternateContent xmlns:mc="http://schemas.openxmlformats.org/markup-compatibility/2006">
-    <mc:Choice xmlns:p14="http://schemas.microsoft.com/office/powerpoint/2010/main" Requires="p14">
+  <mc:AlternateContent xmlns:mc="http://schemas.openxmlformats.org/markup-compatibility/2006" xmlns:p14="http://schemas.microsoft.com/office/powerpoint/2010/main">
+    <mc:Choice Requires="p14">
       <p:transition spd="med" p14:dur="700">
         <p:fade/>
       </p:transition>
     </mc:Choice>
-    <mc:Fallback>
+    <mc:Fallback xmlns="">
       <p:transition spd="med">
         <p:fade/>
       </p:transition>
@@ -9750,8 +10921,8 @@
         </p:nvSpPr>
         <p:spPr>
           <a:xfrm>
-            <a:off x="6166420" y="1196752"/>
-            <a:ext cx="8496944" cy="5262979"/>
+            <a:off x="6238428" y="620688"/>
+            <a:ext cx="4752528" cy="3631763"/>
           </a:xfrm>
           <a:prstGeom prst="rect">
             <a:avLst/>
@@ -9773,20 +10944,20 @@
                 </a:solidFill>
                 <a:latin typeface="Aptos Light" panose="020B0004020202020204" pitchFamily="34" charset="0"/>
               </a:rPr>
-              <a:t>Order Processing Orchestration</a:t>
-            </a:r>
-          </a:p>
-          <a:p>
-            <a:r>
-              <a:rPr lang="en-US" sz="1600" b="1" dirty="0">
+              <a:t>CI/CD Pipeline Components</a:t>
+            </a:r>
+          </a:p>
+          <a:p>
+            <a:r>
+              <a:rPr lang="en-US" sz="1400" b="1" dirty="0">
                 <a:solidFill>
                   <a:srgbClr val="5F6F0F"/>
                 </a:solidFill>
                 <a:latin typeface="Aptos Light" panose="020B0004020202020204" pitchFamily="34" charset="0"/>
               </a:rPr>
-              <a:t>Sequential Steps:</a:t>
-            </a:r>
-            <a:endParaRPr lang="en-US" sz="1600" dirty="0">
+              <a:t>Source Control Integration:</a:t>
+            </a:r>
+            <a:endParaRPr lang="en-US" sz="1400" dirty="0">
               <a:solidFill>
                 <a:srgbClr val="5F6F0F"/>
               </a:solidFill>
@@ -9794,31 +10965,132 @@
             </a:endParaRPr>
           </a:p>
           <a:p>
+            <a:pPr marL="285750" indent="-285750">
+              <a:buFont typeface="Arial" panose="020B0604020202020204" pitchFamily="34" charset="0"/>
+              <a:buChar char="•"/>
+            </a:pPr>
+            <a:r>
+              <a:rPr lang="en-US" sz="1400" b="1" dirty="0">
+                <a:solidFill>
+                  <a:schemeClr val="accent6">
+                    <a:lumMod val="50000"/>
+                  </a:schemeClr>
+                </a:solidFill>
+                <a:latin typeface="Aptos Light" panose="020B0004020202020204" pitchFamily="34" charset="0"/>
+              </a:rPr>
+              <a:t>GitHub Repository</a:t>
+            </a:r>
+            <a:r>
+              <a:rPr lang="en-US" sz="1400" dirty="0">
+                <a:solidFill>
+                  <a:schemeClr val="accent6">
+                    <a:lumMod val="50000"/>
+                  </a:schemeClr>
+                </a:solidFill>
+                <a:latin typeface="Aptos Light" panose="020B0004020202020204" pitchFamily="34" charset="0"/>
+              </a:rPr>
+              <a:t> with branch protection</a:t>
+            </a:r>
+          </a:p>
+          <a:p>
+            <a:pPr marL="285750" indent="-285750">
+              <a:buFont typeface="Arial" panose="020B0604020202020204" pitchFamily="34" charset="0"/>
+              <a:buChar char="•"/>
+            </a:pPr>
+            <a:r>
+              <a:rPr lang="en-US" sz="1400" b="1" dirty="0">
+                <a:solidFill>
+                  <a:schemeClr val="accent6">
+                    <a:lumMod val="50000"/>
+                  </a:schemeClr>
+                </a:solidFill>
+                <a:latin typeface="Aptos Light" panose="020B0004020202020204" pitchFamily="34" charset="0"/>
+              </a:rPr>
+              <a:t>Pull Request Reviews</a:t>
+            </a:r>
+            <a:r>
+              <a:rPr lang="en-US" sz="1400" dirty="0">
+                <a:solidFill>
+                  <a:schemeClr val="accent6">
+                    <a:lumMod val="50000"/>
+                  </a:schemeClr>
+                </a:solidFill>
+                <a:latin typeface="Aptos Light" panose="020B0004020202020204" pitchFamily="34" charset="0"/>
+              </a:rPr>
+              <a:t> for code quality</a:t>
+            </a:r>
+          </a:p>
+          <a:p>
+            <a:pPr marL="285750" indent="-285750">
+              <a:buFont typeface="Arial" panose="020B0604020202020204" pitchFamily="34" charset="0"/>
+              <a:buChar char="•"/>
+            </a:pPr>
+            <a:r>
+              <a:rPr lang="en-US" sz="1400" b="1" dirty="0">
+                <a:solidFill>
+                  <a:schemeClr val="accent6">
+                    <a:lumMod val="50000"/>
+                  </a:schemeClr>
+                </a:solidFill>
+                <a:latin typeface="Aptos Light" panose="020B0004020202020204" pitchFamily="34" charset="0"/>
+              </a:rPr>
+              <a:t>Automated Testing</a:t>
+            </a:r>
+            <a:r>
+              <a:rPr lang="en-US" sz="1400" dirty="0">
+                <a:solidFill>
+                  <a:schemeClr val="accent6">
+                    <a:lumMod val="50000"/>
+                  </a:schemeClr>
+                </a:solidFill>
+                <a:latin typeface="Aptos Light" panose="020B0004020202020204" pitchFamily="34" charset="0"/>
+              </a:rPr>
+              <a:t> on all commits</a:t>
+            </a:r>
+          </a:p>
+          <a:p>
+            <a:r>
+              <a:rPr lang="en-US" sz="1400" b="1" dirty="0">
+                <a:solidFill>
+                  <a:srgbClr val="5F6F0F"/>
+                </a:solidFill>
+                <a:latin typeface="Aptos Light" panose="020B0004020202020204" pitchFamily="34" charset="0"/>
+              </a:rPr>
+              <a:t>Build Pipeline Steps:</a:t>
+            </a:r>
+            <a:endParaRPr lang="en-US" sz="1400" dirty="0">
+              <a:solidFill>
+                <a:srgbClr val="5F6F0F"/>
+              </a:solidFill>
+              <a:latin typeface="Aptos Light" panose="020B0004020202020204" pitchFamily="34" charset="0"/>
+            </a:endParaRPr>
+          </a:p>
+          <a:p>
             <a:pPr marL="342900" indent="-342900">
               <a:buFont typeface="+mj-lt"/>
               <a:buAutoNum type="arabicPeriod"/>
             </a:pPr>
             <a:r>
-              <a:rPr lang="en-US" sz="1600" b="1" dirty="0">
-                <a:solidFill>
-                  <a:schemeClr val="accent6">
-                    <a:lumMod val="50000"/>
-                  </a:schemeClr>
-                </a:solidFill>
-                <a:latin typeface="Aptos Light" panose="020B0004020202020204" pitchFamily="34" charset="0"/>
-              </a:rPr>
-              <a:t>Validate Order</a:t>
-            </a:r>
-            <a:r>
-              <a:rPr lang="en-US" sz="1600" dirty="0">
-                <a:solidFill>
-                  <a:schemeClr val="accent6">
-                    <a:lumMod val="50000"/>
-                  </a:schemeClr>
-                </a:solidFill>
-                <a:latin typeface="Aptos Light" panose="020B0004020202020204" pitchFamily="34" charset="0"/>
-              </a:rPr>
-              <a:t> - Check inventory, customer details</a:t>
+              <a:rPr lang="en-US" sz="1400" b="1" dirty="0">
+                <a:solidFill>
+                  <a:schemeClr val="accent6">
+                    <a:lumMod val="50000"/>
+                  </a:schemeClr>
+                </a:solidFill>
+                <a:latin typeface="Aptos Light" panose="020B0004020202020204" pitchFamily="34" charset="0"/>
+              </a:rPr>
+              <a:t>Code Quality Checks</a:t>
+            </a:r>
+            <a:r>
+              <a:rPr lang="en-US" sz="1400" dirty="0">
+                <a:solidFill>
+                  <a:schemeClr val="accent6">
+                    <a:lumMod val="50000"/>
+                  </a:schemeClr>
+                </a:solidFill>
+                <a:latin typeface="Aptos Light" panose="020B0004020202020204" pitchFamily="34" charset="0"/>
+              </a:rPr>
+              <a:t> - Linting, security scanning</a:t>
             </a:r>
           </a:p>
           <a:p>
@@ -9827,26 +11099,26 @@
               <a:buAutoNum type="arabicPeriod"/>
             </a:pPr>
             <a:r>
-              <a:rPr lang="en-US" sz="1600" b="1" dirty="0">
-                <a:solidFill>
-                  <a:schemeClr val="accent6">
-                    <a:lumMod val="50000"/>
-                  </a:schemeClr>
-                </a:solidFill>
-                <a:latin typeface="Aptos Light" panose="020B0004020202020204" pitchFamily="34" charset="0"/>
-              </a:rPr>
-              <a:t>Process Payment</a:t>
-            </a:r>
-            <a:r>
-              <a:rPr lang="en-US" sz="1600" dirty="0">
-                <a:solidFill>
-                  <a:schemeClr val="accent6">
-                    <a:lumMod val="50000"/>
-                  </a:schemeClr>
-                </a:solidFill>
-                <a:latin typeface="Aptos Light" panose="020B0004020202020204" pitchFamily="34" charset="0"/>
-              </a:rPr>
-              <a:t> - Handle payment processing</a:t>
+              <a:rPr lang="en-US" sz="1400" b="1" dirty="0">
+                <a:solidFill>
+                  <a:schemeClr val="accent6">
+                    <a:lumMod val="50000"/>
+                  </a:schemeClr>
+                </a:solidFill>
+                <a:latin typeface="Aptos Light" panose="020B0004020202020204" pitchFamily="34" charset="0"/>
+              </a:rPr>
+              <a:t>Unit Testing</a:t>
+            </a:r>
+            <a:r>
+              <a:rPr lang="en-US" sz="1400" dirty="0">
+                <a:solidFill>
+                  <a:schemeClr val="accent6">
+                    <a:lumMod val="50000"/>
+                  </a:schemeClr>
+                </a:solidFill>
+                <a:latin typeface="Aptos Light" panose="020B0004020202020204" pitchFamily="34" charset="0"/>
+              </a:rPr>
+              <a:t> - Individual function testing</a:t>
             </a:r>
           </a:p>
           <a:p>
@@ -9855,26 +11127,26 @@
               <a:buAutoNum type="arabicPeriod"/>
             </a:pPr>
             <a:r>
-              <a:rPr lang="en-US" sz="1600" b="1" dirty="0">
-                <a:solidFill>
-                  <a:schemeClr val="accent6">
-                    <a:lumMod val="50000"/>
-                  </a:schemeClr>
-                </a:solidFill>
-                <a:latin typeface="Aptos Light" panose="020B0004020202020204" pitchFamily="34" charset="0"/>
-              </a:rPr>
-              <a:t>Generate AI Content</a:t>
-            </a:r>
-            <a:r>
-              <a:rPr lang="en-US" sz="1600" dirty="0">
-                <a:solidFill>
-                  <a:schemeClr val="accent6">
-                    <a:lumMod val="50000"/>
-                  </a:schemeClr>
-                </a:solidFill>
-                <a:latin typeface="Aptos Light" panose="020B0004020202020204" pitchFamily="34" charset="0"/>
-              </a:rPr>
-              <a:t> - Create product descriptions (if needed)</a:t>
+              <a:rPr lang="en-US" sz="1400" b="1" dirty="0">
+                <a:solidFill>
+                  <a:schemeClr val="accent6">
+                    <a:lumMod val="50000"/>
+                  </a:schemeClr>
+                </a:solidFill>
+                <a:latin typeface="Aptos Light" panose="020B0004020202020204" pitchFamily="34" charset="0"/>
+              </a:rPr>
+              <a:t>Integration Testing</a:t>
+            </a:r>
+            <a:r>
+              <a:rPr lang="en-US" sz="1400" dirty="0">
+                <a:solidFill>
+                  <a:schemeClr val="accent6">
+                    <a:lumMod val="50000"/>
+                  </a:schemeClr>
+                </a:solidFill>
+                <a:latin typeface="Aptos Light" panose="020B0004020202020204" pitchFamily="34" charset="0"/>
+              </a:rPr>
+              <a:t> - End-to-end workflow testing</a:t>
             </a:r>
           </a:p>
           <a:p>
@@ -9883,26 +11155,155 @@
               <a:buAutoNum type="arabicPeriod"/>
             </a:pPr>
             <a:r>
-              <a:rPr lang="en-US" sz="1600" b="1" dirty="0">
-                <a:solidFill>
-                  <a:schemeClr val="accent6">
-                    <a:lumMod val="50000"/>
-                  </a:schemeClr>
-                </a:solidFill>
-                <a:latin typeface="Aptos Light" panose="020B0004020202020204" pitchFamily="34" charset="0"/>
-              </a:rPr>
-              <a:t>Update Inventory</a:t>
-            </a:r>
-            <a:r>
-              <a:rPr lang="en-US" sz="1600" dirty="0">
-                <a:solidFill>
-                  <a:schemeClr val="accent6">
-                    <a:lumMod val="50000"/>
-                  </a:schemeClr>
-                </a:solidFill>
-                <a:latin typeface="Aptos Light" panose="020B0004020202020204" pitchFamily="34" charset="0"/>
-              </a:rPr>
-              <a:t> - Decrement stock levels</a:t>
+              <a:rPr lang="en-US" sz="1400" b="1" dirty="0">
+                <a:solidFill>
+                  <a:schemeClr val="accent6">
+                    <a:lumMod val="50000"/>
+                  </a:schemeClr>
+                </a:solidFill>
+                <a:latin typeface="Aptos Light" panose="020B0004020202020204" pitchFamily="34" charset="0"/>
+              </a:rPr>
+              <a:t>Package Creation</a:t>
+            </a:r>
+            <a:r>
+              <a:rPr lang="en-US" sz="1400" dirty="0">
+                <a:solidFill>
+                  <a:schemeClr val="accent6">
+                    <a:lumMod val="50000"/>
+                  </a:schemeClr>
+                </a:solidFill>
+                <a:latin typeface="Aptos Light" panose="020B0004020202020204" pitchFamily="34" charset="0"/>
+              </a:rPr>
+              <a:t> - Function app deployment packages</a:t>
+            </a:r>
+          </a:p>
+          <a:p>
+            <a:r>
+              <a:rPr lang="en-US" sz="1400" b="1" dirty="0">
+                <a:solidFill>
+                  <a:srgbClr val="5F6F0F"/>
+                </a:solidFill>
+                <a:latin typeface="Aptos Light" panose="020B0004020202020204" pitchFamily="34" charset="0"/>
+              </a:rPr>
+              <a:t>Deployment Strategy:</a:t>
+            </a:r>
+            <a:endParaRPr lang="en-US" sz="1400" dirty="0">
+              <a:solidFill>
+                <a:srgbClr val="5F6F0F"/>
+              </a:solidFill>
+              <a:latin typeface="Aptos Light" panose="020B0004020202020204" pitchFamily="34" charset="0"/>
+            </a:endParaRPr>
+          </a:p>
+          <a:p>
+            <a:pPr marL="285750" indent="-285750">
+              <a:buFont typeface="Arial" panose="020B0604020202020204" pitchFamily="34" charset="0"/>
+              <a:buChar char="•"/>
+            </a:pPr>
+            <a:r>
+              <a:rPr lang="en-US" sz="1400" b="1" dirty="0">
+                <a:solidFill>
+                  <a:schemeClr val="accent6">
+                    <a:lumMod val="50000"/>
+                  </a:schemeClr>
+                </a:solidFill>
+                <a:latin typeface="Aptos Light" panose="020B0004020202020204" pitchFamily="34" charset="0"/>
+              </a:rPr>
+              <a:t>Staging Environment</a:t>
+            </a:r>
+            <a:r>
+              <a:rPr lang="en-US" sz="1400" dirty="0">
+                <a:solidFill>
+                  <a:schemeClr val="accent6">
+                    <a:lumMod val="50000"/>
+                  </a:schemeClr>
+                </a:solidFill>
+                <a:latin typeface="Aptos Light" panose="020B0004020202020204" pitchFamily="34" charset="0"/>
+              </a:rPr>
+              <a:t> - Full testing before production</a:t>
+            </a:r>
+          </a:p>
+          <a:p>
+            <a:pPr marL="285750" indent="-285750">
+              <a:buFont typeface="Arial" panose="020B0604020202020204" pitchFamily="34" charset="0"/>
+              <a:buChar char="•"/>
+            </a:pPr>
+            <a:r>
+              <a:rPr lang="en-US" sz="1400" b="1" dirty="0">
+                <a:solidFill>
+                  <a:schemeClr val="accent6">
+                    <a:lumMod val="50000"/>
+                  </a:schemeClr>
+                </a:solidFill>
+                <a:latin typeface="Aptos Light" panose="020B0004020202020204" pitchFamily="34" charset="0"/>
+              </a:rPr>
+              <a:t>Blue-Green Deployment</a:t>
+            </a:r>
+            <a:r>
+              <a:rPr lang="en-US" sz="1400" dirty="0">
+                <a:solidFill>
+                  <a:schemeClr val="accent6">
+                    <a:lumMod val="50000"/>
+                  </a:schemeClr>
+                </a:solidFill>
+                <a:latin typeface="Aptos Light" panose="020B0004020202020204" pitchFamily="34" charset="0"/>
+              </a:rPr>
+              <a:t> - Zero-downtime releases</a:t>
+            </a:r>
+          </a:p>
+          <a:p>
+            <a:pPr marL="285750" indent="-285750">
+              <a:buFont typeface="Arial" panose="020B0604020202020204" pitchFamily="34" charset="0"/>
+              <a:buChar char="•"/>
+            </a:pPr>
+            <a:r>
+              <a:rPr lang="en-US" sz="1400" b="1" dirty="0">
+                <a:solidFill>
+                  <a:schemeClr val="accent6">
+                    <a:lumMod val="50000"/>
+                  </a:schemeClr>
+                </a:solidFill>
+                <a:latin typeface="Aptos Light" panose="020B0004020202020204" pitchFamily="34" charset="0"/>
+              </a:rPr>
+              <a:t>Rollback Capability</a:t>
+            </a:r>
+            <a:r>
+              <a:rPr lang="en-US" sz="1400" dirty="0">
+                <a:solidFill>
+                  <a:schemeClr val="accent6">
+                    <a:lumMod val="50000"/>
+                  </a:schemeClr>
+                </a:solidFill>
+                <a:latin typeface="Aptos Light" panose="020B0004020202020204" pitchFamily="34" charset="0"/>
+              </a:rPr>
+              <a:t> - Quick revert if issues detected</a:t>
+            </a:r>
+          </a:p>
+          <a:p>
+            <a:pPr marL="285750" indent="-285750">
+              <a:buFont typeface="Arial" panose="020B0604020202020204" pitchFamily="34" charset="0"/>
+              <a:buChar char="•"/>
+            </a:pPr>
+            <a:r>
+              <a:rPr lang="en-US" sz="1400" b="1" dirty="0">
+                <a:solidFill>
+                  <a:schemeClr val="accent6">
+                    <a:lumMod val="50000"/>
+                  </a:schemeClr>
+                </a:solidFill>
+                <a:latin typeface="Aptos Light" panose="020B0004020202020204" pitchFamily="34" charset="0"/>
+              </a:rPr>
+              <a:t>Feature Flags</a:t>
+            </a:r>
+            <a:r>
+              <a:rPr lang="en-US" sz="1400" dirty="0">
+                <a:solidFill>
+                  <a:schemeClr val="accent6">
+                    <a:lumMod val="50000"/>
+                  </a:schemeClr>
+                </a:solidFill>
+                <a:latin typeface="Aptos Light" panose="020B0004020202020204" pitchFamily="34" charset="0"/>
+              </a:rPr>
+              <a:t> - Gradual feature rollout</a:t>
             </a:r>
           </a:p>
           <a:p>
@@ -9910,336 +11311,14 @@
               <a:buFont typeface="+mj-lt"/>
               <a:buAutoNum type="arabicPeriod"/>
             </a:pPr>
-            <a:r>
-              <a:rPr lang="en-US" sz="1600" b="1" dirty="0">
-                <a:solidFill>
-                  <a:schemeClr val="accent6">
-                    <a:lumMod val="50000"/>
-                  </a:schemeClr>
-                </a:solidFill>
-                <a:latin typeface="Aptos Light" panose="020B0004020202020204" pitchFamily="34" charset="0"/>
-              </a:rPr>
-              <a:t>Send Notifications</a:t>
-            </a:r>
-            <a:r>
-              <a:rPr lang="en-US" sz="1600" dirty="0">
-                <a:solidFill>
-                  <a:schemeClr val="accent6">
-                    <a:lumMod val="50000"/>
-                  </a:schemeClr>
-                </a:solidFill>
-                <a:latin typeface="Aptos Light" panose="020B0004020202020204" pitchFamily="34" charset="0"/>
-              </a:rPr>
-              <a:t> - Confirm order to customer and staff</a:t>
-            </a:r>
-          </a:p>
-          <a:p>
-            <a:r>
-              <a:rPr lang="en-US" sz="1600" b="1" dirty="0">
-                <a:solidFill>
-                  <a:srgbClr val="5F6F0F"/>
-                </a:solidFill>
-                <a:latin typeface="Aptos Light" panose="020B0004020202020204" pitchFamily="34" charset="0"/>
-              </a:rPr>
-              <a:t>Key Advantages of Orchestration</a:t>
-            </a:r>
-          </a:p>
-          <a:p>
-            <a:pPr marL="342900" indent="-342900">
-              <a:buFont typeface="+mj-lt"/>
-              <a:buAutoNum type="arabicPeriod"/>
-            </a:pPr>
-            <a:r>
-              <a:rPr lang="en-US" sz="1600" b="1" dirty="0">
-                <a:solidFill>
-                  <a:schemeClr val="accent6">
-                    <a:lumMod val="50000"/>
-                  </a:schemeClr>
-                </a:solidFill>
-                <a:latin typeface="Aptos Light" panose="020B0004020202020204" pitchFamily="34" charset="0"/>
-              </a:rPr>
-              <a:t>Reliability</a:t>
-            </a:r>
-            <a:r>
-              <a:rPr lang="en-US" sz="1600" dirty="0">
-                <a:solidFill>
-                  <a:schemeClr val="accent6">
-                    <a:lumMod val="50000"/>
-                  </a:schemeClr>
-                </a:solidFill>
-                <a:latin typeface="Aptos Light" panose="020B0004020202020204" pitchFamily="34" charset="0"/>
-              </a:rPr>
-              <a:t> - Each step can retry independently</a:t>
-            </a:r>
-          </a:p>
-          <a:p>
-            <a:pPr marL="342900" indent="-342900">
-              <a:buFont typeface="+mj-lt"/>
-              <a:buAutoNum type="arabicPeriod"/>
-            </a:pPr>
-            <a:r>
-              <a:rPr lang="en-US" sz="1600" b="1" dirty="0">
-                <a:solidFill>
-                  <a:schemeClr val="accent6">
-                    <a:lumMod val="50000"/>
-                  </a:schemeClr>
-                </a:solidFill>
-                <a:latin typeface="Aptos Light" panose="020B0004020202020204" pitchFamily="34" charset="0"/>
-              </a:rPr>
-              <a:t>Visibility</a:t>
-            </a:r>
-            <a:r>
-              <a:rPr lang="en-US" sz="1600" dirty="0">
-                <a:solidFill>
-                  <a:schemeClr val="accent6">
-                    <a:lumMod val="50000"/>
-                  </a:schemeClr>
-                </a:solidFill>
-                <a:latin typeface="Aptos Light" panose="020B0004020202020204" pitchFamily="34" charset="0"/>
-              </a:rPr>
-              <a:t> - Track progress of each order through pipeline</a:t>
-            </a:r>
-          </a:p>
-          <a:p>
-            <a:pPr marL="342900" indent="-342900">
-              <a:buFont typeface="+mj-lt"/>
-              <a:buAutoNum type="arabicPeriod"/>
-            </a:pPr>
-            <a:r>
-              <a:rPr lang="en-US" sz="1600" b="1" dirty="0">
-                <a:solidFill>
-                  <a:schemeClr val="accent6">
-                    <a:lumMod val="50000"/>
-                  </a:schemeClr>
-                </a:solidFill>
-                <a:latin typeface="Aptos Light" panose="020B0004020202020204" pitchFamily="34" charset="0"/>
-              </a:rPr>
-              <a:t>Scalability</a:t>
-            </a:r>
-            <a:r>
-              <a:rPr lang="en-US" sz="1600" dirty="0">
-                <a:solidFill>
-                  <a:schemeClr val="accent6">
-                    <a:lumMod val="50000"/>
-                  </a:schemeClr>
-                </a:solidFill>
-                <a:latin typeface="Aptos Light" panose="020B0004020202020204" pitchFamily="34" charset="0"/>
-              </a:rPr>
-              <a:t> - Each step scales based on its own demands</a:t>
-            </a:r>
-          </a:p>
-          <a:p>
-            <a:pPr marL="342900" indent="-342900">
-              <a:buFont typeface="+mj-lt"/>
-              <a:buAutoNum type="arabicPeriod"/>
-            </a:pPr>
-            <a:r>
-              <a:rPr lang="en-US" sz="1600" b="1" dirty="0">
-                <a:solidFill>
-                  <a:schemeClr val="accent6">
-                    <a:lumMod val="50000"/>
-                  </a:schemeClr>
-                </a:solidFill>
-                <a:latin typeface="Aptos Light" panose="020B0004020202020204" pitchFamily="34" charset="0"/>
-              </a:rPr>
-              <a:t>Maintainability</a:t>
-            </a:r>
-            <a:r>
-              <a:rPr lang="en-US" sz="1600" dirty="0">
-                <a:solidFill>
-                  <a:schemeClr val="accent6">
-                    <a:lumMod val="50000"/>
-                  </a:schemeClr>
-                </a:solidFill>
-                <a:latin typeface="Aptos Light" panose="020B0004020202020204" pitchFamily="34" charset="0"/>
-              </a:rPr>
-              <a:t> - Clear separation of business logic</a:t>
-            </a:r>
-          </a:p>
-          <a:p>
-            <a:r>
-              <a:rPr lang="en-US" sz="1600" b="1" dirty="0">
-                <a:solidFill>
-                  <a:srgbClr val="5F6F0F"/>
-                </a:solidFill>
-                <a:latin typeface="Aptos Light" panose="020B0004020202020204" pitchFamily="34" charset="0"/>
-              </a:rPr>
-              <a:t>Error Handling Strategy</a:t>
-            </a:r>
-          </a:p>
-          <a:p>
-            <a:pPr marL="342900" indent="-342900">
-              <a:buFont typeface="+mj-lt"/>
-              <a:buAutoNum type="arabicPeriod"/>
-            </a:pPr>
-            <a:r>
-              <a:rPr lang="en-US" sz="1600" b="1" dirty="0">
-                <a:solidFill>
-                  <a:schemeClr val="accent6">
-                    <a:lumMod val="50000"/>
-                  </a:schemeClr>
-                </a:solidFill>
-                <a:latin typeface="Aptos Light" panose="020B0004020202020204" pitchFamily="34" charset="0"/>
-              </a:rPr>
-              <a:t>Automatic Retries</a:t>
-            </a:r>
-            <a:r>
-              <a:rPr lang="en-US" sz="1600" dirty="0">
-                <a:solidFill>
-                  <a:schemeClr val="accent6">
-                    <a:lumMod val="50000"/>
-                  </a:schemeClr>
-                </a:solidFill>
-                <a:latin typeface="Aptos Light" panose="020B0004020202020204" pitchFamily="34" charset="0"/>
-              </a:rPr>
-              <a:t> with exponential backoff</a:t>
-            </a:r>
-          </a:p>
-          <a:p>
-            <a:pPr marL="342900" indent="-342900">
-              <a:buFont typeface="+mj-lt"/>
-              <a:buAutoNum type="arabicPeriod"/>
-            </a:pPr>
-            <a:r>
-              <a:rPr lang="en-US" sz="1600" b="1" dirty="0">
-                <a:solidFill>
-                  <a:schemeClr val="accent6">
-                    <a:lumMod val="50000"/>
-                  </a:schemeClr>
-                </a:solidFill>
-                <a:latin typeface="Aptos Light" panose="020B0004020202020204" pitchFamily="34" charset="0"/>
-              </a:rPr>
-              <a:t>Compensation Actions</a:t>
-            </a:r>
-            <a:r>
-              <a:rPr lang="en-US" sz="1600" dirty="0">
-                <a:solidFill>
-                  <a:schemeClr val="accent6">
-                    <a:lumMod val="50000"/>
-                  </a:schemeClr>
-                </a:solidFill>
-                <a:latin typeface="Aptos Light" panose="020B0004020202020204" pitchFamily="34" charset="0"/>
-              </a:rPr>
-              <a:t> to rollback on failures</a:t>
-            </a:r>
-          </a:p>
-          <a:p>
-            <a:pPr marL="342900" indent="-342900">
-              <a:buFont typeface="+mj-lt"/>
-              <a:buAutoNum type="arabicPeriod"/>
-            </a:pPr>
-            <a:r>
-              <a:rPr lang="en-US" sz="1600" b="1" dirty="0">
-                <a:solidFill>
-                  <a:schemeClr val="accent6">
-                    <a:lumMod val="50000"/>
-                  </a:schemeClr>
-                </a:solidFill>
-                <a:latin typeface="Aptos Light" panose="020B0004020202020204" pitchFamily="34" charset="0"/>
-              </a:rPr>
-              <a:t>Dead Letter Queues</a:t>
-            </a:r>
-            <a:r>
-              <a:rPr lang="en-US" sz="1600" dirty="0">
-                <a:solidFill>
-                  <a:schemeClr val="accent6">
-                    <a:lumMod val="50000"/>
-                  </a:schemeClr>
-                </a:solidFill>
-                <a:latin typeface="Aptos Light" panose="020B0004020202020204" pitchFamily="34" charset="0"/>
-              </a:rPr>
-              <a:t> for manual intervention</a:t>
-            </a:r>
-          </a:p>
-          <a:p>
-            <a:pPr marL="342900" indent="-342900">
-              <a:buFont typeface="+mj-lt"/>
-              <a:buAutoNum type="arabicPeriod"/>
-            </a:pPr>
-            <a:r>
-              <a:rPr lang="en-US" sz="1600" b="1" dirty="0">
-                <a:solidFill>
-                  <a:schemeClr val="accent6">
-                    <a:lumMod val="50000"/>
-                  </a:schemeClr>
-                </a:solidFill>
-                <a:latin typeface="Aptos Light" panose="020B0004020202020204" pitchFamily="34" charset="0"/>
-              </a:rPr>
-              <a:t>Monitoring Alerts</a:t>
-            </a:r>
-            <a:r>
-              <a:rPr lang="en-US" sz="1600" dirty="0">
-                <a:solidFill>
-                  <a:schemeClr val="accent6">
-                    <a:lumMod val="50000"/>
-                  </a:schemeClr>
-                </a:solidFill>
-                <a:latin typeface="Aptos Light" panose="020B0004020202020204" pitchFamily="34" charset="0"/>
-              </a:rPr>
-              <a:t> for failed workflows</a:t>
-            </a:r>
-          </a:p>
-          <a:p>
-            <a:r>
-              <a:rPr lang="en-US" sz="1600" b="1" dirty="0">
-                <a:solidFill>
-                  <a:srgbClr val="5F6F0F"/>
-                </a:solidFill>
-                <a:latin typeface="Aptos Light" panose="020B0004020202020204" pitchFamily="34" charset="0"/>
-              </a:rPr>
-              <a:t>Fan-out/Fan-in Pattern for Bulk Operations</a:t>
-            </a:r>
-          </a:p>
-          <a:p>
-            <a:pPr marL="342900" indent="-342900">
-              <a:buFont typeface="+mj-lt"/>
-              <a:buAutoNum type="arabicPeriod"/>
-            </a:pPr>
-            <a:r>
-              <a:rPr lang="en-US" sz="1600" dirty="0">
-                <a:solidFill>
-                  <a:schemeClr val="accent6">
-                    <a:lumMod val="50000"/>
-                  </a:schemeClr>
-                </a:solidFill>
-                <a:latin typeface="Aptos Light" panose="020B0004020202020204" pitchFamily="34" charset="0"/>
-              </a:rPr>
-              <a:t>Process multiple orders simultaneously during peak times</a:t>
-            </a:r>
-          </a:p>
-          <a:p>
-            <a:pPr marL="342900" indent="-342900">
-              <a:buFont typeface="+mj-lt"/>
-              <a:buAutoNum type="arabicPeriod"/>
-            </a:pPr>
-            <a:r>
-              <a:rPr lang="en-US" sz="1600" dirty="0">
-                <a:solidFill>
-                  <a:schemeClr val="accent6">
-                    <a:lumMod val="50000"/>
-                  </a:schemeClr>
-                </a:solidFill>
-                <a:latin typeface="Aptos Light" panose="020B0004020202020204" pitchFamily="34" charset="0"/>
-              </a:rPr>
-              <a:t>Generate AI content for multiple products in parallel</a:t>
-            </a:r>
-          </a:p>
-          <a:p>
-            <a:pPr marL="342900" indent="-342900">
-              <a:buFont typeface="+mj-lt"/>
-              <a:buAutoNum type="arabicPeriod"/>
-            </a:pPr>
-            <a:r>
-              <a:rPr lang="en-US" sz="1600" dirty="0">
-                <a:solidFill>
-                  <a:schemeClr val="accent6">
-                    <a:lumMod val="50000"/>
-                  </a:schemeClr>
-                </a:solidFill>
-                <a:latin typeface="Aptos Light" panose="020B0004020202020204" pitchFamily="34" charset="0"/>
-              </a:rPr>
-              <a:t>Aggregate results for reporting and analytics</a:t>
-            </a:r>
+            <a:endParaRPr lang="en-US" sz="1600" dirty="0">
+              <a:solidFill>
+                <a:schemeClr val="accent6">
+                  <a:lumMod val="50000"/>
+                </a:schemeClr>
+              </a:solidFill>
+              <a:latin typeface="Aptos Light" panose="020B0004020202020204" pitchFamily="34" charset="0"/>
+            </a:endParaRPr>
           </a:p>
         </p:txBody>
       </p:sp>
@@ -10257,8 +11336,8 @@
         </p:nvSpPr>
         <p:spPr>
           <a:xfrm>
-            <a:off x="6598468" y="260648"/>
-            <a:ext cx="5256584" cy="400110"/>
+            <a:off x="7174532" y="116632"/>
+            <a:ext cx="3384376" cy="461665"/>
           </a:xfrm>
           <a:prstGeom prst="rect">
             <a:avLst/>
@@ -10272,7 +11351,7 @@
           <a:lstStyle/>
           <a:p>
             <a:r>
-              <a:rPr lang="en-US" sz="2000" b="1" dirty="0">
+              <a:rPr lang="en-US" b="1" dirty="0">
                 <a:solidFill>
                   <a:schemeClr val="accent6">
                     <a:lumMod val="75000"/>
@@ -10280,9 +11359,9 @@
                 </a:solidFill>
                 <a:latin typeface="Aptos Light" panose="020F0502020204030204" pitchFamily="34" charset="0"/>
               </a:rPr>
-              <a:t>Durable Functions for Complex Workflows</a:t>
-            </a:r>
-            <a:endParaRPr lang="en-US" sz="2000" dirty="0"/>
+              <a:t>DevOps Pipeline Design</a:t>
+            </a:r>
+            <a:endParaRPr lang="en-US" dirty="0"/>
           </a:p>
         </p:txBody>
       </p:sp>
@@ -10322,6 +11401,314 @@
           </a:prstGeom>
         </p:spPr>
       </p:pic>
+      <p:sp>
+        <p:nvSpPr>
+          <p:cNvPr id="2" name="TextBox 1">
+            <a:extLst>
+              <a:ext uri="{FF2B5EF4-FFF2-40B4-BE49-F238E27FC236}">
+                <a16:creationId xmlns:a16="http://schemas.microsoft.com/office/drawing/2014/main" id="{3B6CCB22-6668-9917-8850-50F74DFA6E3E}"/>
+              </a:ext>
+            </a:extLst>
+          </p:cNvPr>
+          <p:cNvSpPr txBox="1"/>
+          <p:nvPr/>
+        </p:nvSpPr>
+        <p:spPr>
+          <a:xfrm>
+            <a:off x="6310436" y="4088011"/>
+            <a:ext cx="5472608" cy="2769989"/>
+          </a:xfrm>
+          <a:prstGeom prst="rect">
+            <a:avLst/>
+          </a:prstGeom>
+          <a:noFill/>
+        </p:spPr>
+        <p:txBody>
+          <a:bodyPr wrap="square">
+            <a:spAutoFit/>
+          </a:bodyPr>
+          <a:lstStyle/>
+          <a:p>
+            <a:r>
+              <a:rPr lang="en-US" sz="1800" b="1" dirty="0">
+                <a:solidFill>
+                  <a:schemeClr val="accent3">
+                    <a:lumMod val="75000"/>
+                  </a:schemeClr>
+                </a:solidFill>
+                <a:latin typeface="Aptos Light" panose="020B0004020202020204" pitchFamily="34" charset="0"/>
+              </a:rPr>
+              <a:t>Infrastructure as Code</a:t>
+            </a:r>
+          </a:p>
+          <a:p>
+            <a:r>
+              <a:rPr lang="en-US" sz="1400" b="1" dirty="0">
+                <a:solidFill>
+                  <a:srgbClr val="5F6F0F"/>
+                </a:solidFill>
+                <a:latin typeface="Aptos Light" panose="020B0004020202020204" pitchFamily="34" charset="0"/>
+              </a:rPr>
+              <a:t>Benefits:</a:t>
+            </a:r>
+            <a:endParaRPr lang="en-US" sz="1400" dirty="0">
+              <a:solidFill>
+                <a:srgbClr val="5F6F0F"/>
+              </a:solidFill>
+              <a:latin typeface="Aptos Light" panose="020B0004020202020204" pitchFamily="34" charset="0"/>
+            </a:endParaRPr>
+          </a:p>
+          <a:p>
+            <a:pPr marL="285750" indent="-285750">
+              <a:buFont typeface="Arial" panose="020B0604020202020204" pitchFamily="34" charset="0"/>
+              <a:buChar char="•"/>
+            </a:pPr>
+            <a:r>
+              <a:rPr lang="en-US" sz="1400" b="1" dirty="0">
+                <a:solidFill>
+                  <a:schemeClr val="accent6">
+                    <a:lumMod val="50000"/>
+                  </a:schemeClr>
+                </a:solidFill>
+                <a:latin typeface="Aptos Light" panose="020B0004020202020204" pitchFamily="34" charset="0"/>
+              </a:rPr>
+              <a:t>Version Control</a:t>
+            </a:r>
+            <a:r>
+              <a:rPr lang="en-US" sz="1400" dirty="0">
+                <a:solidFill>
+                  <a:schemeClr val="accent6">
+                    <a:lumMod val="50000"/>
+                  </a:schemeClr>
+                </a:solidFill>
+                <a:latin typeface="Aptos Light" panose="020B0004020202020204" pitchFamily="34" charset="0"/>
+              </a:rPr>
+              <a:t> - All infrastructure changes tracked</a:t>
+            </a:r>
+          </a:p>
+          <a:p>
+            <a:pPr marL="285750" indent="-285750">
+              <a:buFont typeface="Arial" panose="020B0604020202020204" pitchFamily="34" charset="0"/>
+              <a:buChar char="•"/>
+            </a:pPr>
+            <a:r>
+              <a:rPr lang="en-US" sz="1400" b="1" dirty="0">
+                <a:solidFill>
+                  <a:schemeClr val="accent6">
+                    <a:lumMod val="50000"/>
+                  </a:schemeClr>
+                </a:solidFill>
+                <a:latin typeface="Aptos Light" panose="020B0004020202020204" pitchFamily="34" charset="0"/>
+              </a:rPr>
+              <a:t>Reproducible Environments</a:t>
+            </a:r>
+            <a:r>
+              <a:rPr lang="en-US" sz="1400" dirty="0">
+                <a:solidFill>
+                  <a:schemeClr val="accent6">
+                    <a:lumMod val="50000"/>
+                  </a:schemeClr>
+                </a:solidFill>
+                <a:latin typeface="Aptos Light" panose="020B0004020202020204" pitchFamily="34" charset="0"/>
+              </a:rPr>
+              <a:t> - Consistent dev/staging/prod</a:t>
+            </a:r>
+          </a:p>
+          <a:p>
+            <a:pPr marL="285750" indent="-285750">
+              <a:buFont typeface="Arial" panose="020B0604020202020204" pitchFamily="34" charset="0"/>
+              <a:buChar char="•"/>
+            </a:pPr>
+            <a:r>
+              <a:rPr lang="en-US" sz="1400" b="1" dirty="0">
+                <a:solidFill>
+                  <a:schemeClr val="accent6">
+                    <a:lumMod val="50000"/>
+                  </a:schemeClr>
+                </a:solidFill>
+                <a:latin typeface="Aptos Light" panose="020B0004020202020204" pitchFamily="34" charset="0"/>
+              </a:rPr>
+              <a:t>Automated Provisioning</a:t>
+            </a:r>
+            <a:r>
+              <a:rPr lang="en-US" sz="1400" dirty="0">
+                <a:solidFill>
+                  <a:schemeClr val="accent6">
+                    <a:lumMod val="50000"/>
+                  </a:schemeClr>
+                </a:solidFill>
+                <a:latin typeface="Aptos Light" panose="020B0004020202020204" pitchFamily="34" charset="0"/>
+              </a:rPr>
+              <a:t> - Reduce manual configuration errors</a:t>
+            </a:r>
+          </a:p>
+          <a:p>
+            <a:pPr marL="285750" indent="-285750">
+              <a:buFont typeface="Arial" panose="020B0604020202020204" pitchFamily="34" charset="0"/>
+              <a:buChar char="•"/>
+            </a:pPr>
+            <a:r>
+              <a:rPr lang="en-US" sz="1400" b="1" dirty="0">
+                <a:solidFill>
+                  <a:schemeClr val="accent6">
+                    <a:lumMod val="50000"/>
+                  </a:schemeClr>
+                </a:solidFill>
+                <a:latin typeface="Aptos Light" panose="020B0004020202020204" pitchFamily="34" charset="0"/>
+              </a:rPr>
+              <a:t>Cost Management</a:t>
+            </a:r>
+            <a:r>
+              <a:rPr lang="en-US" sz="1400" dirty="0">
+                <a:solidFill>
+                  <a:schemeClr val="accent6">
+                    <a:lumMod val="50000"/>
+                  </a:schemeClr>
+                </a:solidFill>
+                <a:latin typeface="Aptos Light" panose="020B0004020202020204" pitchFamily="34" charset="0"/>
+              </a:rPr>
+              <a:t> - Track and optimize resource usage</a:t>
+            </a:r>
+          </a:p>
+          <a:p>
+            <a:r>
+              <a:rPr lang="en-US" sz="1400" b="1" dirty="0">
+                <a:solidFill>
+                  <a:srgbClr val="5F6F0F"/>
+                </a:solidFill>
+                <a:latin typeface="Aptos Light" panose="020B0004020202020204" pitchFamily="34" charset="0"/>
+              </a:rPr>
+              <a:t>Testing Strategy</a:t>
+            </a:r>
+          </a:p>
+          <a:p>
+            <a:pPr marL="285750" indent="-285750">
+              <a:buFont typeface="Arial" panose="020B0604020202020204" pitchFamily="34" charset="0"/>
+              <a:buChar char="•"/>
+            </a:pPr>
+            <a:r>
+              <a:rPr lang="en-US" sz="1400" b="1" dirty="0">
+                <a:solidFill>
+                  <a:schemeClr val="accent6">
+                    <a:lumMod val="50000"/>
+                  </a:schemeClr>
+                </a:solidFill>
+                <a:latin typeface="Aptos Light" panose="020B0004020202020204" pitchFamily="34" charset="0"/>
+              </a:rPr>
+              <a:t>Unit Tests</a:t>
+            </a:r>
+            <a:r>
+              <a:rPr lang="en-US" sz="1400" dirty="0">
+                <a:solidFill>
+                  <a:schemeClr val="accent6">
+                    <a:lumMod val="50000"/>
+                  </a:schemeClr>
+                </a:solidFill>
+                <a:latin typeface="Aptos Light" panose="020B0004020202020204" pitchFamily="34" charset="0"/>
+              </a:rPr>
+              <a:t> - Individual function logic</a:t>
+            </a:r>
+          </a:p>
+          <a:p>
+            <a:pPr marL="285750" indent="-285750">
+              <a:buFont typeface="Arial" panose="020B0604020202020204" pitchFamily="34" charset="0"/>
+              <a:buChar char="•"/>
+            </a:pPr>
+            <a:r>
+              <a:rPr lang="en-US" sz="1400" b="1" dirty="0">
+                <a:solidFill>
+                  <a:schemeClr val="accent6">
+                    <a:lumMod val="50000"/>
+                  </a:schemeClr>
+                </a:solidFill>
+                <a:latin typeface="Aptos Light" panose="020B0004020202020204" pitchFamily="34" charset="0"/>
+              </a:rPr>
+              <a:t>Integration Tests</a:t>
+            </a:r>
+            <a:r>
+              <a:rPr lang="en-US" sz="1400" dirty="0">
+                <a:solidFill>
+                  <a:schemeClr val="accent6">
+                    <a:lumMod val="50000"/>
+                  </a:schemeClr>
+                </a:solidFill>
+                <a:latin typeface="Aptos Light" panose="020B0004020202020204" pitchFamily="34" charset="0"/>
+              </a:rPr>
+              <a:t> - Service-to-service communication</a:t>
+            </a:r>
+          </a:p>
+          <a:p>
+            <a:pPr marL="285750" indent="-285750">
+              <a:buFont typeface="Arial" panose="020B0604020202020204" pitchFamily="34" charset="0"/>
+              <a:buChar char="•"/>
+            </a:pPr>
+            <a:r>
+              <a:rPr lang="en-US" sz="1400" b="1" dirty="0">
+                <a:solidFill>
+                  <a:schemeClr val="accent6">
+                    <a:lumMod val="50000"/>
+                  </a:schemeClr>
+                </a:solidFill>
+                <a:latin typeface="Aptos Light" panose="020B0004020202020204" pitchFamily="34" charset="0"/>
+              </a:rPr>
+              <a:t>Load Testing</a:t>
+            </a:r>
+            <a:r>
+              <a:rPr lang="en-US" sz="1400" dirty="0">
+                <a:solidFill>
+                  <a:schemeClr val="accent6">
+                    <a:lumMod val="50000"/>
+                  </a:schemeClr>
+                </a:solidFill>
+                <a:latin typeface="Aptos Light" panose="020B0004020202020204" pitchFamily="34" charset="0"/>
+              </a:rPr>
+              <a:t> - Validate scaling behavior</a:t>
+            </a:r>
+          </a:p>
+          <a:p>
+            <a:pPr marL="285750" indent="-285750">
+              <a:buFont typeface="Arial" panose="020B0604020202020204" pitchFamily="34" charset="0"/>
+              <a:buChar char="•"/>
+            </a:pPr>
+            <a:r>
+              <a:rPr lang="en-US" sz="1400" b="1" dirty="0">
+                <a:solidFill>
+                  <a:schemeClr val="accent6">
+                    <a:lumMod val="50000"/>
+                  </a:schemeClr>
+                </a:solidFill>
+                <a:latin typeface="Aptos Light" panose="020B0004020202020204" pitchFamily="34" charset="0"/>
+              </a:rPr>
+              <a:t>Security Testing</a:t>
+            </a:r>
+            <a:r>
+              <a:rPr lang="en-US" sz="1400" dirty="0">
+                <a:solidFill>
+                  <a:schemeClr val="accent6">
+                    <a:lumMod val="50000"/>
+                  </a:schemeClr>
+                </a:solidFill>
+                <a:latin typeface="Aptos Light" panose="020B0004020202020204" pitchFamily="34" charset="0"/>
+              </a:rPr>
+              <a:t> - Vulnerability scanning and penetration testing</a:t>
+            </a:r>
+          </a:p>
+          <a:p>
+            <a:pPr marL="342900" indent="-342900">
+              <a:buFont typeface="+mj-lt"/>
+              <a:buAutoNum type="arabicPeriod"/>
+            </a:pPr>
+            <a:endParaRPr lang="en-US" sz="1600" dirty="0">
+              <a:solidFill>
+                <a:schemeClr val="accent6">
+                  <a:lumMod val="50000"/>
+                </a:schemeClr>
+              </a:solidFill>
+              <a:latin typeface="Aptos Light" panose="020B0004020202020204" pitchFamily="34" charset="0"/>
+            </a:endParaRPr>
+          </a:p>
+        </p:txBody>
+      </p:sp>
     </p:spTree>
     <p:extLst>
       <p:ext uri="{BB962C8B-B14F-4D97-AF65-F5344CB8AC3E}">
@@ -10332,13 +11719,13 @@
   <p:clrMapOvr>
     <a:masterClrMapping/>
   </p:clrMapOvr>
-  <mc:AlternateContent xmlns:mc="http://schemas.openxmlformats.org/markup-compatibility/2006">
-    <mc:Choice xmlns:p14="http://schemas.microsoft.com/office/powerpoint/2010/main" Requires="p14">
+  <mc:AlternateContent xmlns:mc="http://schemas.openxmlformats.org/markup-compatibility/2006" xmlns:p14="http://schemas.microsoft.com/office/powerpoint/2010/main">
+    <mc:Choice Requires="p14">
       <p:transition spd="med" p14:dur="700">
         <p:fade/>
       </p:transition>
     </mc:Choice>
-    <mc:Fallback>
+    <mc:Fallback xmlns="">
       <p:transition spd="med">
         <p:fade/>
       </p:transition>
@@ -10382,513 +11769,6 @@
       </p:grpSpPr>
       <p:sp>
         <p:nvSpPr>
-          <p:cNvPr id="7" name="TextBox 6">
-            <a:extLst>
-              <a:ext uri="{FF2B5EF4-FFF2-40B4-BE49-F238E27FC236}">
-                <a16:creationId xmlns:a16="http://schemas.microsoft.com/office/drawing/2014/main" id="{4C1AB50A-894D-FDED-F81D-B834EF04D8F9}"/>
-              </a:ext>
-            </a:extLst>
-          </p:cNvPr>
-          <p:cNvSpPr txBox="1"/>
-          <p:nvPr/>
-        </p:nvSpPr>
-        <p:spPr>
-          <a:xfrm>
-            <a:off x="6166420" y="1196752"/>
-            <a:ext cx="8496944" cy="5262979"/>
-          </a:xfrm>
-          <a:prstGeom prst="rect">
-            <a:avLst/>
-          </a:prstGeom>
-          <a:noFill/>
-        </p:spPr>
-        <p:txBody>
-          <a:bodyPr wrap="square">
-            <a:spAutoFit/>
-          </a:bodyPr>
-          <a:lstStyle/>
-          <a:p>
-            <a:r>
-              <a:rPr lang="en-US" sz="1800" b="1" dirty="0">
-                <a:solidFill>
-                  <a:schemeClr val="accent3">
-                    <a:lumMod val="75000"/>
-                  </a:schemeClr>
-                </a:solidFill>
-                <a:latin typeface="Aptos Light" panose="020B0004020202020204" pitchFamily="34" charset="0"/>
-              </a:rPr>
-              <a:t>Order Processing Orchestration</a:t>
-            </a:r>
-          </a:p>
-          <a:p>
-            <a:r>
-              <a:rPr lang="en-US" sz="1600" b="1" dirty="0">
-                <a:solidFill>
-                  <a:srgbClr val="5F6F0F"/>
-                </a:solidFill>
-                <a:latin typeface="Aptos Light" panose="020B0004020202020204" pitchFamily="34" charset="0"/>
-              </a:rPr>
-              <a:t>Sequential Steps:</a:t>
-            </a:r>
-            <a:endParaRPr lang="en-US" sz="1600" dirty="0">
-              <a:solidFill>
-                <a:srgbClr val="5F6F0F"/>
-              </a:solidFill>
-              <a:latin typeface="Aptos Light" panose="020B0004020202020204" pitchFamily="34" charset="0"/>
-            </a:endParaRPr>
-          </a:p>
-          <a:p>
-            <a:pPr marL="342900" indent="-342900">
-              <a:buFont typeface="+mj-lt"/>
-              <a:buAutoNum type="arabicPeriod"/>
-            </a:pPr>
-            <a:r>
-              <a:rPr lang="en-US" sz="1600" b="1" dirty="0">
-                <a:solidFill>
-                  <a:schemeClr val="accent6">
-                    <a:lumMod val="50000"/>
-                  </a:schemeClr>
-                </a:solidFill>
-                <a:latin typeface="Aptos Light" panose="020B0004020202020204" pitchFamily="34" charset="0"/>
-              </a:rPr>
-              <a:t>Validate Order</a:t>
-            </a:r>
-            <a:r>
-              <a:rPr lang="en-US" sz="1600" dirty="0">
-                <a:solidFill>
-                  <a:schemeClr val="accent6">
-                    <a:lumMod val="50000"/>
-                  </a:schemeClr>
-                </a:solidFill>
-                <a:latin typeface="Aptos Light" panose="020B0004020202020204" pitchFamily="34" charset="0"/>
-              </a:rPr>
-              <a:t> - Check inventory, customer details</a:t>
-            </a:r>
-          </a:p>
-          <a:p>
-            <a:pPr marL="342900" indent="-342900">
-              <a:buFont typeface="+mj-lt"/>
-              <a:buAutoNum type="arabicPeriod"/>
-            </a:pPr>
-            <a:r>
-              <a:rPr lang="en-US" sz="1600" b="1" dirty="0">
-                <a:solidFill>
-                  <a:schemeClr val="accent6">
-                    <a:lumMod val="50000"/>
-                  </a:schemeClr>
-                </a:solidFill>
-                <a:latin typeface="Aptos Light" panose="020B0004020202020204" pitchFamily="34" charset="0"/>
-              </a:rPr>
-              <a:t>Process Payment</a:t>
-            </a:r>
-            <a:r>
-              <a:rPr lang="en-US" sz="1600" dirty="0">
-                <a:solidFill>
-                  <a:schemeClr val="accent6">
-                    <a:lumMod val="50000"/>
-                  </a:schemeClr>
-                </a:solidFill>
-                <a:latin typeface="Aptos Light" panose="020B0004020202020204" pitchFamily="34" charset="0"/>
-              </a:rPr>
-              <a:t> - Handle payment processing</a:t>
-            </a:r>
-          </a:p>
-          <a:p>
-            <a:pPr marL="342900" indent="-342900">
-              <a:buFont typeface="+mj-lt"/>
-              <a:buAutoNum type="arabicPeriod"/>
-            </a:pPr>
-            <a:r>
-              <a:rPr lang="en-US" sz="1600" b="1" dirty="0">
-                <a:solidFill>
-                  <a:schemeClr val="accent6">
-                    <a:lumMod val="50000"/>
-                  </a:schemeClr>
-                </a:solidFill>
-                <a:latin typeface="Aptos Light" panose="020B0004020202020204" pitchFamily="34" charset="0"/>
-              </a:rPr>
-              <a:t>Generate AI Content</a:t>
-            </a:r>
-            <a:r>
-              <a:rPr lang="en-US" sz="1600" dirty="0">
-                <a:solidFill>
-                  <a:schemeClr val="accent6">
-                    <a:lumMod val="50000"/>
-                  </a:schemeClr>
-                </a:solidFill>
-                <a:latin typeface="Aptos Light" panose="020B0004020202020204" pitchFamily="34" charset="0"/>
-              </a:rPr>
-              <a:t> - Create product descriptions (if needed)</a:t>
-            </a:r>
-          </a:p>
-          <a:p>
-            <a:pPr marL="342900" indent="-342900">
-              <a:buFont typeface="+mj-lt"/>
-              <a:buAutoNum type="arabicPeriod"/>
-            </a:pPr>
-            <a:r>
-              <a:rPr lang="en-US" sz="1600" b="1" dirty="0">
-                <a:solidFill>
-                  <a:schemeClr val="accent6">
-                    <a:lumMod val="50000"/>
-                  </a:schemeClr>
-                </a:solidFill>
-                <a:latin typeface="Aptos Light" panose="020B0004020202020204" pitchFamily="34" charset="0"/>
-              </a:rPr>
-              <a:t>Update Inventory</a:t>
-            </a:r>
-            <a:r>
-              <a:rPr lang="en-US" sz="1600" dirty="0">
-                <a:solidFill>
-                  <a:schemeClr val="accent6">
-                    <a:lumMod val="50000"/>
-                  </a:schemeClr>
-                </a:solidFill>
-                <a:latin typeface="Aptos Light" panose="020B0004020202020204" pitchFamily="34" charset="0"/>
-              </a:rPr>
-              <a:t> - Decrement stock levels</a:t>
-            </a:r>
-          </a:p>
-          <a:p>
-            <a:pPr marL="342900" indent="-342900">
-              <a:buFont typeface="+mj-lt"/>
-              <a:buAutoNum type="arabicPeriod"/>
-            </a:pPr>
-            <a:r>
-              <a:rPr lang="en-US" sz="1600" b="1" dirty="0">
-                <a:solidFill>
-                  <a:schemeClr val="accent6">
-                    <a:lumMod val="50000"/>
-                  </a:schemeClr>
-                </a:solidFill>
-                <a:latin typeface="Aptos Light" panose="020B0004020202020204" pitchFamily="34" charset="0"/>
-              </a:rPr>
-              <a:t>Send Notifications</a:t>
-            </a:r>
-            <a:r>
-              <a:rPr lang="en-US" sz="1600" dirty="0">
-                <a:solidFill>
-                  <a:schemeClr val="accent6">
-                    <a:lumMod val="50000"/>
-                  </a:schemeClr>
-                </a:solidFill>
-                <a:latin typeface="Aptos Light" panose="020B0004020202020204" pitchFamily="34" charset="0"/>
-              </a:rPr>
-              <a:t> - Confirm order to customer and staff</a:t>
-            </a:r>
-          </a:p>
-          <a:p>
-            <a:r>
-              <a:rPr lang="en-US" sz="1600" b="1" dirty="0">
-                <a:solidFill>
-                  <a:srgbClr val="5F6F0F"/>
-                </a:solidFill>
-                <a:latin typeface="Aptos Light" panose="020B0004020202020204" pitchFamily="34" charset="0"/>
-              </a:rPr>
-              <a:t>Key Advantages of Orchestration</a:t>
-            </a:r>
-          </a:p>
-          <a:p>
-            <a:pPr marL="342900" indent="-342900">
-              <a:buFont typeface="+mj-lt"/>
-              <a:buAutoNum type="arabicPeriod"/>
-            </a:pPr>
-            <a:r>
-              <a:rPr lang="en-US" sz="1600" b="1" dirty="0">
-                <a:solidFill>
-                  <a:schemeClr val="accent6">
-                    <a:lumMod val="50000"/>
-                  </a:schemeClr>
-                </a:solidFill>
-                <a:latin typeface="Aptos Light" panose="020B0004020202020204" pitchFamily="34" charset="0"/>
-              </a:rPr>
-              <a:t>Reliability</a:t>
-            </a:r>
-            <a:r>
-              <a:rPr lang="en-US" sz="1600" dirty="0">
-                <a:solidFill>
-                  <a:schemeClr val="accent6">
-                    <a:lumMod val="50000"/>
-                  </a:schemeClr>
-                </a:solidFill>
-                <a:latin typeface="Aptos Light" panose="020B0004020202020204" pitchFamily="34" charset="0"/>
-              </a:rPr>
-              <a:t> - Each step can retry independently</a:t>
-            </a:r>
-          </a:p>
-          <a:p>
-            <a:pPr marL="342900" indent="-342900">
-              <a:buFont typeface="+mj-lt"/>
-              <a:buAutoNum type="arabicPeriod"/>
-            </a:pPr>
-            <a:r>
-              <a:rPr lang="en-US" sz="1600" b="1" dirty="0">
-                <a:solidFill>
-                  <a:schemeClr val="accent6">
-                    <a:lumMod val="50000"/>
-                  </a:schemeClr>
-                </a:solidFill>
-                <a:latin typeface="Aptos Light" panose="020B0004020202020204" pitchFamily="34" charset="0"/>
-              </a:rPr>
-              <a:t>Visibility</a:t>
-            </a:r>
-            <a:r>
-              <a:rPr lang="en-US" sz="1600" dirty="0">
-                <a:solidFill>
-                  <a:schemeClr val="accent6">
-                    <a:lumMod val="50000"/>
-                  </a:schemeClr>
-                </a:solidFill>
-                <a:latin typeface="Aptos Light" panose="020B0004020202020204" pitchFamily="34" charset="0"/>
-              </a:rPr>
-              <a:t> - Track progress of each order through pipeline</a:t>
-            </a:r>
-          </a:p>
-          <a:p>
-            <a:pPr marL="342900" indent="-342900">
-              <a:buFont typeface="+mj-lt"/>
-              <a:buAutoNum type="arabicPeriod"/>
-            </a:pPr>
-            <a:r>
-              <a:rPr lang="en-US" sz="1600" b="1" dirty="0">
-                <a:solidFill>
-                  <a:schemeClr val="accent6">
-                    <a:lumMod val="50000"/>
-                  </a:schemeClr>
-                </a:solidFill>
-                <a:latin typeface="Aptos Light" panose="020B0004020202020204" pitchFamily="34" charset="0"/>
-              </a:rPr>
-              <a:t>Scalability</a:t>
-            </a:r>
-            <a:r>
-              <a:rPr lang="en-US" sz="1600" dirty="0">
-                <a:solidFill>
-                  <a:schemeClr val="accent6">
-                    <a:lumMod val="50000"/>
-                  </a:schemeClr>
-                </a:solidFill>
-                <a:latin typeface="Aptos Light" panose="020B0004020202020204" pitchFamily="34" charset="0"/>
-              </a:rPr>
-              <a:t> - Each step scales based on its own demands</a:t>
-            </a:r>
-          </a:p>
-          <a:p>
-            <a:pPr marL="342900" indent="-342900">
-              <a:buFont typeface="+mj-lt"/>
-              <a:buAutoNum type="arabicPeriod"/>
-            </a:pPr>
-            <a:r>
-              <a:rPr lang="en-US" sz="1600" b="1" dirty="0">
-                <a:solidFill>
-                  <a:schemeClr val="accent6">
-                    <a:lumMod val="50000"/>
-                  </a:schemeClr>
-                </a:solidFill>
-                <a:latin typeface="Aptos Light" panose="020B0004020202020204" pitchFamily="34" charset="0"/>
-              </a:rPr>
-              <a:t>Maintainability</a:t>
-            </a:r>
-            <a:r>
-              <a:rPr lang="en-US" sz="1600" dirty="0">
-                <a:solidFill>
-                  <a:schemeClr val="accent6">
-                    <a:lumMod val="50000"/>
-                  </a:schemeClr>
-                </a:solidFill>
-                <a:latin typeface="Aptos Light" panose="020B0004020202020204" pitchFamily="34" charset="0"/>
-              </a:rPr>
-              <a:t> - Clear separation of business logic</a:t>
-            </a:r>
-          </a:p>
-          <a:p>
-            <a:r>
-              <a:rPr lang="en-US" sz="1600" b="1" dirty="0">
-                <a:solidFill>
-                  <a:srgbClr val="5F6F0F"/>
-                </a:solidFill>
-                <a:latin typeface="Aptos Light" panose="020B0004020202020204" pitchFamily="34" charset="0"/>
-              </a:rPr>
-              <a:t>Error Handling Strategy</a:t>
-            </a:r>
-          </a:p>
-          <a:p>
-            <a:pPr marL="342900" indent="-342900">
-              <a:buFont typeface="+mj-lt"/>
-              <a:buAutoNum type="arabicPeriod"/>
-            </a:pPr>
-            <a:r>
-              <a:rPr lang="en-US" sz="1600" b="1" dirty="0">
-                <a:solidFill>
-                  <a:schemeClr val="accent6">
-                    <a:lumMod val="50000"/>
-                  </a:schemeClr>
-                </a:solidFill>
-                <a:latin typeface="Aptos Light" panose="020B0004020202020204" pitchFamily="34" charset="0"/>
-              </a:rPr>
-              <a:t>Automatic Retries</a:t>
-            </a:r>
-            <a:r>
-              <a:rPr lang="en-US" sz="1600" dirty="0">
-                <a:solidFill>
-                  <a:schemeClr val="accent6">
-                    <a:lumMod val="50000"/>
-                  </a:schemeClr>
-                </a:solidFill>
-                <a:latin typeface="Aptos Light" panose="020B0004020202020204" pitchFamily="34" charset="0"/>
-              </a:rPr>
-              <a:t> with exponential backoff</a:t>
-            </a:r>
-          </a:p>
-          <a:p>
-            <a:pPr marL="342900" indent="-342900">
-              <a:buFont typeface="+mj-lt"/>
-              <a:buAutoNum type="arabicPeriod"/>
-            </a:pPr>
-            <a:r>
-              <a:rPr lang="en-US" sz="1600" b="1" dirty="0">
-                <a:solidFill>
-                  <a:schemeClr val="accent6">
-                    <a:lumMod val="50000"/>
-                  </a:schemeClr>
-                </a:solidFill>
-                <a:latin typeface="Aptos Light" panose="020B0004020202020204" pitchFamily="34" charset="0"/>
-              </a:rPr>
-              <a:t>Compensation Actions</a:t>
-            </a:r>
-            <a:r>
-              <a:rPr lang="en-US" sz="1600" dirty="0">
-                <a:solidFill>
-                  <a:schemeClr val="accent6">
-                    <a:lumMod val="50000"/>
-                  </a:schemeClr>
-                </a:solidFill>
-                <a:latin typeface="Aptos Light" panose="020B0004020202020204" pitchFamily="34" charset="0"/>
-              </a:rPr>
-              <a:t> to rollback on failures</a:t>
-            </a:r>
-          </a:p>
-          <a:p>
-            <a:pPr marL="342900" indent="-342900">
-              <a:buFont typeface="+mj-lt"/>
-              <a:buAutoNum type="arabicPeriod"/>
-            </a:pPr>
-            <a:r>
-              <a:rPr lang="en-US" sz="1600" b="1" dirty="0">
-                <a:solidFill>
-                  <a:schemeClr val="accent6">
-                    <a:lumMod val="50000"/>
-                  </a:schemeClr>
-                </a:solidFill>
-                <a:latin typeface="Aptos Light" panose="020B0004020202020204" pitchFamily="34" charset="0"/>
-              </a:rPr>
-              <a:t>Dead Letter Queues</a:t>
-            </a:r>
-            <a:r>
-              <a:rPr lang="en-US" sz="1600" dirty="0">
-                <a:solidFill>
-                  <a:schemeClr val="accent6">
-                    <a:lumMod val="50000"/>
-                  </a:schemeClr>
-                </a:solidFill>
-                <a:latin typeface="Aptos Light" panose="020B0004020202020204" pitchFamily="34" charset="0"/>
-              </a:rPr>
-              <a:t> for manual intervention</a:t>
-            </a:r>
-          </a:p>
-          <a:p>
-            <a:pPr marL="342900" indent="-342900">
-              <a:buFont typeface="+mj-lt"/>
-              <a:buAutoNum type="arabicPeriod"/>
-            </a:pPr>
-            <a:r>
-              <a:rPr lang="en-US" sz="1600" b="1" dirty="0">
-                <a:solidFill>
-                  <a:schemeClr val="accent6">
-                    <a:lumMod val="50000"/>
-                  </a:schemeClr>
-                </a:solidFill>
-                <a:latin typeface="Aptos Light" panose="020B0004020202020204" pitchFamily="34" charset="0"/>
-              </a:rPr>
-              <a:t>Monitoring Alerts</a:t>
-            </a:r>
-            <a:r>
-              <a:rPr lang="en-US" sz="1600" dirty="0">
-                <a:solidFill>
-                  <a:schemeClr val="accent6">
-                    <a:lumMod val="50000"/>
-                  </a:schemeClr>
-                </a:solidFill>
-                <a:latin typeface="Aptos Light" panose="020B0004020202020204" pitchFamily="34" charset="0"/>
-              </a:rPr>
-              <a:t> for failed workflows</a:t>
-            </a:r>
-          </a:p>
-          <a:p>
-            <a:r>
-              <a:rPr lang="en-US" sz="1600" b="1" dirty="0">
-                <a:solidFill>
-                  <a:srgbClr val="5F6F0F"/>
-                </a:solidFill>
-                <a:latin typeface="Aptos Light" panose="020B0004020202020204" pitchFamily="34" charset="0"/>
-              </a:rPr>
-              <a:t>Fan-out/Fan-in Pattern for Bulk Operations</a:t>
-            </a:r>
-          </a:p>
-          <a:p>
-            <a:pPr marL="342900" indent="-342900">
-              <a:buFont typeface="+mj-lt"/>
-              <a:buAutoNum type="arabicPeriod"/>
-            </a:pPr>
-            <a:r>
-              <a:rPr lang="en-US" sz="1600" dirty="0">
-                <a:solidFill>
-                  <a:schemeClr val="accent6">
-                    <a:lumMod val="50000"/>
-                  </a:schemeClr>
-                </a:solidFill>
-                <a:latin typeface="Aptos Light" panose="020B0004020202020204" pitchFamily="34" charset="0"/>
-              </a:rPr>
-              <a:t>Process multiple orders simultaneously during peak times</a:t>
-            </a:r>
-          </a:p>
-          <a:p>
-            <a:pPr marL="342900" indent="-342900">
-              <a:buFont typeface="+mj-lt"/>
-              <a:buAutoNum type="arabicPeriod"/>
-            </a:pPr>
-            <a:r>
-              <a:rPr lang="en-US" sz="1600" dirty="0">
-                <a:solidFill>
-                  <a:schemeClr val="accent6">
-                    <a:lumMod val="50000"/>
-                  </a:schemeClr>
-                </a:solidFill>
-                <a:latin typeface="Aptos Light" panose="020B0004020202020204" pitchFamily="34" charset="0"/>
-              </a:rPr>
-              <a:t>Generate AI content for multiple products in parallel</a:t>
-            </a:r>
-          </a:p>
-          <a:p>
-            <a:pPr marL="342900" indent="-342900">
-              <a:buFont typeface="+mj-lt"/>
-              <a:buAutoNum type="arabicPeriod"/>
-            </a:pPr>
-            <a:r>
-              <a:rPr lang="en-US" sz="1600" dirty="0">
-                <a:solidFill>
-                  <a:schemeClr val="accent6">
-                    <a:lumMod val="50000"/>
-                  </a:schemeClr>
-                </a:solidFill>
-                <a:latin typeface="Aptos Light" panose="020B0004020202020204" pitchFamily="34" charset="0"/>
-              </a:rPr>
-              <a:t>Aggregate results for reporting and analytics</a:t>
-            </a:r>
-          </a:p>
-        </p:txBody>
-      </p:sp>
-      <p:sp>
-        <p:nvSpPr>
           <p:cNvPr id="3" name="TextBox 2">
             <a:extLst>
               <a:ext uri="{FF2B5EF4-FFF2-40B4-BE49-F238E27FC236}">
@@ -10901,8 +11781,8 @@
         </p:nvSpPr>
         <p:spPr>
           <a:xfrm>
-            <a:off x="6598468" y="260648"/>
-            <a:ext cx="5256584" cy="400110"/>
+            <a:off x="2710036" y="188640"/>
+            <a:ext cx="6840760" cy="584775"/>
           </a:xfrm>
           <a:prstGeom prst="rect">
             <a:avLst/>
@@ -10916,7 +11796,7 @@
           <a:lstStyle/>
           <a:p>
             <a:r>
-              <a:rPr lang="en-US" sz="2000" b="1" dirty="0">
+              <a:rPr lang="en-US" sz="3200" b="1" dirty="0">
                 <a:solidFill>
                   <a:schemeClr val="accent6">
                     <a:lumMod val="75000"/>
@@ -10924,9 +11804,759 @@
                 </a:solidFill>
                 <a:latin typeface="Aptos Light" panose="020F0502020204030204" pitchFamily="34" charset="0"/>
               </a:rPr>
-              <a:t>Durable Functions for Complex Workflows</a:t>
-            </a:r>
-            <a:endParaRPr lang="en-US" sz="2000" dirty="0"/>
+              <a:t>Security &amp; Observability Framework</a:t>
+            </a:r>
+            <a:endParaRPr lang="en-US" sz="3200" dirty="0"/>
+          </a:p>
+        </p:txBody>
+      </p:sp>
+      <p:sp>
+        <p:nvSpPr>
+          <p:cNvPr id="2" name="TextBox 1">
+            <a:extLst>
+              <a:ext uri="{FF2B5EF4-FFF2-40B4-BE49-F238E27FC236}">
+                <a16:creationId xmlns:a16="http://schemas.microsoft.com/office/drawing/2014/main" id="{CAB54A7C-A592-EB60-8026-BF3795330AA9}"/>
+              </a:ext>
+            </a:extLst>
+          </p:cNvPr>
+          <p:cNvSpPr txBox="1"/>
+          <p:nvPr/>
+        </p:nvSpPr>
+        <p:spPr>
+          <a:xfrm>
+            <a:off x="909836" y="1412776"/>
+            <a:ext cx="5184576" cy="3847207"/>
+          </a:xfrm>
+          <a:prstGeom prst="rect">
+            <a:avLst/>
+          </a:prstGeom>
+          <a:noFill/>
+        </p:spPr>
+        <p:txBody>
+          <a:bodyPr wrap="square">
+            <a:spAutoFit/>
+          </a:bodyPr>
+          <a:lstStyle/>
+          <a:p>
+            <a:r>
+              <a:rPr lang="en-US" b="1" dirty="0">
+                <a:solidFill>
+                  <a:srgbClr val="7030A0"/>
+                </a:solidFill>
+              </a:rPr>
+              <a:t>Security Implementation</a:t>
+            </a:r>
+          </a:p>
+          <a:p>
+            <a:r>
+              <a:rPr lang="en-US" sz="1800" b="1" dirty="0">
+                <a:solidFill>
+                  <a:srgbClr val="5F6F0F"/>
+                </a:solidFill>
+                <a:latin typeface="Aptos Light" panose="020B0004020202020204" pitchFamily="34" charset="0"/>
+              </a:rPr>
+              <a:t>Managed Identity Benefits:</a:t>
+            </a:r>
+            <a:endParaRPr lang="en-US" sz="1800" dirty="0">
+              <a:solidFill>
+                <a:srgbClr val="5F6F0F"/>
+              </a:solidFill>
+              <a:latin typeface="Aptos Light" panose="020B0004020202020204" pitchFamily="34" charset="0"/>
+            </a:endParaRPr>
+          </a:p>
+          <a:p>
+            <a:pPr marL="285750" indent="-285750">
+              <a:buFont typeface="Arial" panose="020B0604020202020204" pitchFamily="34" charset="0"/>
+              <a:buChar char="•"/>
+            </a:pPr>
+            <a:r>
+              <a:rPr lang="en-US" sz="1400" b="1" dirty="0">
+                <a:solidFill>
+                  <a:schemeClr val="accent6">
+                    <a:lumMod val="50000"/>
+                  </a:schemeClr>
+                </a:solidFill>
+                <a:latin typeface="Aptos Light" panose="020B0004020202020204" pitchFamily="34" charset="0"/>
+              </a:rPr>
+              <a:t>No Stored Credentials</a:t>
+            </a:r>
+            <a:r>
+              <a:rPr lang="en-US" sz="1400" dirty="0">
+                <a:solidFill>
+                  <a:schemeClr val="accent6">
+                    <a:lumMod val="50000"/>
+                  </a:schemeClr>
+                </a:solidFill>
+                <a:latin typeface="Aptos Light" panose="020B0004020202020204" pitchFamily="34" charset="0"/>
+              </a:rPr>
+              <a:t> - Azure handles authentication automatically</a:t>
+            </a:r>
+          </a:p>
+          <a:p>
+            <a:pPr marL="285750" indent="-285750">
+              <a:buFont typeface="Arial" panose="020B0604020202020204" pitchFamily="34" charset="0"/>
+              <a:buChar char="•"/>
+            </a:pPr>
+            <a:r>
+              <a:rPr lang="en-US" sz="1400" b="1" dirty="0">
+                <a:solidFill>
+                  <a:schemeClr val="accent6">
+                    <a:lumMod val="50000"/>
+                  </a:schemeClr>
+                </a:solidFill>
+                <a:latin typeface="Aptos Light" panose="020B0004020202020204" pitchFamily="34" charset="0"/>
+              </a:rPr>
+              <a:t>Automatic Rotation</a:t>
+            </a:r>
+            <a:r>
+              <a:rPr lang="en-US" sz="1400" dirty="0">
+                <a:solidFill>
+                  <a:schemeClr val="accent6">
+                    <a:lumMod val="50000"/>
+                  </a:schemeClr>
+                </a:solidFill>
+                <a:latin typeface="Aptos Light" panose="020B0004020202020204" pitchFamily="34" charset="0"/>
+              </a:rPr>
+              <a:t> - No manual key management</a:t>
+            </a:r>
+          </a:p>
+          <a:p>
+            <a:pPr marL="285750" indent="-285750">
+              <a:buFont typeface="Arial" panose="020B0604020202020204" pitchFamily="34" charset="0"/>
+              <a:buChar char="•"/>
+            </a:pPr>
+            <a:r>
+              <a:rPr lang="en-US" sz="1400" b="1" dirty="0">
+                <a:solidFill>
+                  <a:schemeClr val="accent6">
+                    <a:lumMod val="50000"/>
+                  </a:schemeClr>
+                </a:solidFill>
+                <a:latin typeface="Aptos Light" panose="020B0004020202020204" pitchFamily="34" charset="0"/>
+              </a:rPr>
+              <a:t>Principle of Least Privilege</a:t>
+            </a:r>
+            <a:r>
+              <a:rPr lang="en-US" sz="1400" dirty="0">
+                <a:solidFill>
+                  <a:schemeClr val="accent6">
+                    <a:lumMod val="50000"/>
+                  </a:schemeClr>
+                </a:solidFill>
+                <a:latin typeface="Aptos Light" panose="020B0004020202020204" pitchFamily="34" charset="0"/>
+              </a:rPr>
+              <a:t> - Each function gets minimal required permissions</a:t>
+            </a:r>
+          </a:p>
+          <a:p>
+            <a:pPr marL="285750" indent="-285750">
+              <a:buFont typeface="Arial" panose="020B0604020202020204" pitchFamily="34" charset="0"/>
+              <a:buChar char="•"/>
+            </a:pPr>
+            <a:r>
+              <a:rPr lang="en-US" sz="1400" b="1" dirty="0">
+                <a:solidFill>
+                  <a:schemeClr val="accent6">
+                    <a:lumMod val="50000"/>
+                  </a:schemeClr>
+                </a:solidFill>
+                <a:latin typeface="Aptos Light" panose="020B0004020202020204" pitchFamily="34" charset="0"/>
+              </a:rPr>
+              <a:t>Audit Trail</a:t>
+            </a:r>
+            <a:r>
+              <a:rPr lang="en-US" sz="1400" dirty="0">
+                <a:solidFill>
+                  <a:schemeClr val="accent6">
+                    <a:lumMod val="50000"/>
+                  </a:schemeClr>
+                </a:solidFill>
+                <a:latin typeface="Aptos Light" panose="020B0004020202020204" pitchFamily="34" charset="0"/>
+              </a:rPr>
+              <a:t> - Complete access logging and monitoring</a:t>
+            </a:r>
+          </a:p>
+          <a:p>
+            <a:r>
+              <a:rPr lang="en-US" sz="1800" b="1" dirty="0">
+                <a:solidFill>
+                  <a:srgbClr val="5F6F0F"/>
+                </a:solidFill>
+                <a:latin typeface="Aptos Light" panose="020B0004020202020204" pitchFamily="34" charset="0"/>
+              </a:rPr>
+              <a:t>Role-Based Access Control (RBAC):</a:t>
+            </a:r>
+            <a:endParaRPr lang="en-US" sz="1800" dirty="0">
+              <a:solidFill>
+                <a:srgbClr val="5F6F0F"/>
+              </a:solidFill>
+              <a:latin typeface="Aptos Light" panose="020B0004020202020204" pitchFamily="34" charset="0"/>
+            </a:endParaRPr>
+          </a:p>
+          <a:p>
+            <a:pPr marL="285750" indent="-285750">
+              <a:buFont typeface="Arial" panose="020B0604020202020204" pitchFamily="34" charset="0"/>
+              <a:buChar char="•"/>
+            </a:pPr>
+            <a:r>
+              <a:rPr lang="en-US" sz="1400" b="1" dirty="0">
+                <a:solidFill>
+                  <a:schemeClr val="accent6">
+                    <a:lumMod val="50000"/>
+                  </a:schemeClr>
+                </a:solidFill>
+                <a:latin typeface="Aptos Light" panose="020B0004020202020204" pitchFamily="34" charset="0"/>
+              </a:rPr>
+              <a:t>Function-Level Permissions</a:t>
+            </a:r>
+            <a:r>
+              <a:rPr lang="en-US" sz="1400" dirty="0">
+                <a:solidFill>
+                  <a:schemeClr val="accent6">
+                    <a:lumMod val="50000"/>
+                  </a:schemeClr>
+                </a:solidFill>
+                <a:latin typeface="Aptos Light" panose="020B0004020202020204" pitchFamily="34" charset="0"/>
+              </a:rPr>
+              <a:t> - Granular access control</a:t>
+            </a:r>
+          </a:p>
+          <a:p>
+            <a:pPr marL="285750" indent="-285750">
+              <a:buFont typeface="Arial" panose="020B0604020202020204" pitchFamily="34" charset="0"/>
+              <a:buChar char="•"/>
+            </a:pPr>
+            <a:r>
+              <a:rPr lang="en-US" sz="1400" b="1" dirty="0">
+                <a:solidFill>
+                  <a:schemeClr val="accent6">
+                    <a:lumMod val="50000"/>
+                  </a:schemeClr>
+                </a:solidFill>
+                <a:latin typeface="Aptos Light" panose="020B0004020202020204" pitchFamily="34" charset="0"/>
+              </a:rPr>
+              <a:t>Resource-Specific Access</a:t>
+            </a:r>
+            <a:r>
+              <a:rPr lang="en-US" sz="1400" dirty="0">
+                <a:solidFill>
+                  <a:schemeClr val="accent6">
+                    <a:lumMod val="50000"/>
+                  </a:schemeClr>
+                </a:solidFill>
+                <a:latin typeface="Aptos Light" panose="020B0004020202020204" pitchFamily="34" charset="0"/>
+              </a:rPr>
+              <a:t> - Functions only access needed resources</a:t>
+            </a:r>
+          </a:p>
+          <a:p>
+            <a:pPr marL="285750" indent="-285750">
+              <a:buFont typeface="Arial" panose="020B0604020202020204" pitchFamily="34" charset="0"/>
+              <a:buChar char="•"/>
+            </a:pPr>
+            <a:r>
+              <a:rPr lang="en-US" sz="1400" b="1" dirty="0">
+                <a:solidFill>
+                  <a:schemeClr val="accent6">
+                    <a:lumMod val="50000"/>
+                  </a:schemeClr>
+                </a:solidFill>
+                <a:latin typeface="Aptos Light" panose="020B0004020202020204" pitchFamily="34" charset="0"/>
+              </a:rPr>
+              <a:t>Environment Separation</a:t>
+            </a:r>
+            <a:r>
+              <a:rPr lang="en-US" sz="1400" dirty="0">
+                <a:solidFill>
+                  <a:schemeClr val="accent6">
+                    <a:lumMod val="50000"/>
+                  </a:schemeClr>
+                </a:solidFill>
+                <a:latin typeface="Aptos Light" panose="020B0004020202020204" pitchFamily="34" charset="0"/>
+              </a:rPr>
+              <a:t> - Different permissions for dev/staging/prod</a:t>
+            </a:r>
+          </a:p>
+          <a:p>
+            <a:pPr marL="285750" indent="-285750">
+              <a:buFont typeface="Arial" panose="020B0604020202020204" pitchFamily="34" charset="0"/>
+              <a:buChar char="•"/>
+            </a:pPr>
+            <a:r>
+              <a:rPr lang="en-US" sz="1400" b="1" dirty="0">
+                <a:solidFill>
+                  <a:schemeClr val="accent6">
+                    <a:lumMod val="50000"/>
+                  </a:schemeClr>
+                </a:solidFill>
+                <a:latin typeface="Aptos Light" panose="020B0004020202020204" pitchFamily="34" charset="0"/>
+              </a:rPr>
+              <a:t>Regular Access Reviews</a:t>
+            </a:r>
+            <a:r>
+              <a:rPr lang="en-US" sz="1400" dirty="0">
+                <a:solidFill>
+                  <a:schemeClr val="accent6">
+                    <a:lumMod val="50000"/>
+                  </a:schemeClr>
+                </a:solidFill>
+                <a:latin typeface="Aptos Light" panose="020B0004020202020204" pitchFamily="34" charset="0"/>
+              </a:rPr>
+              <a:t> - Periodic permission audits</a:t>
+            </a:r>
+          </a:p>
+          <a:p>
+            <a:pPr marL="342900" indent="-342900">
+              <a:buFont typeface="+mj-lt"/>
+              <a:buAutoNum type="arabicPeriod"/>
+            </a:pPr>
+            <a:endParaRPr lang="en-US" sz="1600" dirty="0">
+              <a:solidFill>
+                <a:schemeClr val="accent6">
+                  <a:lumMod val="50000"/>
+                </a:schemeClr>
+              </a:solidFill>
+              <a:latin typeface="Aptos Light" panose="020B0004020202020204" pitchFamily="34" charset="0"/>
+            </a:endParaRPr>
+          </a:p>
+        </p:txBody>
+      </p:sp>
+      <p:sp>
+        <p:nvSpPr>
+          <p:cNvPr id="4" name="TextBox 3">
+            <a:extLst>
+              <a:ext uri="{FF2B5EF4-FFF2-40B4-BE49-F238E27FC236}">
+                <a16:creationId xmlns:a16="http://schemas.microsoft.com/office/drawing/2014/main" id="{EA2FB73F-07DC-4121-9C67-01B73279DF46}"/>
+              </a:ext>
+            </a:extLst>
+          </p:cNvPr>
+          <p:cNvSpPr txBox="1"/>
+          <p:nvPr/>
+        </p:nvSpPr>
+        <p:spPr>
+          <a:xfrm>
+            <a:off x="6022404" y="1412776"/>
+            <a:ext cx="5616624" cy="4124206"/>
+          </a:xfrm>
+          <a:prstGeom prst="rect">
+            <a:avLst/>
+          </a:prstGeom>
+          <a:noFill/>
+        </p:spPr>
+        <p:txBody>
+          <a:bodyPr wrap="square">
+            <a:spAutoFit/>
+          </a:bodyPr>
+          <a:lstStyle/>
+          <a:p>
+            <a:r>
+              <a:rPr lang="en-US" b="1" dirty="0">
+                <a:solidFill>
+                  <a:srgbClr val="7030A0"/>
+                </a:solidFill>
+              </a:rPr>
+              <a:t>Comprehensive Monitoring</a:t>
+            </a:r>
+            <a:br>
+              <a:rPr lang="ru-RU" b="1" dirty="0">
+                <a:solidFill>
+                  <a:srgbClr val="7030A0"/>
+                </a:solidFill>
+              </a:rPr>
+            </a:br>
+            <a:r>
+              <a:rPr lang="en-US" sz="1800" b="1" dirty="0">
+                <a:solidFill>
+                  <a:srgbClr val="5F6F0F"/>
+                </a:solidFill>
+                <a:latin typeface="Aptos Light" panose="020B0004020202020204" pitchFamily="34" charset="0"/>
+              </a:rPr>
+              <a:t>Application Insights Integration:</a:t>
+            </a:r>
+            <a:endParaRPr lang="en-US" sz="1800" dirty="0">
+              <a:solidFill>
+                <a:srgbClr val="5F6F0F"/>
+              </a:solidFill>
+              <a:latin typeface="Aptos Light" panose="020B0004020202020204" pitchFamily="34" charset="0"/>
+            </a:endParaRPr>
+          </a:p>
+          <a:p>
+            <a:pPr marL="285750" indent="-285750">
+              <a:buFont typeface="Arial" panose="020B0604020202020204" pitchFamily="34" charset="0"/>
+              <a:buChar char="•"/>
+            </a:pPr>
+            <a:r>
+              <a:rPr lang="en-US" sz="1400" b="1" dirty="0">
+                <a:solidFill>
+                  <a:schemeClr val="accent6">
+                    <a:lumMod val="50000"/>
+                  </a:schemeClr>
+                </a:solidFill>
+                <a:latin typeface="Aptos Light" panose="020B0004020202020204" pitchFamily="34" charset="0"/>
+              </a:rPr>
+              <a:t>Performance Monitoring</a:t>
+            </a:r>
+            <a:r>
+              <a:rPr lang="en-US" sz="1400" dirty="0">
+                <a:solidFill>
+                  <a:schemeClr val="accent6">
+                    <a:lumMod val="50000"/>
+                  </a:schemeClr>
+                </a:solidFill>
+                <a:latin typeface="Aptos Light" panose="020B0004020202020204" pitchFamily="34" charset="0"/>
+              </a:rPr>
+              <a:t> - Track function execution times</a:t>
+            </a:r>
+          </a:p>
+          <a:p>
+            <a:pPr marL="285750" indent="-285750">
+              <a:buFont typeface="Arial" panose="020B0604020202020204" pitchFamily="34" charset="0"/>
+              <a:buChar char="•"/>
+            </a:pPr>
+            <a:r>
+              <a:rPr lang="en-US" sz="1400" b="1" dirty="0">
+                <a:solidFill>
+                  <a:schemeClr val="accent6">
+                    <a:lumMod val="50000"/>
+                  </a:schemeClr>
+                </a:solidFill>
+                <a:latin typeface="Aptos Light" panose="020B0004020202020204" pitchFamily="34" charset="0"/>
+              </a:rPr>
+              <a:t>Error Tracking</a:t>
+            </a:r>
+            <a:r>
+              <a:rPr lang="en-US" sz="1400" dirty="0">
+                <a:solidFill>
+                  <a:schemeClr val="accent6">
+                    <a:lumMod val="50000"/>
+                  </a:schemeClr>
+                </a:solidFill>
+                <a:latin typeface="Aptos Light" panose="020B0004020202020204" pitchFamily="34" charset="0"/>
+              </a:rPr>
+              <a:t> - Automatic exception capture and alerting</a:t>
+            </a:r>
+          </a:p>
+          <a:p>
+            <a:pPr marL="285750" indent="-285750">
+              <a:buFont typeface="Arial" panose="020B0604020202020204" pitchFamily="34" charset="0"/>
+              <a:buChar char="•"/>
+            </a:pPr>
+            <a:r>
+              <a:rPr lang="en-US" sz="1400" b="1" dirty="0">
+                <a:solidFill>
+                  <a:schemeClr val="accent6">
+                    <a:lumMod val="50000"/>
+                  </a:schemeClr>
+                </a:solidFill>
+                <a:latin typeface="Aptos Light" panose="020B0004020202020204" pitchFamily="34" charset="0"/>
+              </a:rPr>
+              <a:t>Custom Telemetry</a:t>
+            </a:r>
+            <a:r>
+              <a:rPr lang="en-US" sz="1400" dirty="0">
+                <a:solidFill>
+                  <a:schemeClr val="accent6">
+                    <a:lumMod val="50000"/>
+                  </a:schemeClr>
+                </a:solidFill>
+                <a:latin typeface="Aptos Light" panose="020B0004020202020204" pitchFamily="34" charset="0"/>
+              </a:rPr>
+              <a:t> - Business metrics and KPIs</a:t>
+            </a:r>
+          </a:p>
+          <a:p>
+            <a:pPr marL="285750" indent="-285750">
+              <a:buFont typeface="Arial" panose="020B0604020202020204" pitchFamily="34" charset="0"/>
+              <a:buChar char="•"/>
+            </a:pPr>
+            <a:r>
+              <a:rPr lang="en-US" sz="1400" b="1" dirty="0">
+                <a:solidFill>
+                  <a:schemeClr val="accent6">
+                    <a:lumMod val="50000"/>
+                  </a:schemeClr>
+                </a:solidFill>
+                <a:latin typeface="Aptos Light" panose="020B0004020202020204" pitchFamily="34" charset="0"/>
+              </a:rPr>
+              <a:t>Dependency Tracking</a:t>
+            </a:r>
+            <a:r>
+              <a:rPr lang="en-US" sz="1400" dirty="0">
+                <a:solidFill>
+                  <a:schemeClr val="accent6">
+                    <a:lumMod val="50000"/>
+                  </a:schemeClr>
+                </a:solidFill>
+                <a:latin typeface="Aptos Light" panose="020B0004020202020204" pitchFamily="34" charset="0"/>
+              </a:rPr>
+              <a:t> - Monitor external service calls</a:t>
+            </a:r>
+          </a:p>
+          <a:p>
+            <a:r>
+              <a:rPr lang="en-US" sz="1800" b="1" dirty="0">
+                <a:solidFill>
+                  <a:srgbClr val="5F6F0F"/>
+                </a:solidFill>
+                <a:latin typeface="Aptos Light" panose="020B0004020202020204" pitchFamily="34" charset="0"/>
+              </a:rPr>
+              <a:t>Business Intelligence Dashboards:</a:t>
+            </a:r>
+            <a:endParaRPr lang="en-US" sz="1800" dirty="0">
+              <a:solidFill>
+                <a:srgbClr val="5F6F0F"/>
+              </a:solidFill>
+              <a:latin typeface="Aptos Light" panose="020B0004020202020204" pitchFamily="34" charset="0"/>
+            </a:endParaRPr>
+          </a:p>
+          <a:p>
+            <a:pPr marL="285750" indent="-285750">
+              <a:buFont typeface="Arial" panose="020B0604020202020204" pitchFamily="34" charset="0"/>
+              <a:buChar char="•"/>
+            </a:pPr>
+            <a:r>
+              <a:rPr lang="en-US" sz="1400" b="1" dirty="0">
+                <a:solidFill>
+                  <a:schemeClr val="accent6">
+                    <a:lumMod val="50000"/>
+                  </a:schemeClr>
+                </a:solidFill>
+                <a:latin typeface="Aptos Light" panose="020B0004020202020204" pitchFamily="34" charset="0"/>
+              </a:rPr>
+              <a:t>Order Processing Metrics</a:t>
+            </a:r>
+            <a:r>
+              <a:rPr lang="en-US" sz="1400" dirty="0">
+                <a:solidFill>
+                  <a:schemeClr val="accent6">
+                    <a:lumMod val="50000"/>
+                  </a:schemeClr>
+                </a:solidFill>
+                <a:latin typeface="Aptos Light" panose="020B0004020202020204" pitchFamily="34" charset="0"/>
+              </a:rPr>
+              <a:t> - Success rates, processing times</a:t>
+            </a:r>
+          </a:p>
+          <a:p>
+            <a:pPr marL="285750" indent="-285750">
+              <a:buFont typeface="Arial" panose="020B0604020202020204" pitchFamily="34" charset="0"/>
+              <a:buChar char="•"/>
+            </a:pPr>
+            <a:r>
+              <a:rPr lang="en-US" sz="1400" b="1" dirty="0">
+                <a:solidFill>
+                  <a:schemeClr val="accent6">
+                    <a:lumMod val="50000"/>
+                  </a:schemeClr>
+                </a:solidFill>
+                <a:latin typeface="Aptos Light" panose="020B0004020202020204" pitchFamily="34" charset="0"/>
+              </a:rPr>
+              <a:t>AI Service Usage</a:t>
+            </a:r>
+            <a:r>
+              <a:rPr lang="en-US" sz="1400" dirty="0">
+                <a:solidFill>
+                  <a:schemeClr val="accent6">
+                    <a:lumMod val="50000"/>
+                  </a:schemeClr>
+                </a:solidFill>
+                <a:latin typeface="Aptos Light" panose="020B0004020202020204" pitchFamily="34" charset="0"/>
+              </a:rPr>
+              <a:t> - Content generation patterns and costs</a:t>
+            </a:r>
+          </a:p>
+          <a:p>
+            <a:pPr marL="285750" indent="-285750">
+              <a:buFont typeface="Arial" panose="020B0604020202020204" pitchFamily="34" charset="0"/>
+              <a:buChar char="•"/>
+            </a:pPr>
+            <a:r>
+              <a:rPr lang="en-US" sz="1400" b="1" dirty="0">
+                <a:solidFill>
+                  <a:schemeClr val="accent6">
+                    <a:lumMod val="50000"/>
+                  </a:schemeClr>
+                </a:solidFill>
+                <a:latin typeface="Aptos Light" panose="020B0004020202020204" pitchFamily="34" charset="0"/>
+              </a:rPr>
+              <a:t>Cost Optimization</a:t>
+            </a:r>
+            <a:r>
+              <a:rPr lang="en-US" sz="1400" dirty="0">
+                <a:solidFill>
+                  <a:schemeClr val="accent6">
+                    <a:lumMod val="50000"/>
+                  </a:schemeClr>
+                </a:solidFill>
+                <a:latin typeface="Aptos Light" panose="020B0004020202020204" pitchFamily="34" charset="0"/>
+              </a:rPr>
+              <a:t> - Function execution costs and trends</a:t>
+            </a:r>
+          </a:p>
+          <a:p>
+            <a:pPr marL="285750" indent="-285750">
+              <a:buFont typeface="Arial" panose="020B0604020202020204" pitchFamily="34" charset="0"/>
+              <a:buChar char="•"/>
+            </a:pPr>
+            <a:r>
+              <a:rPr lang="en-US" sz="1400" b="1" dirty="0">
+                <a:solidFill>
+                  <a:schemeClr val="accent6">
+                    <a:lumMod val="50000"/>
+                  </a:schemeClr>
+                </a:solidFill>
+                <a:latin typeface="Aptos Light" panose="020B0004020202020204" pitchFamily="34" charset="0"/>
+              </a:rPr>
+              <a:t>Customer Experience</a:t>
+            </a:r>
+            <a:r>
+              <a:rPr lang="en-US" sz="1400" dirty="0">
+                <a:solidFill>
+                  <a:schemeClr val="accent6">
+                    <a:lumMod val="50000"/>
+                  </a:schemeClr>
+                </a:solidFill>
+                <a:latin typeface="Aptos Light" panose="020B0004020202020204" pitchFamily="34" charset="0"/>
+              </a:rPr>
+              <a:t> - End-to-end transaction monitoring</a:t>
+            </a:r>
+          </a:p>
+          <a:p>
+            <a:r>
+              <a:rPr lang="en-US" sz="1800" b="1" dirty="0">
+                <a:solidFill>
+                  <a:srgbClr val="5F6F0F"/>
+                </a:solidFill>
+                <a:latin typeface="Aptos Light" panose="020B0004020202020204" pitchFamily="34" charset="0"/>
+              </a:rPr>
+              <a:t>Alerting Strategy</a:t>
+            </a:r>
+          </a:p>
+          <a:p>
+            <a:pPr marL="285750" indent="-285750">
+              <a:buFont typeface="Arial" panose="020B0604020202020204" pitchFamily="34" charset="0"/>
+              <a:buChar char="•"/>
+            </a:pPr>
+            <a:r>
+              <a:rPr lang="en-US" sz="1400" b="1" dirty="0">
+                <a:solidFill>
+                  <a:schemeClr val="accent6">
+                    <a:lumMod val="50000"/>
+                  </a:schemeClr>
+                </a:solidFill>
+                <a:latin typeface="Aptos Light" panose="020B0004020202020204" pitchFamily="34" charset="0"/>
+              </a:rPr>
+              <a:t>Real-time Alerts</a:t>
+            </a:r>
+            <a:r>
+              <a:rPr lang="en-US" sz="1400" dirty="0">
+                <a:solidFill>
+                  <a:schemeClr val="accent6">
+                    <a:lumMod val="50000"/>
+                  </a:schemeClr>
+                </a:solidFill>
+                <a:latin typeface="Aptos Light" panose="020B0004020202020204" pitchFamily="34" charset="0"/>
+              </a:rPr>
+              <a:t> for critical failures</a:t>
+            </a:r>
+          </a:p>
+          <a:p>
+            <a:pPr marL="285750" indent="-285750">
+              <a:buFont typeface="Arial" panose="020B0604020202020204" pitchFamily="34" charset="0"/>
+              <a:buChar char="•"/>
+            </a:pPr>
+            <a:r>
+              <a:rPr lang="en-US" sz="1400" b="1" dirty="0">
+                <a:solidFill>
+                  <a:schemeClr val="accent6">
+                    <a:lumMod val="50000"/>
+                  </a:schemeClr>
+                </a:solidFill>
+                <a:latin typeface="Aptos Light" panose="020B0004020202020204" pitchFamily="34" charset="0"/>
+              </a:rPr>
+              <a:t>Threshold-based Alerts</a:t>
+            </a:r>
+            <a:r>
+              <a:rPr lang="en-US" sz="1400" dirty="0">
+                <a:solidFill>
+                  <a:schemeClr val="accent6">
+                    <a:lumMod val="50000"/>
+                  </a:schemeClr>
+                </a:solidFill>
+                <a:latin typeface="Aptos Light" panose="020B0004020202020204" pitchFamily="34" charset="0"/>
+              </a:rPr>
+              <a:t> for performance degradation</a:t>
+            </a:r>
+          </a:p>
+          <a:p>
+            <a:pPr marL="285750" indent="-285750">
+              <a:buFont typeface="Arial" panose="020B0604020202020204" pitchFamily="34" charset="0"/>
+              <a:buChar char="•"/>
+            </a:pPr>
+            <a:r>
+              <a:rPr lang="en-US" sz="1400" b="1" dirty="0">
+                <a:solidFill>
+                  <a:schemeClr val="accent6">
+                    <a:lumMod val="50000"/>
+                  </a:schemeClr>
+                </a:solidFill>
+                <a:latin typeface="Aptos Light" panose="020B0004020202020204" pitchFamily="34" charset="0"/>
+              </a:rPr>
+              <a:t>Anomaly Detection</a:t>
+            </a:r>
+            <a:r>
+              <a:rPr lang="en-US" sz="1400" dirty="0">
+                <a:solidFill>
+                  <a:schemeClr val="accent6">
+                    <a:lumMod val="50000"/>
+                  </a:schemeClr>
+                </a:solidFill>
+                <a:latin typeface="Aptos Light" panose="020B0004020202020204" pitchFamily="34" charset="0"/>
+              </a:rPr>
+              <a:t> for unusual usage patterns</a:t>
+            </a:r>
+          </a:p>
+          <a:p>
+            <a:pPr marL="285750" indent="-285750">
+              <a:buFont typeface="Arial" panose="020B0604020202020204" pitchFamily="34" charset="0"/>
+              <a:buChar char="•"/>
+            </a:pPr>
+            <a:r>
+              <a:rPr lang="en-US" sz="1400" b="1" dirty="0">
+                <a:solidFill>
+                  <a:schemeClr val="accent6">
+                    <a:lumMod val="50000"/>
+                  </a:schemeClr>
+                </a:solidFill>
+                <a:latin typeface="Aptos Light" panose="020B0004020202020204" pitchFamily="34" charset="0"/>
+              </a:rPr>
+              <a:t>Escalation Procedures</a:t>
+            </a:r>
+            <a:r>
+              <a:rPr lang="en-US" sz="1400" dirty="0">
+                <a:solidFill>
+                  <a:schemeClr val="accent6">
+                    <a:lumMod val="50000"/>
+                  </a:schemeClr>
+                </a:solidFill>
+                <a:latin typeface="Aptos Light" panose="020B0004020202020204" pitchFamily="34" charset="0"/>
+              </a:rPr>
+              <a:t> for unresolved issues</a:t>
+            </a:r>
+          </a:p>
+          <a:p>
+            <a:pPr marL="342900" indent="-342900">
+              <a:buFont typeface="+mj-lt"/>
+              <a:buAutoNum type="arabicPeriod"/>
+            </a:pPr>
+            <a:endParaRPr lang="en-US" sz="1600" dirty="0">
+              <a:solidFill>
+                <a:schemeClr val="accent6">
+                  <a:lumMod val="50000"/>
+                </a:schemeClr>
+              </a:solidFill>
+              <a:latin typeface="Aptos Light" panose="020B0004020202020204" pitchFamily="34" charset="0"/>
+            </a:endParaRPr>
           </a:p>
         </p:txBody>
       </p:sp>
@@ -10940,13 +12570,13 @@
   <p:clrMapOvr>
     <a:masterClrMapping/>
   </p:clrMapOvr>
-  <mc:AlternateContent xmlns:mc="http://schemas.openxmlformats.org/markup-compatibility/2006">
-    <mc:Choice xmlns:p14="http://schemas.microsoft.com/office/powerpoint/2010/main" Requires="p14">
+  <mc:AlternateContent xmlns:mc="http://schemas.openxmlformats.org/markup-compatibility/2006" xmlns:p14="http://schemas.microsoft.com/office/powerpoint/2010/main">
+    <mc:Choice Requires="p14">
       <p:transition spd="med" p14:dur="700">
         <p:fade/>
       </p:transition>
     </mc:Choice>
-    <mc:Fallback>
+    <mc:Fallback xmlns="">
       <p:transition spd="med">
         <p:fade/>
       </p:transition>
@@ -11002,8 +12632,8 @@
         </p:nvSpPr>
         <p:spPr>
           <a:xfrm>
-            <a:off x="6166420" y="1196752"/>
-            <a:ext cx="8496944" cy="5262979"/>
+            <a:off x="1125860" y="836712"/>
+            <a:ext cx="5040560" cy="2831544"/>
           </a:xfrm>
           <a:prstGeom prst="rect">
             <a:avLst/>
@@ -11025,7 +12655,7 @@
                 </a:solidFill>
                 <a:latin typeface="Aptos Light" panose="020B0004020202020204" pitchFamily="34" charset="0"/>
               </a:rPr>
-              <a:t>Order Processing Orchestration</a:t>
+              <a:t>When to Choose Logic Apps</a:t>
             </a:r>
           </a:p>
           <a:p>
@@ -11036,7 +12666,7 @@
                 </a:solidFill>
                 <a:latin typeface="Aptos Light" panose="020B0004020202020204" pitchFamily="34" charset="0"/>
               </a:rPr>
-              <a:t>Sequential Steps:</a:t>
+              <a:t>Inventory Management Workflow:</a:t>
             </a:r>
             <a:endParaRPr lang="en-US" sz="1600" dirty="0">
               <a:solidFill>
@@ -11046,452 +12676,259 @@
             </a:endParaRPr>
           </a:p>
           <a:p>
+            <a:pPr marL="285750" indent="-285750">
+              <a:buFont typeface="Arial" panose="020B0604020202020204" pitchFamily="34" charset="0"/>
+              <a:buChar char="•"/>
+            </a:pPr>
+            <a:r>
+              <a:rPr lang="en-US" sz="1400" b="1" dirty="0">
+                <a:solidFill>
+                  <a:schemeClr val="accent6">
+                    <a:lumMod val="50000"/>
+                  </a:schemeClr>
+                </a:solidFill>
+                <a:latin typeface="Aptos Light" panose="020B0004020202020204" pitchFamily="34" charset="0"/>
+              </a:rPr>
+              <a:t>Visual Design</a:t>
+            </a:r>
+            <a:r>
+              <a:rPr lang="en-US" sz="1400" dirty="0">
+                <a:solidFill>
+                  <a:schemeClr val="accent6">
+                    <a:lumMod val="50000"/>
+                  </a:schemeClr>
+                </a:solidFill>
+                <a:latin typeface="Aptos Light" panose="020B0004020202020204" pitchFamily="34" charset="0"/>
+              </a:rPr>
+              <a:t> - Business users can understand and modify</a:t>
+            </a:r>
+          </a:p>
+          <a:p>
+            <a:pPr marL="285750" indent="-285750">
+              <a:buFont typeface="Arial" panose="020B0604020202020204" pitchFamily="34" charset="0"/>
+              <a:buChar char="•"/>
+            </a:pPr>
+            <a:r>
+              <a:rPr lang="en-US" sz="1400" b="1" dirty="0">
+                <a:solidFill>
+                  <a:schemeClr val="accent6">
+                    <a:lumMod val="50000"/>
+                  </a:schemeClr>
+                </a:solidFill>
+                <a:latin typeface="Aptos Light" panose="020B0004020202020204" pitchFamily="34" charset="0"/>
+              </a:rPr>
+              <a:t>Built-in Connectors</a:t>
+            </a:r>
+            <a:r>
+              <a:rPr lang="en-US" sz="1400" dirty="0">
+                <a:solidFill>
+                  <a:schemeClr val="accent6">
+                    <a:lumMod val="50000"/>
+                  </a:schemeClr>
+                </a:solidFill>
+                <a:latin typeface="Aptos Light" panose="020B0004020202020204" pitchFamily="34" charset="0"/>
+              </a:rPr>
+              <a:t> - 200+ pre-built integrations</a:t>
+            </a:r>
+          </a:p>
+          <a:p>
+            <a:pPr marL="285750" indent="-285750">
+              <a:buFont typeface="Arial" panose="020B0604020202020204" pitchFamily="34" charset="0"/>
+              <a:buChar char="•"/>
+            </a:pPr>
+            <a:r>
+              <a:rPr lang="en-US" sz="1400" b="1" dirty="0">
+                <a:solidFill>
+                  <a:schemeClr val="accent6">
+                    <a:lumMod val="50000"/>
+                  </a:schemeClr>
+                </a:solidFill>
+                <a:latin typeface="Aptos Light" panose="020B0004020202020204" pitchFamily="34" charset="0"/>
+              </a:rPr>
+              <a:t>Approval Workflows</a:t>
+            </a:r>
+            <a:r>
+              <a:rPr lang="en-US" sz="1400" dirty="0">
+                <a:solidFill>
+                  <a:schemeClr val="accent6">
+                    <a:lumMod val="50000"/>
+                  </a:schemeClr>
+                </a:solidFill>
+                <a:latin typeface="Aptos Light" panose="020B0004020202020204" pitchFamily="34" charset="0"/>
+              </a:rPr>
+              <a:t> - Human intervention steps</a:t>
+            </a:r>
+          </a:p>
+          <a:p>
+            <a:pPr marL="285750" indent="-285750">
+              <a:buFont typeface="Arial" panose="020B0604020202020204" pitchFamily="34" charset="0"/>
+              <a:buChar char="•"/>
+            </a:pPr>
+            <a:r>
+              <a:rPr lang="en-US" sz="1400" b="1" dirty="0">
+                <a:solidFill>
+                  <a:schemeClr val="accent6">
+                    <a:lumMod val="50000"/>
+                  </a:schemeClr>
+                </a:solidFill>
+                <a:latin typeface="Aptos Light" panose="020B0004020202020204" pitchFamily="34" charset="0"/>
+              </a:rPr>
+              <a:t>Email Integration</a:t>
+            </a:r>
+            <a:r>
+              <a:rPr lang="en-US" sz="1400" dirty="0">
+                <a:solidFill>
+                  <a:schemeClr val="accent6">
+                    <a:lumMod val="50000"/>
+                  </a:schemeClr>
+                </a:solidFill>
+                <a:latin typeface="Aptos Light" panose="020B0004020202020204" pitchFamily="34" charset="0"/>
+              </a:rPr>
+              <a:t> - Automated notifications to suppliers</a:t>
+            </a:r>
+          </a:p>
+          <a:p>
+            <a:r>
+              <a:rPr lang="en-US" sz="1600" b="1" dirty="0">
+                <a:solidFill>
+                  <a:srgbClr val="5F6F0F"/>
+                </a:solidFill>
+                <a:latin typeface="Aptos Light" panose="020B0004020202020204" pitchFamily="34" charset="0"/>
+              </a:rPr>
+              <a:t>Business Process Automation:</a:t>
+            </a:r>
+            <a:endParaRPr lang="en-US" sz="1600" dirty="0">
+              <a:solidFill>
+                <a:srgbClr val="5F6F0F"/>
+              </a:solidFill>
+              <a:latin typeface="Aptos Light" panose="020B0004020202020204" pitchFamily="34" charset="0"/>
+            </a:endParaRPr>
+          </a:p>
+          <a:p>
+            <a:pPr marL="285750" indent="-285750">
+              <a:buFont typeface="Arial" panose="020B0604020202020204" pitchFamily="34" charset="0"/>
+              <a:buChar char="•"/>
+            </a:pPr>
+            <a:r>
+              <a:rPr lang="en-US" sz="1400" b="1" dirty="0">
+                <a:solidFill>
+                  <a:schemeClr val="accent6">
+                    <a:lumMod val="50000"/>
+                  </a:schemeClr>
+                </a:solidFill>
+                <a:latin typeface="Aptos Light" panose="020B0004020202020204" pitchFamily="34" charset="0"/>
+              </a:rPr>
+              <a:t>Document Processing</a:t>
+            </a:r>
+            <a:r>
+              <a:rPr lang="en-US" sz="1400" dirty="0">
+                <a:solidFill>
+                  <a:schemeClr val="accent6">
+                    <a:lumMod val="50000"/>
+                  </a:schemeClr>
+                </a:solidFill>
+                <a:latin typeface="Aptos Light" panose="020B0004020202020204" pitchFamily="34" charset="0"/>
+              </a:rPr>
+              <a:t> - Invoice approvals, purchase orders</a:t>
+            </a:r>
+          </a:p>
+          <a:p>
+            <a:pPr marL="285750" indent="-285750">
+              <a:buFont typeface="Arial" panose="020B0604020202020204" pitchFamily="34" charset="0"/>
+              <a:buChar char="•"/>
+            </a:pPr>
+            <a:r>
+              <a:rPr lang="en-US" sz="1400" b="1" dirty="0">
+                <a:solidFill>
+                  <a:schemeClr val="accent6">
+                    <a:lumMod val="50000"/>
+                  </a:schemeClr>
+                </a:solidFill>
+                <a:latin typeface="Aptos Light" panose="020B0004020202020204" pitchFamily="34" charset="0"/>
+              </a:rPr>
+              <a:t>Data Synchronization</a:t>
+            </a:r>
+            <a:r>
+              <a:rPr lang="en-US" sz="1400" dirty="0">
+                <a:solidFill>
+                  <a:schemeClr val="accent6">
+                    <a:lumMod val="50000"/>
+                  </a:schemeClr>
+                </a:solidFill>
+                <a:latin typeface="Aptos Light" panose="020B0004020202020204" pitchFamily="34" charset="0"/>
+              </a:rPr>
+              <a:t> - Between different business systems</a:t>
+            </a:r>
+          </a:p>
+          <a:p>
+            <a:pPr marL="285750" indent="-285750">
+              <a:buFont typeface="Arial" panose="020B0604020202020204" pitchFamily="34" charset="0"/>
+              <a:buChar char="•"/>
+            </a:pPr>
+            <a:r>
+              <a:rPr lang="en-US" sz="1400" b="1" dirty="0">
+                <a:solidFill>
+                  <a:schemeClr val="accent6">
+                    <a:lumMod val="50000"/>
+                  </a:schemeClr>
+                </a:solidFill>
+                <a:latin typeface="Aptos Light" panose="020B0004020202020204" pitchFamily="34" charset="0"/>
+              </a:rPr>
+              <a:t>Compliance Workflows</a:t>
+            </a:r>
+            <a:r>
+              <a:rPr lang="en-US" sz="1400" dirty="0">
+                <a:solidFill>
+                  <a:schemeClr val="accent6">
+                    <a:lumMod val="50000"/>
+                  </a:schemeClr>
+                </a:solidFill>
+                <a:latin typeface="Aptos Light" panose="020B0004020202020204" pitchFamily="34" charset="0"/>
+              </a:rPr>
+              <a:t> - Audit trails and approval chains</a:t>
+            </a:r>
+          </a:p>
+          <a:p>
+            <a:pPr marL="285750" indent="-285750">
+              <a:buFont typeface="Arial" panose="020B0604020202020204" pitchFamily="34" charset="0"/>
+              <a:buChar char="•"/>
+            </a:pPr>
+            <a:r>
+              <a:rPr lang="en-US" sz="1400" b="1" dirty="0">
+                <a:solidFill>
+                  <a:schemeClr val="accent6">
+                    <a:lumMod val="50000"/>
+                  </a:schemeClr>
+                </a:solidFill>
+                <a:latin typeface="Aptos Light" panose="020B0004020202020204" pitchFamily="34" charset="0"/>
+              </a:rPr>
+              <a:t>Integration Scenarios</a:t>
+            </a:r>
+            <a:r>
+              <a:rPr lang="en-US" sz="1400" dirty="0">
+                <a:solidFill>
+                  <a:schemeClr val="accent6">
+                    <a:lumMod val="50000"/>
+                  </a:schemeClr>
+                </a:solidFill>
+                <a:latin typeface="Aptos Light" panose="020B0004020202020204" pitchFamily="34" charset="0"/>
+              </a:rPr>
+              <a:t> - Connect multiple SaaS applications</a:t>
+            </a:r>
+          </a:p>
+          <a:p>
             <a:pPr marL="342900" indent="-342900">
               <a:buFont typeface="+mj-lt"/>
               <a:buAutoNum type="arabicPeriod"/>
             </a:pPr>
-            <a:r>
-              <a:rPr lang="en-US" sz="1600" b="1" dirty="0">
-                <a:solidFill>
-                  <a:schemeClr val="accent6">
-                    <a:lumMod val="50000"/>
-                  </a:schemeClr>
-                </a:solidFill>
-                <a:latin typeface="Aptos Light" panose="020B0004020202020204" pitchFamily="34" charset="0"/>
-              </a:rPr>
-              <a:t>Validate Order</a:t>
-            </a:r>
-            <a:r>
-              <a:rPr lang="en-US" sz="1600" dirty="0">
-                <a:solidFill>
-                  <a:schemeClr val="accent6">
-                    <a:lumMod val="50000"/>
-                  </a:schemeClr>
-                </a:solidFill>
-                <a:latin typeface="Aptos Light" panose="020B0004020202020204" pitchFamily="34" charset="0"/>
-              </a:rPr>
-              <a:t> - Check inventory, customer details</a:t>
-            </a:r>
-          </a:p>
-          <a:p>
-            <a:pPr marL="342900" indent="-342900">
-              <a:buFont typeface="+mj-lt"/>
-              <a:buAutoNum type="arabicPeriod"/>
-            </a:pPr>
-            <a:r>
-              <a:rPr lang="en-US" sz="1600" b="1" dirty="0">
-                <a:solidFill>
-                  <a:schemeClr val="accent6">
-                    <a:lumMod val="50000"/>
-                  </a:schemeClr>
-                </a:solidFill>
-                <a:latin typeface="Aptos Light" panose="020B0004020202020204" pitchFamily="34" charset="0"/>
-              </a:rPr>
-              <a:t>Process Payment</a:t>
-            </a:r>
-            <a:r>
-              <a:rPr lang="en-US" sz="1600" dirty="0">
-                <a:solidFill>
-                  <a:schemeClr val="accent6">
-                    <a:lumMod val="50000"/>
-                  </a:schemeClr>
-                </a:solidFill>
-                <a:latin typeface="Aptos Light" panose="020B0004020202020204" pitchFamily="34" charset="0"/>
-              </a:rPr>
-              <a:t> - Handle payment processing</a:t>
-            </a:r>
-          </a:p>
-          <a:p>
-            <a:pPr marL="342900" indent="-342900">
-              <a:buFont typeface="+mj-lt"/>
-              <a:buAutoNum type="arabicPeriod"/>
-            </a:pPr>
-            <a:r>
-              <a:rPr lang="en-US" sz="1600" b="1" dirty="0">
-                <a:solidFill>
-                  <a:schemeClr val="accent6">
-                    <a:lumMod val="50000"/>
-                  </a:schemeClr>
-                </a:solidFill>
-                <a:latin typeface="Aptos Light" panose="020B0004020202020204" pitchFamily="34" charset="0"/>
-              </a:rPr>
-              <a:t>Generate AI Content</a:t>
-            </a:r>
-            <a:r>
-              <a:rPr lang="en-US" sz="1600" dirty="0">
-                <a:solidFill>
-                  <a:schemeClr val="accent6">
-                    <a:lumMod val="50000"/>
-                  </a:schemeClr>
-                </a:solidFill>
-                <a:latin typeface="Aptos Light" panose="020B0004020202020204" pitchFamily="34" charset="0"/>
-              </a:rPr>
-              <a:t> - Create product descriptions (if needed)</a:t>
-            </a:r>
-          </a:p>
-          <a:p>
-            <a:pPr marL="342900" indent="-342900">
-              <a:buFont typeface="+mj-lt"/>
-              <a:buAutoNum type="arabicPeriod"/>
-            </a:pPr>
-            <a:r>
-              <a:rPr lang="en-US" sz="1600" b="1" dirty="0">
-                <a:solidFill>
-                  <a:schemeClr val="accent6">
-                    <a:lumMod val="50000"/>
-                  </a:schemeClr>
-                </a:solidFill>
-                <a:latin typeface="Aptos Light" panose="020B0004020202020204" pitchFamily="34" charset="0"/>
-              </a:rPr>
-              <a:t>Update Inventory</a:t>
-            </a:r>
-            <a:r>
-              <a:rPr lang="en-US" sz="1600" dirty="0">
-                <a:solidFill>
-                  <a:schemeClr val="accent6">
-                    <a:lumMod val="50000"/>
-                  </a:schemeClr>
-                </a:solidFill>
-                <a:latin typeface="Aptos Light" panose="020B0004020202020204" pitchFamily="34" charset="0"/>
-              </a:rPr>
-              <a:t> - Decrement stock levels</a:t>
-            </a:r>
-          </a:p>
-          <a:p>
-            <a:pPr marL="342900" indent="-342900">
-              <a:buFont typeface="+mj-lt"/>
-              <a:buAutoNum type="arabicPeriod"/>
-            </a:pPr>
-            <a:r>
-              <a:rPr lang="en-US" sz="1600" b="1" dirty="0">
-                <a:solidFill>
-                  <a:schemeClr val="accent6">
-                    <a:lumMod val="50000"/>
-                  </a:schemeClr>
-                </a:solidFill>
-                <a:latin typeface="Aptos Light" panose="020B0004020202020204" pitchFamily="34" charset="0"/>
-              </a:rPr>
-              <a:t>Send Notifications</a:t>
-            </a:r>
-            <a:r>
-              <a:rPr lang="en-US" sz="1600" dirty="0">
-                <a:solidFill>
-                  <a:schemeClr val="accent6">
-                    <a:lumMod val="50000"/>
-                  </a:schemeClr>
-                </a:solidFill>
-                <a:latin typeface="Aptos Light" panose="020B0004020202020204" pitchFamily="34" charset="0"/>
-              </a:rPr>
-              <a:t> - Confirm order to customer and staff</a:t>
-            </a:r>
-          </a:p>
-          <a:p>
-            <a:r>
-              <a:rPr lang="en-US" sz="1600" b="1" dirty="0">
-                <a:solidFill>
-                  <a:srgbClr val="5F6F0F"/>
-                </a:solidFill>
-                <a:latin typeface="Aptos Light" panose="020B0004020202020204" pitchFamily="34" charset="0"/>
-              </a:rPr>
-              <a:t>Key Advantages of Orchestration</a:t>
-            </a:r>
-          </a:p>
-          <a:p>
-            <a:pPr marL="342900" indent="-342900">
-              <a:buFont typeface="+mj-lt"/>
-              <a:buAutoNum type="arabicPeriod"/>
-            </a:pPr>
-            <a:r>
-              <a:rPr lang="en-US" sz="1600" b="1" dirty="0">
-                <a:solidFill>
-                  <a:schemeClr val="accent6">
-                    <a:lumMod val="50000"/>
-                  </a:schemeClr>
-                </a:solidFill>
-                <a:latin typeface="Aptos Light" panose="020B0004020202020204" pitchFamily="34" charset="0"/>
-              </a:rPr>
-              <a:t>Reliability</a:t>
-            </a:r>
-            <a:r>
-              <a:rPr lang="en-US" sz="1600" dirty="0">
-                <a:solidFill>
-                  <a:schemeClr val="accent6">
-                    <a:lumMod val="50000"/>
-                  </a:schemeClr>
-                </a:solidFill>
-                <a:latin typeface="Aptos Light" panose="020B0004020202020204" pitchFamily="34" charset="0"/>
-              </a:rPr>
-              <a:t> - Each step can retry independently</a:t>
-            </a:r>
-          </a:p>
-          <a:p>
-            <a:pPr marL="342900" indent="-342900">
-              <a:buFont typeface="+mj-lt"/>
-              <a:buAutoNum type="arabicPeriod"/>
-            </a:pPr>
-            <a:r>
-              <a:rPr lang="en-US" sz="1600" b="1" dirty="0">
-                <a:solidFill>
-                  <a:schemeClr val="accent6">
-                    <a:lumMod val="50000"/>
-                  </a:schemeClr>
-                </a:solidFill>
-                <a:latin typeface="Aptos Light" panose="020B0004020202020204" pitchFamily="34" charset="0"/>
-              </a:rPr>
-              <a:t>Visibility</a:t>
-            </a:r>
-            <a:r>
-              <a:rPr lang="en-US" sz="1600" dirty="0">
-                <a:solidFill>
-                  <a:schemeClr val="accent6">
-                    <a:lumMod val="50000"/>
-                  </a:schemeClr>
-                </a:solidFill>
-                <a:latin typeface="Aptos Light" panose="020B0004020202020204" pitchFamily="34" charset="0"/>
-              </a:rPr>
-              <a:t> - Track progress of each order through pipeline</a:t>
-            </a:r>
-          </a:p>
-          <a:p>
-            <a:pPr marL="342900" indent="-342900">
-              <a:buFont typeface="+mj-lt"/>
-              <a:buAutoNum type="arabicPeriod"/>
-            </a:pPr>
-            <a:r>
-              <a:rPr lang="en-US" sz="1600" b="1" dirty="0">
-                <a:solidFill>
-                  <a:schemeClr val="accent6">
-                    <a:lumMod val="50000"/>
-                  </a:schemeClr>
-                </a:solidFill>
-                <a:latin typeface="Aptos Light" panose="020B0004020202020204" pitchFamily="34" charset="0"/>
-              </a:rPr>
-              <a:t>Scalability</a:t>
-            </a:r>
-            <a:r>
-              <a:rPr lang="en-US" sz="1600" dirty="0">
-                <a:solidFill>
-                  <a:schemeClr val="accent6">
-                    <a:lumMod val="50000"/>
-                  </a:schemeClr>
-                </a:solidFill>
-                <a:latin typeface="Aptos Light" panose="020B0004020202020204" pitchFamily="34" charset="0"/>
-              </a:rPr>
-              <a:t> - Each step scales based on its own demands</a:t>
-            </a:r>
-          </a:p>
-          <a:p>
-            <a:pPr marL="342900" indent="-342900">
-              <a:buFont typeface="+mj-lt"/>
-              <a:buAutoNum type="arabicPeriod"/>
-            </a:pPr>
-            <a:r>
-              <a:rPr lang="en-US" sz="1600" b="1" dirty="0">
-                <a:solidFill>
-                  <a:schemeClr val="accent6">
-                    <a:lumMod val="50000"/>
-                  </a:schemeClr>
-                </a:solidFill>
-                <a:latin typeface="Aptos Light" panose="020B0004020202020204" pitchFamily="34" charset="0"/>
-              </a:rPr>
-              <a:t>Maintainability</a:t>
-            </a:r>
-            <a:r>
-              <a:rPr lang="en-US" sz="1600" dirty="0">
-                <a:solidFill>
-                  <a:schemeClr val="accent6">
-                    <a:lumMod val="50000"/>
-                  </a:schemeClr>
-                </a:solidFill>
-                <a:latin typeface="Aptos Light" panose="020B0004020202020204" pitchFamily="34" charset="0"/>
-              </a:rPr>
-              <a:t> - Clear separation of business logic</a:t>
-            </a:r>
-          </a:p>
-          <a:p>
-            <a:r>
-              <a:rPr lang="en-US" sz="1600" b="1" dirty="0">
-                <a:solidFill>
-                  <a:srgbClr val="5F6F0F"/>
-                </a:solidFill>
-                <a:latin typeface="Aptos Light" panose="020B0004020202020204" pitchFamily="34" charset="0"/>
-              </a:rPr>
-              <a:t>Error Handling Strategy</a:t>
-            </a:r>
-          </a:p>
-          <a:p>
-            <a:pPr marL="342900" indent="-342900">
-              <a:buFont typeface="+mj-lt"/>
-              <a:buAutoNum type="arabicPeriod"/>
-            </a:pPr>
-            <a:r>
-              <a:rPr lang="en-US" sz="1600" b="1" dirty="0">
-                <a:solidFill>
-                  <a:schemeClr val="accent6">
-                    <a:lumMod val="50000"/>
-                  </a:schemeClr>
-                </a:solidFill>
-                <a:latin typeface="Aptos Light" panose="020B0004020202020204" pitchFamily="34" charset="0"/>
-              </a:rPr>
-              <a:t>Automatic Retries</a:t>
-            </a:r>
-            <a:r>
-              <a:rPr lang="en-US" sz="1600" dirty="0">
-                <a:solidFill>
-                  <a:schemeClr val="accent6">
-                    <a:lumMod val="50000"/>
-                  </a:schemeClr>
-                </a:solidFill>
-                <a:latin typeface="Aptos Light" panose="020B0004020202020204" pitchFamily="34" charset="0"/>
-              </a:rPr>
-              <a:t> with exponential backoff</a:t>
-            </a:r>
-          </a:p>
-          <a:p>
-            <a:pPr marL="342900" indent="-342900">
-              <a:buFont typeface="+mj-lt"/>
-              <a:buAutoNum type="arabicPeriod"/>
-            </a:pPr>
-            <a:r>
-              <a:rPr lang="en-US" sz="1600" b="1" dirty="0">
-                <a:solidFill>
-                  <a:schemeClr val="accent6">
-                    <a:lumMod val="50000"/>
-                  </a:schemeClr>
-                </a:solidFill>
-                <a:latin typeface="Aptos Light" panose="020B0004020202020204" pitchFamily="34" charset="0"/>
-              </a:rPr>
-              <a:t>Compensation Actions</a:t>
-            </a:r>
-            <a:r>
-              <a:rPr lang="en-US" sz="1600" dirty="0">
-                <a:solidFill>
-                  <a:schemeClr val="accent6">
-                    <a:lumMod val="50000"/>
-                  </a:schemeClr>
-                </a:solidFill>
-                <a:latin typeface="Aptos Light" panose="020B0004020202020204" pitchFamily="34" charset="0"/>
-              </a:rPr>
-              <a:t> to rollback on failures</a:t>
-            </a:r>
-          </a:p>
-          <a:p>
-            <a:pPr marL="342900" indent="-342900">
-              <a:buFont typeface="+mj-lt"/>
-              <a:buAutoNum type="arabicPeriod"/>
-            </a:pPr>
-            <a:r>
-              <a:rPr lang="en-US" sz="1600" b="1" dirty="0">
-                <a:solidFill>
-                  <a:schemeClr val="accent6">
-                    <a:lumMod val="50000"/>
-                  </a:schemeClr>
-                </a:solidFill>
-                <a:latin typeface="Aptos Light" panose="020B0004020202020204" pitchFamily="34" charset="0"/>
-              </a:rPr>
-              <a:t>Dead Letter Queues</a:t>
-            </a:r>
-            <a:r>
-              <a:rPr lang="en-US" sz="1600" dirty="0">
-                <a:solidFill>
-                  <a:schemeClr val="accent6">
-                    <a:lumMod val="50000"/>
-                  </a:schemeClr>
-                </a:solidFill>
-                <a:latin typeface="Aptos Light" panose="020B0004020202020204" pitchFamily="34" charset="0"/>
-              </a:rPr>
-              <a:t> for manual intervention</a:t>
-            </a:r>
-          </a:p>
-          <a:p>
-            <a:pPr marL="342900" indent="-342900">
-              <a:buFont typeface="+mj-lt"/>
-              <a:buAutoNum type="arabicPeriod"/>
-            </a:pPr>
-            <a:r>
-              <a:rPr lang="en-US" sz="1600" b="1" dirty="0">
-                <a:solidFill>
-                  <a:schemeClr val="accent6">
-                    <a:lumMod val="50000"/>
-                  </a:schemeClr>
-                </a:solidFill>
-                <a:latin typeface="Aptos Light" panose="020B0004020202020204" pitchFamily="34" charset="0"/>
-              </a:rPr>
-              <a:t>Monitoring Alerts</a:t>
-            </a:r>
-            <a:r>
-              <a:rPr lang="en-US" sz="1600" dirty="0">
-                <a:solidFill>
-                  <a:schemeClr val="accent6">
-                    <a:lumMod val="50000"/>
-                  </a:schemeClr>
-                </a:solidFill>
-                <a:latin typeface="Aptos Light" panose="020B0004020202020204" pitchFamily="34" charset="0"/>
-              </a:rPr>
-              <a:t> for failed workflows</a:t>
-            </a:r>
-          </a:p>
-          <a:p>
-            <a:r>
-              <a:rPr lang="en-US" sz="1600" b="1" dirty="0">
-                <a:solidFill>
-                  <a:srgbClr val="5F6F0F"/>
-                </a:solidFill>
-                <a:latin typeface="Aptos Light" panose="020B0004020202020204" pitchFamily="34" charset="0"/>
-              </a:rPr>
-              <a:t>Fan-out/Fan-in Pattern for Bulk Operations</a:t>
-            </a:r>
-          </a:p>
-          <a:p>
-            <a:pPr marL="342900" indent="-342900">
-              <a:buFont typeface="+mj-lt"/>
-              <a:buAutoNum type="arabicPeriod"/>
-            </a:pPr>
-            <a:r>
-              <a:rPr lang="en-US" sz="1600" dirty="0">
-                <a:solidFill>
-                  <a:schemeClr val="accent6">
-                    <a:lumMod val="50000"/>
-                  </a:schemeClr>
-                </a:solidFill>
-                <a:latin typeface="Aptos Light" panose="020B0004020202020204" pitchFamily="34" charset="0"/>
-              </a:rPr>
-              <a:t>Process multiple orders simultaneously during peak times</a:t>
-            </a:r>
-          </a:p>
-          <a:p>
-            <a:pPr marL="342900" indent="-342900">
-              <a:buFont typeface="+mj-lt"/>
-              <a:buAutoNum type="arabicPeriod"/>
-            </a:pPr>
-            <a:r>
-              <a:rPr lang="en-US" sz="1600" dirty="0">
-                <a:solidFill>
-                  <a:schemeClr val="accent6">
-                    <a:lumMod val="50000"/>
-                  </a:schemeClr>
-                </a:solidFill>
-                <a:latin typeface="Aptos Light" panose="020B0004020202020204" pitchFamily="34" charset="0"/>
-              </a:rPr>
-              <a:t>Generate AI content for multiple products in parallel</a:t>
-            </a:r>
-          </a:p>
-          <a:p>
-            <a:pPr marL="342900" indent="-342900">
-              <a:buFont typeface="+mj-lt"/>
-              <a:buAutoNum type="arabicPeriod"/>
-            </a:pPr>
-            <a:r>
-              <a:rPr lang="en-US" sz="1600" dirty="0">
-                <a:solidFill>
-                  <a:schemeClr val="accent6">
-                    <a:lumMod val="50000"/>
-                  </a:schemeClr>
-                </a:solidFill>
-                <a:latin typeface="Aptos Light" panose="020B0004020202020204" pitchFamily="34" charset="0"/>
-              </a:rPr>
-              <a:t>Aggregate results for reporting and analytics</a:t>
-            </a:r>
+            <a:endParaRPr lang="en-US" sz="1600" dirty="0">
+              <a:solidFill>
+                <a:schemeClr val="accent6">
+                  <a:lumMod val="50000"/>
+                </a:schemeClr>
+              </a:solidFill>
+              <a:latin typeface="Aptos Light" panose="020B0004020202020204" pitchFamily="34" charset="0"/>
+            </a:endParaRPr>
           </a:p>
         </p:txBody>
       </p:sp>
@@ -11509,8 +12946,8 @@
         </p:nvSpPr>
         <p:spPr>
           <a:xfrm>
-            <a:off x="6598468" y="260648"/>
-            <a:ext cx="5256584" cy="400110"/>
+            <a:off x="2133972" y="188640"/>
+            <a:ext cx="8136904" cy="584775"/>
           </a:xfrm>
           <a:prstGeom prst="rect">
             <a:avLst/>
@@ -11524,7 +12961,7 @@
           <a:lstStyle/>
           <a:p>
             <a:r>
-              <a:rPr lang="en-US" sz="2000" b="1" dirty="0">
+              <a:rPr lang="fr-FR" sz="3200" b="1" dirty="0">
                 <a:solidFill>
                   <a:schemeClr val="accent6">
                     <a:lumMod val="75000"/>
@@ -11532,12 +12969,809 @@
                 </a:solidFill>
                 <a:latin typeface="Aptos Light" panose="020F0502020204030204" pitchFamily="34" charset="0"/>
               </a:rPr>
-              <a:t>Durable Functions for Complex Workflows</a:t>
-            </a:r>
-            <a:endParaRPr lang="en-US" sz="2000" dirty="0"/>
+              <a:t>Logic Apps vs Azure </a:t>
+            </a:r>
+            <a:r>
+              <a:rPr lang="fr-FR" sz="3200" b="1" dirty="0" err="1">
+                <a:solidFill>
+                  <a:schemeClr val="accent6">
+                    <a:lumMod val="75000"/>
+                  </a:schemeClr>
+                </a:solidFill>
+                <a:latin typeface="Aptos Light" panose="020F0502020204030204" pitchFamily="34" charset="0"/>
+              </a:rPr>
+              <a:t>Functions</a:t>
+            </a:r>
+            <a:r>
+              <a:rPr lang="fr-FR" sz="3200" b="1" dirty="0">
+                <a:solidFill>
+                  <a:schemeClr val="accent6">
+                    <a:lumMod val="75000"/>
+                  </a:schemeClr>
+                </a:solidFill>
+                <a:latin typeface="Aptos Light" panose="020F0502020204030204" pitchFamily="34" charset="0"/>
+              </a:rPr>
+              <a:t> </a:t>
+            </a:r>
+            <a:r>
+              <a:rPr lang="fr-FR" sz="3200" b="1" dirty="0" err="1">
+                <a:solidFill>
+                  <a:schemeClr val="accent6">
+                    <a:lumMod val="75000"/>
+                  </a:schemeClr>
+                </a:solidFill>
+                <a:latin typeface="Aptos Light" panose="020F0502020204030204" pitchFamily="34" charset="0"/>
+              </a:rPr>
+              <a:t>Decision</a:t>
+            </a:r>
+            <a:r>
+              <a:rPr lang="fr-FR" sz="3200" b="1" dirty="0">
+                <a:solidFill>
+                  <a:schemeClr val="accent6">
+                    <a:lumMod val="75000"/>
+                  </a:schemeClr>
+                </a:solidFill>
+                <a:latin typeface="Aptos Light" panose="020F0502020204030204" pitchFamily="34" charset="0"/>
+              </a:rPr>
+              <a:t> Matrix</a:t>
+            </a:r>
+            <a:endParaRPr lang="en-US" sz="3200" dirty="0"/>
           </a:p>
         </p:txBody>
       </p:sp>
+      <p:sp>
+        <p:nvSpPr>
+          <p:cNvPr id="2" name="TextBox 1">
+            <a:extLst>
+              <a:ext uri="{FF2B5EF4-FFF2-40B4-BE49-F238E27FC236}">
+                <a16:creationId xmlns:a16="http://schemas.microsoft.com/office/drawing/2014/main" id="{D01C60FA-05C7-51A7-34A0-F278BBC4E994}"/>
+              </a:ext>
+            </a:extLst>
+          </p:cNvPr>
+          <p:cNvSpPr txBox="1"/>
+          <p:nvPr/>
+        </p:nvSpPr>
+        <p:spPr>
+          <a:xfrm>
+            <a:off x="6166420" y="836712"/>
+            <a:ext cx="6022405" cy="1846659"/>
+          </a:xfrm>
+          <a:prstGeom prst="rect">
+            <a:avLst/>
+          </a:prstGeom>
+          <a:noFill/>
+        </p:spPr>
+        <p:txBody>
+          <a:bodyPr wrap="square">
+            <a:spAutoFit/>
+          </a:bodyPr>
+          <a:lstStyle/>
+          <a:p>
+            <a:r>
+              <a:rPr lang="en-US" sz="1800" b="1" dirty="0">
+                <a:solidFill>
+                  <a:schemeClr val="accent3">
+                    <a:lumMod val="75000"/>
+                  </a:schemeClr>
+                </a:solidFill>
+                <a:latin typeface="Aptos Light" panose="020B0004020202020204" pitchFamily="34" charset="0"/>
+              </a:rPr>
+              <a:t>When to Choose Azure Functions</a:t>
+            </a:r>
+          </a:p>
+          <a:p>
+            <a:r>
+              <a:rPr lang="en-US" sz="1600" b="1" dirty="0">
+                <a:solidFill>
+                  <a:srgbClr val="5F6F0F"/>
+                </a:solidFill>
+                <a:latin typeface="Aptos Light" panose="020B0004020202020204" pitchFamily="34" charset="0"/>
+              </a:rPr>
+              <a:t>Custom Business Logic:</a:t>
+            </a:r>
+            <a:endParaRPr lang="en-US" sz="1600" dirty="0">
+              <a:solidFill>
+                <a:srgbClr val="5F6F0F"/>
+              </a:solidFill>
+              <a:latin typeface="Aptos Light" panose="020B0004020202020204" pitchFamily="34" charset="0"/>
+            </a:endParaRPr>
+          </a:p>
+          <a:p>
+            <a:pPr marL="285750" indent="-285750">
+              <a:buFont typeface="Arial" panose="020B0604020202020204" pitchFamily="34" charset="0"/>
+              <a:buChar char="•"/>
+            </a:pPr>
+            <a:r>
+              <a:rPr lang="en-US" sz="1600" b="1" dirty="0">
+                <a:solidFill>
+                  <a:schemeClr val="accent6">
+                    <a:lumMod val="50000"/>
+                  </a:schemeClr>
+                </a:solidFill>
+                <a:latin typeface="Aptos Light" panose="020B0004020202020204" pitchFamily="34" charset="0"/>
+              </a:rPr>
+              <a:t>Complex Calculations</a:t>
+            </a:r>
+            <a:r>
+              <a:rPr lang="en-US" sz="1600" dirty="0">
+                <a:solidFill>
+                  <a:schemeClr val="accent6">
+                    <a:lumMod val="50000"/>
+                  </a:schemeClr>
+                </a:solidFill>
+                <a:latin typeface="Aptos Light" panose="020B0004020202020204" pitchFamily="34" charset="0"/>
+              </a:rPr>
+              <a:t> - Pricing algorithms, tax calculations</a:t>
+            </a:r>
+          </a:p>
+          <a:p>
+            <a:pPr marL="285750" indent="-285750">
+              <a:buFont typeface="Arial" panose="020B0604020202020204" pitchFamily="34" charset="0"/>
+              <a:buChar char="•"/>
+            </a:pPr>
+            <a:r>
+              <a:rPr lang="en-US" sz="1600" b="1" dirty="0">
+                <a:solidFill>
+                  <a:schemeClr val="accent6">
+                    <a:lumMod val="50000"/>
+                  </a:schemeClr>
+                </a:solidFill>
+                <a:latin typeface="Aptos Light" panose="020B0004020202020204" pitchFamily="34" charset="0"/>
+              </a:rPr>
+              <a:t>High Performance Requirements</a:t>
+            </a:r>
+            <a:r>
+              <a:rPr lang="en-US" sz="1600" dirty="0">
+                <a:solidFill>
+                  <a:schemeClr val="accent6">
+                    <a:lumMod val="50000"/>
+                  </a:schemeClr>
+                </a:solidFill>
+                <a:latin typeface="Aptos Light" panose="020B0004020202020204" pitchFamily="34" charset="0"/>
+              </a:rPr>
+              <a:t> - Low latency operations</a:t>
+            </a:r>
+          </a:p>
+          <a:p>
+            <a:pPr marL="285750" indent="-285750">
+              <a:buFont typeface="Arial" panose="020B0604020202020204" pitchFamily="34" charset="0"/>
+              <a:buChar char="•"/>
+            </a:pPr>
+            <a:r>
+              <a:rPr lang="en-US" sz="1600" b="1" dirty="0">
+                <a:solidFill>
+                  <a:schemeClr val="accent6">
+                    <a:lumMod val="50000"/>
+                  </a:schemeClr>
+                </a:solidFill>
+                <a:latin typeface="Aptos Light" panose="020B0004020202020204" pitchFamily="34" charset="0"/>
+              </a:rPr>
+              <a:t>Custom Integrations</a:t>
+            </a:r>
+            <a:r>
+              <a:rPr lang="en-US" sz="1600" dirty="0">
+                <a:solidFill>
+                  <a:schemeClr val="accent6">
+                    <a:lumMod val="50000"/>
+                  </a:schemeClr>
+                </a:solidFill>
+                <a:latin typeface="Aptos Light" panose="020B0004020202020204" pitchFamily="34" charset="0"/>
+              </a:rPr>
+              <a:t> - Proprietary APIs and protocols</a:t>
+            </a:r>
+          </a:p>
+          <a:p>
+            <a:pPr marL="285750" indent="-285750">
+              <a:buFont typeface="Arial" panose="020B0604020202020204" pitchFamily="34" charset="0"/>
+              <a:buChar char="•"/>
+            </a:pPr>
+            <a:r>
+              <a:rPr lang="en-US" sz="1600" b="1" dirty="0">
+                <a:solidFill>
+                  <a:schemeClr val="accent6">
+                    <a:lumMod val="50000"/>
+                  </a:schemeClr>
+                </a:solidFill>
+                <a:latin typeface="Aptos Light" panose="020B0004020202020204" pitchFamily="34" charset="0"/>
+              </a:rPr>
+              <a:t>Data Transformations</a:t>
+            </a:r>
+            <a:r>
+              <a:rPr lang="en-US" sz="1600" dirty="0">
+                <a:solidFill>
+                  <a:schemeClr val="accent6">
+                    <a:lumMod val="50000"/>
+                  </a:schemeClr>
+                </a:solidFill>
+                <a:latin typeface="Aptos Light" panose="020B0004020202020204" pitchFamily="34" charset="0"/>
+              </a:rPr>
+              <a:t> - Complex data processing and validation</a:t>
+            </a:r>
+          </a:p>
+          <a:p>
+            <a:pPr marL="342900" indent="-342900">
+              <a:buFont typeface="+mj-lt"/>
+              <a:buAutoNum type="arabicPeriod"/>
+            </a:pPr>
+            <a:endParaRPr lang="en-US" sz="1600" dirty="0">
+              <a:solidFill>
+                <a:schemeClr val="accent6">
+                  <a:lumMod val="50000"/>
+                </a:schemeClr>
+              </a:solidFill>
+              <a:latin typeface="Aptos Light" panose="020B0004020202020204" pitchFamily="34" charset="0"/>
+            </a:endParaRPr>
+          </a:p>
+        </p:txBody>
+      </p:sp>
+      <p:graphicFrame>
+        <p:nvGraphicFramePr>
+          <p:cNvPr id="5" name="Table 4">
+            <a:extLst>
+              <a:ext uri="{FF2B5EF4-FFF2-40B4-BE49-F238E27FC236}">
+                <a16:creationId xmlns:a16="http://schemas.microsoft.com/office/drawing/2014/main" id="{7BE7D7EF-E873-0225-7A7C-0BBB3533286A}"/>
+              </a:ext>
+            </a:extLst>
+          </p:cNvPr>
+          <p:cNvGraphicFramePr>
+            <a:graphicFrameLocks noGrp="1"/>
+          </p:cNvGraphicFramePr>
+          <p:nvPr>
+            <p:extLst>
+              <p:ext uri="{D42A27DB-BD31-4B8C-83A1-F6EECF244321}">
+                <p14:modId xmlns:p14="http://schemas.microsoft.com/office/powerpoint/2010/main" val="2237635856"/>
+              </p:ext>
+            </p:extLst>
+          </p:nvPr>
+        </p:nvGraphicFramePr>
+        <p:xfrm>
+          <a:off x="1125860" y="3717032"/>
+          <a:ext cx="10360026" cy="2769114"/>
+        </p:xfrm>
+        <a:graphic>
+          <a:graphicData uri="http://schemas.openxmlformats.org/drawingml/2006/table">
+            <a:tbl>
+              <a:tblPr>
+                <a:tableStyleId>{D7AC3CCA-C797-4891-BE02-D94E43425B78}</a:tableStyleId>
+              </a:tblPr>
+              <a:tblGrid>
+                <a:gridCol w="3453342">
+                  <a:extLst>
+                    <a:ext uri="{9D8B030D-6E8A-4147-A177-3AD203B41FA5}">
+                      <a16:colId xmlns:a16="http://schemas.microsoft.com/office/drawing/2014/main" val="717179840"/>
+                    </a:ext>
+                  </a:extLst>
+                </a:gridCol>
+                <a:gridCol w="3453342">
+                  <a:extLst>
+                    <a:ext uri="{9D8B030D-6E8A-4147-A177-3AD203B41FA5}">
+                      <a16:colId xmlns:a16="http://schemas.microsoft.com/office/drawing/2014/main" val="46760046"/>
+                    </a:ext>
+                  </a:extLst>
+                </a:gridCol>
+                <a:gridCol w="3453342">
+                  <a:extLst>
+                    <a:ext uri="{9D8B030D-6E8A-4147-A177-3AD203B41FA5}">
+                      <a16:colId xmlns:a16="http://schemas.microsoft.com/office/drawing/2014/main" val="1784678383"/>
+                    </a:ext>
+                  </a:extLst>
+                </a:gridCol>
+              </a:tblGrid>
+              <a:tr h="395479">
+                <a:tc>
+                  <a:txBody>
+                    <a:bodyPr/>
+                    <a:lstStyle/>
+                    <a:p>
+                      <a:pPr>
+                        <a:buNone/>
+                      </a:pPr>
+                      <a:r>
+                        <a:rPr lang="en-US" sz="2000" b="1" dirty="0">
+                          <a:solidFill>
+                            <a:schemeClr val="accent6">
+                              <a:lumMod val="50000"/>
+                            </a:schemeClr>
+                          </a:solidFill>
+                        </a:rPr>
+                        <a:t>Requirement</a:t>
+                      </a:r>
+                    </a:p>
+                  </a:txBody>
+                  <a:tcPr anchor="ctr"/>
+                </a:tc>
+                <a:tc>
+                  <a:txBody>
+                    <a:bodyPr/>
+                    <a:lstStyle/>
+                    <a:p>
+                      <a:pPr>
+                        <a:buNone/>
+                      </a:pPr>
+                      <a:r>
+                        <a:rPr lang="en-US" sz="2000" b="1" dirty="0">
+                          <a:solidFill>
+                            <a:schemeClr val="accent6">
+                              <a:lumMod val="50000"/>
+                            </a:schemeClr>
+                          </a:solidFill>
+                        </a:rPr>
+                        <a:t>Logic Apps</a:t>
+                      </a:r>
+                    </a:p>
+                  </a:txBody>
+                  <a:tcPr anchor="ctr"/>
+                </a:tc>
+                <a:tc>
+                  <a:txBody>
+                    <a:bodyPr/>
+                    <a:lstStyle/>
+                    <a:p>
+                      <a:pPr>
+                        <a:buNone/>
+                      </a:pPr>
+                      <a:r>
+                        <a:rPr lang="en-US" sz="2000" b="1" dirty="0">
+                          <a:solidFill>
+                            <a:schemeClr val="accent6">
+                              <a:lumMod val="50000"/>
+                            </a:schemeClr>
+                          </a:solidFill>
+                        </a:rPr>
+                        <a:t>Azure Functions</a:t>
+                      </a:r>
+                    </a:p>
+                  </a:txBody>
+                  <a:tcPr anchor="ctr"/>
+                </a:tc>
+                <a:extLst>
+                  <a:ext uri="{0D108BD9-81ED-4DB2-BD59-A6C34878D82A}">
+                    <a16:rowId xmlns:a16="http://schemas.microsoft.com/office/drawing/2014/main" val="2528169797"/>
+                  </a:ext>
+                </a:extLst>
+              </a:tr>
+              <a:tr h="395479">
+                <a:tc>
+                  <a:txBody>
+                    <a:bodyPr/>
+                    <a:lstStyle/>
+                    <a:p>
+                      <a:pPr>
+                        <a:buNone/>
+                      </a:pPr>
+                      <a:r>
+                        <a:rPr lang="en-US" sz="1800" dirty="0">
+                          <a:solidFill>
+                            <a:schemeClr val="accent6">
+                              <a:lumMod val="50000"/>
+                            </a:schemeClr>
+                          </a:solidFill>
+                        </a:rPr>
+                        <a:t>Visual Design</a:t>
+                      </a:r>
+                    </a:p>
+                  </a:txBody>
+                  <a:tcPr anchor="ctr"/>
+                </a:tc>
+                <a:tc>
+                  <a:txBody>
+                    <a:bodyPr/>
+                    <a:lstStyle/>
+                    <a:p>
+                      <a:pPr>
+                        <a:buNone/>
+                      </a:pPr>
+                      <a:r>
+                        <a:rPr lang="en-US" sz="1800" dirty="0">
+                          <a:solidFill>
+                            <a:schemeClr val="accent6">
+                              <a:lumMod val="50000"/>
+                            </a:schemeClr>
+                          </a:solidFill>
+                        </a:rPr>
+                        <a:t>✅ Excellent</a:t>
+                      </a:r>
+                    </a:p>
+                  </a:txBody>
+                  <a:tcPr anchor="ctr"/>
+                </a:tc>
+                <a:tc>
+                  <a:txBody>
+                    <a:bodyPr/>
+                    <a:lstStyle/>
+                    <a:p>
+                      <a:pPr>
+                        <a:buNone/>
+                      </a:pPr>
+                      <a:r>
+                        <a:rPr lang="en-US" sz="1800">
+                          <a:solidFill>
+                            <a:schemeClr val="accent6">
+                              <a:lumMod val="50000"/>
+                            </a:schemeClr>
+                          </a:solidFill>
+                        </a:rPr>
+                        <a:t>❌ Code Only</a:t>
+                      </a:r>
+                    </a:p>
+                  </a:txBody>
+                  <a:tcPr anchor="ctr"/>
+                </a:tc>
+                <a:extLst>
+                  <a:ext uri="{0D108BD9-81ED-4DB2-BD59-A6C34878D82A}">
+                    <a16:rowId xmlns:a16="http://schemas.microsoft.com/office/drawing/2014/main" val="2205582854"/>
+                  </a:ext>
+                </a:extLst>
+              </a:tr>
+              <a:tr h="395479">
+                <a:tc>
+                  <a:txBody>
+                    <a:bodyPr/>
+                    <a:lstStyle/>
+                    <a:p>
+                      <a:pPr>
+                        <a:buNone/>
+                      </a:pPr>
+                      <a:r>
+                        <a:rPr lang="en-US" sz="1800" dirty="0">
+                          <a:solidFill>
+                            <a:schemeClr val="accent6">
+                              <a:lumMod val="50000"/>
+                            </a:schemeClr>
+                          </a:solidFill>
+                        </a:rPr>
+                        <a:t>Performance</a:t>
+                      </a:r>
+                    </a:p>
+                  </a:txBody>
+                  <a:tcPr anchor="ctr"/>
+                </a:tc>
+                <a:tc>
+                  <a:txBody>
+                    <a:bodyPr/>
+                    <a:lstStyle/>
+                    <a:p>
+                      <a:pPr>
+                        <a:buNone/>
+                      </a:pPr>
+                      <a:r>
+                        <a:rPr lang="en-US" sz="1800" dirty="0">
+                          <a:solidFill>
+                            <a:schemeClr val="accent6">
+                              <a:lumMod val="50000"/>
+                            </a:schemeClr>
+                          </a:solidFill>
+                        </a:rPr>
+                        <a:t>⚠️ Moderate</a:t>
+                      </a:r>
+                    </a:p>
+                  </a:txBody>
+                  <a:tcPr anchor="ctr"/>
+                </a:tc>
+                <a:tc>
+                  <a:txBody>
+                    <a:bodyPr/>
+                    <a:lstStyle/>
+                    <a:p>
+                      <a:pPr>
+                        <a:buNone/>
+                      </a:pPr>
+                      <a:r>
+                        <a:rPr lang="en-US" sz="1800" dirty="0">
+                          <a:solidFill>
+                            <a:schemeClr val="accent6">
+                              <a:lumMod val="50000"/>
+                            </a:schemeClr>
+                          </a:solidFill>
+                        </a:rPr>
+                        <a:t>✅ High</a:t>
+                      </a:r>
+                    </a:p>
+                  </a:txBody>
+                  <a:tcPr anchor="ctr"/>
+                </a:tc>
+                <a:extLst>
+                  <a:ext uri="{0D108BD9-81ED-4DB2-BD59-A6C34878D82A}">
+                    <a16:rowId xmlns:a16="http://schemas.microsoft.com/office/drawing/2014/main" val="490259670"/>
+                  </a:ext>
+                </a:extLst>
+              </a:tr>
+              <a:tr h="395479">
+                <a:tc>
+                  <a:txBody>
+                    <a:bodyPr/>
+                    <a:lstStyle/>
+                    <a:p>
+                      <a:pPr>
+                        <a:buNone/>
+                      </a:pPr>
+                      <a:r>
+                        <a:rPr lang="en-US" sz="1800">
+                          <a:solidFill>
+                            <a:schemeClr val="accent6">
+                              <a:lumMod val="50000"/>
+                            </a:schemeClr>
+                          </a:solidFill>
+                        </a:rPr>
+                        <a:t>Custom Logic</a:t>
+                      </a:r>
+                    </a:p>
+                  </a:txBody>
+                  <a:tcPr anchor="ctr"/>
+                </a:tc>
+                <a:tc>
+                  <a:txBody>
+                    <a:bodyPr/>
+                    <a:lstStyle/>
+                    <a:p>
+                      <a:pPr>
+                        <a:buNone/>
+                      </a:pPr>
+                      <a:r>
+                        <a:rPr lang="en-US" sz="1800">
+                          <a:solidFill>
+                            <a:schemeClr val="accent6">
+                              <a:lumMod val="50000"/>
+                            </a:schemeClr>
+                          </a:solidFill>
+                        </a:rPr>
+                        <a:t>❌ Limited</a:t>
+                      </a:r>
+                    </a:p>
+                  </a:txBody>
+                  <a:tcPr anchor="ctr"/>
+                </a:tc>
+                <a:tc>
+                  <a:txBody>
+                    <a:bodyPr/>
+                    <a:lstStyle/>
+                    <a:p>
+                      <a:pPr>
+                        <a:buNone/>
+                      </a:pPr>
+                      <a:r>
+                        <a:rPr lang="en-US" sz="1800">
+                          <a:solidFill>
+                            <a:schemeClr val="accent6">
+                              <a:lumMod val="50000"/>
+                            </a:schemeClr>
+                          </a:solidFill>
+                        </a:rPr>
+                        <a:t>✅ Full Control</a:t>
+                      </a:r>
+                    </a:p>
+                  </a:txBody>
+                  <a:tcPr anchor="ctr"/>
+                </a:tc>
+                <a:extLst>
+                  <a:ext uri="{0D108BD9-81ED-4DB2-BD59-A6C34878D82A}">
+                    <a16:rowId xmlns:a16="http://schemas.microsoft.com/office/drawing/2014/main" val="2618667975"/>
+                  </a:ext>
+                </a:extLst>
+              </a:tr>
+              <a:tr h="395479">
+                <a:tc>
+                  <a:txBody>
+                    <a:bodyPr/>
+                    <a:lstStyle/>
+                    <a:p>
+                      <a:pPr>
+                        <a:buNone/>
+                      </a:pPr>
+                      <a:r>
+                        <a:rPr lang="en-US" sz="1800">
+                          <a:solidFill>
+                            <a:schemeClr val="accent6">
+                              <a:lumMod val="50000"/>
+                            </a:schemeClr>
+                          </a:solidFill>
+                        </a:rPr>
+                        <a:t>Integration</a:t>
+                      </a:r>
+                    </a:p>
+                  </a:txBody>
+                  <a:tcPr anchor="ctr"/>
+                </a:tc>
+                <a:tc>
+                  <a:txBody>
+                    <a:bodyPr/>
+                    <a:lstStyle/>
+                    <a:p>
+                      <a:pPr>
+                        <a:buNone/>
+                      </a:pPr>
+                      <a:r>
+                        <a:rPr lang="en-US" sz="1800">
+                          <a:solidFill>
+                            <a:schemeClr val="accent6">
+                              <a:lumMod val="50000"/>
+                            </a:schemeClr>
+                          </a:solidFill>
+                        </a:rPr>
+                        <a:t>✅ 200+ Connectors</a:t>
+                      </a:r>
+                    </a:p>
+                  </a:txBody>
+                  <a:tcPr anchor="ctr"/>
+                </a:tc>
+                <a:tc>
+                  <a:txBody>
+                    <a:bodyPr/>
+                    <a:lstStyle/>
+                    <a:p>
+                      <a:pPr>
+                        <a:buNone/>
+                      </a:pPr>
+                      <a:r>
+                        <a:rPr lang="en-US" sz="1800">
+                          <a:solidFill>
+                            <a:schemeClr val="accent6">
+                              <a:lumMod val="50000"/>
+                            </a:schemeClr>
+                          </a:solidFill>
+                        </a:rPr>
+                        <a:t>⚠️ Custom Development</a:t>
+                      </a:r>
+                    </a:p>
+                  </a:txBody>
+                  <a:tcPr anchor="ctr"/>
+                </a:tc>
+                <a:extLst>
+                  <a:ext uri="{0D108BD9-81ED-4DB2-BD59-A6C34878D82A}">
+                    <a16:rowId xmlns:a16="http://schemas.microsoft.com/office/drawing/2014/main" val="3749734763"/>
+                  </a:ext>
+                </a:extLst>
+              </a:tr>
+              <a:tr h="395479">
+                <a:tc>
+                  <a:txBody>
+                    <a:bodyPr/>
+                    <a:lstStyle/>
+                    <a:p>
+                      <a:pPr>
+                        <a:buNone/>
+                      </a:pPr>
+                      <a:r>
+                        <a:rPr lang="en-US" sz="1800">
+                          <a:solidFill>
+                            <a:schemeClr val="accent6">
+                              <a:lumMod val="50000"/>
+                            </a:schemeClr>
+                          </a:solidFill>
+                        </a:rPr>
+                        <a:t>Business User Friendly</a:t>
+                      </a:r>
+                    </a:p>
+                  </a:txBody>
+                  <a:tcPr anchor="ctr"/>
+                </a:tc>
+                <a:tc>
+                  <a:txBody>
+                    <a:bodyPr/>
+                    <a:lstStyle/>
+                    <a:p>
+                      <a:pPr>
+                        <a:buNone/>
+                      </a:pPr>
+                      <a:r>
+                        <a:rPr lang="en-US" sz="1800">
+                          <a:solidFill>
+                            <a:schemeClr val="accent6">
+                              <a:lumMod val="50000"/>
+                            </a:schemeClr>
+                          </a:solidFill>
+                        </a:rPr>
+                        <a:t>✅ Yes</a:t>
+                      </a:r>
+                    </a:p>
+                  </a:txBody>
+                  <a:tcPr anchor="ctr"/>
+                </a:tc>
+                <a:tc>
+                  <a:txBody>
+                    <a:bodyPr/>
+                    <a:lstStyle/>
+                    <a:p>
+                      <a:pPr>
+                        <a:buNone/>
+                      </a:pPr>
+                      <a:r>
+                        <a:rPr lang="en-US" sz="1800">
+                          <a:solidFill>
+                            <a:schemeClr val="accent6">
+                              <a:lumMod val="50000"/>
+                            </a:schemeClr>
+                          </a:solidFill>
+                        </a:rPr>
+                        <a:t>❌ Developer Only</a:t>
+                      </a:r>
+                    </a:p>
+                  </a:txBody>
+                  <a:tcPr anchor="ctr"/>
+                </a:tc>
+                <a:extLst>
+                  <a:ext uri="{0D108BD9-81ED-4DB2-BD59-A6C34878D82A}">
+                    <a16:rowId xmlns:a16="http://schemas.microsoft.com/office/drawing/2014/main" val="3318530564"/>
+                  </a:ext>
+                </a:extLst>
+              </a:tr>
+              <a:tr h="395479">
+                <a:tc>
+                  <a:txBody>
+                    <a:bodyPr/>
+                    <a:lstStyle/>
+                    <a:p>
+                      <a:pPr>
+                        <a:buNone/>
+                      </a:pPr>
+                      <a:r>
+                        <a:rPr lang="en-US" sz="1800">
+                          <a:solidFill>
+                            <a:schemeClr val="accent6">
+                              <a:lumMod val="50000"/>
+                            </a:schemeClr>
+                          </a:solidFill>
+                        </a:rPr>
+                        <a:t>Cost (Low Volume)</a:t>
+                      </a:r>
+                    </a:p>
+                  </a:txBody>
+                  <a:tcPr anchor="ctr"/>
+                </a:tc>
+                <a:tc>
+                  <a:txBody>
+                    <a:bodyPr/>
+                    <a:lstStyle/>
+                    <a:p>
+                      <a:pPr>
+                        <a:buNone/>
+                      </a:pPr>
+                      <a:r>
+                        <a:rPr lang="en-US" sz="1800">
+                          <a:solidFill>
+                            <a:schemeClr val="accent6">
+                              <a:lumMod val="50000"/>
+                            </a:schemeClr>
+                          </a:solidFill>
+                        </a:rPr>
+                        <a:t>✅ Lower</a:t>
+                      </a:r>
+                    </a:p>
+                  </a:txBody>
+                  <a:tcPr anchor="ctr"/>
+                </a:tc>
+                <a:tc>
+                  <a:txBody>
+                    <a:bodyPr/>
+                    <a:lstStyle/>
+                    <a:p>
+                      <a:pPr>
+                        <a:buNone/>
+                      </a:pPr>
+                      <a:r>
+                        <a:rPr lang="en-US" sz="1800" dirty="0">
+                          <a:solidFill>
+                            <a:schemeClr val="accent6">
+                              <a:lumMod val="50000"/>
+                            </a:schemeClr>
+                          </a:solidFill>
+                        </a:rPr>
+                        <a:t>⚠️ Higher</a:t>
+                      </a:r>
+                    </a:p>
+                  </a:txBody>
+                  <a:tcPr anchor="ctr"/>
+                </a:tc>
+                <a:extLst>
+                  <a:ext uri="{0D108BD9-81ED-4DB2-BD59-A6C34878D82A}">
+                    <a16:rowId xmlns:a16="http://schemas.microsoft.com/office/drawing/2014/main" val="1893455963"/>
+                  </a:ext>
+                </a:extLst>
+              </a:tr>
+            </a:tbl>
+          </a:graphicData>
+        </a:graphic>
+      </p:graphicFrame>
     </p:spTree>
     <p:extLst>
       <p:ext uri="{BB962C8B-B14F-4D97-AF65-F5344CB8AC3E}">
@@ -11548,13 +13782,13 @@
   <p:clrMapOvr>
     <a:masterClrMapping/>
   </p:clrMapOvr>
-  <mc:AlternateContent xmlns:mc="http://schemas.openxmlformats.org/markup-compatibility/2006">
-    <mc:Choice xmlns:p14="http://schemas.microsoft.com/office/powerpoint/2010/main" Requires="p14">
+  <mc:AlternateContent xmlns:mc="http://schemas.openxmlformats.org/markup-compatibility/2006" xmlns:p14="http://schemas.microsoft.com/office/powerpoint/2010/main">
+    <mc:Choice Requires="p14">
       <p:transition spd="med" p14:dur="700">
         <p:fade/>
       </p:transition>
     </mc:Choice>
-    <mc:Fallback>
+    <mc:Fallback xmlns="">
       <p:transition spd="med">
         <p:fade/>
       </p:transition>
@@ -12514,11 +14748,12 @@
 </file>
 
 <file path=customXml/item1.xml><?xml version="1.0" encoding="utf-8"?>
-<p:properties xmlns:p="http://schemas.microsoft.com/office/2006/metadata/properties" xmlns:xsi="http://www.w3.org/2001/XMLSchema-instance" xmlns:pc="http://schemas.microsoft.com/office/infopath/2007/PartnerControls">
-  <documentManagement>
-    <_activity xmlns="34c01fac-d9f3-480c-9b42-9d7107ab8273" xsi:nil="true"/>
-  </documentManagement>
-</p:properties>
+<?mso-contentType ?>
+<FormTemplates xmlns="http://schemas.microsoft.com/sharepoint/v3/contenttype/forms">
+  <Display>DocumentLibraryForm</Display>
+  <Edit>DocumentLibraryForm</Edit>
+  <New>DocumentLibraryForm</New>
+</FormTemplates>
 </file>
 
 <file path=customXml/item2.xml><?xml version="1.0" encoding="utf-8"?>
@@ -12702,26 +14937,17 @@
 </file>
 
 <file path=customXml/item3.xml><?xml version="1.0" encoding="utf-8"?>
-<?mso-contentType ?>
-<FormTemplates xmlns="http://schemas.microsoft.com/sharepoint/v3/contenttype/forms">
-  <Display>DocumentLibraryForm</Display>
-  <Edit>DocumentLibraryForm</Edit>
-  <New>DocumentLibraryForm</New>
-</FormTemplates>
+<p:properties xmlns:p="http://schemas.microsoft.com/office/2006/metadata/properties" xmlns:xsi="http://www.w3.org/2001/XMLSchema-instance" xmlns:pc="http://schemas.microsoft.com/office/infopath/2007/PartnerControls">
+  <documentManagement>
+    <_activity xmlns="34c01fac-d9f3-480c-9b42-9d7107ab8273" xsi:nil="true"/>
+  </documentManagement>
+</p:properties>
 </file>
 
 <file path=customXml/itemProps1.xml><?xml version="1.0" encoding="utf-8"?>
-<ds:datastoreItem xmlns:ds="http://schemas.openxmlformats.org/officeDocument/2006/customXml" ds:itemID="{60C67BEE-D13F-4BD2-98A5-34D8A0977F68}">
+<ds:datastoreItem xmlns:ds="http://schemas.openxmlformats.org/officeDocument/2006/customXml" ds:itemID="{DDEE3F12-403A-44ED-AE86-0837013D1DD6}">
   <ds:schemaRefs>
-    <ds:schemaRef ds:uri="http://schemas.microsoft.com/office/2006/documentManagement/types"/>
-    <ds:schemaRef ds:uri="http://schemas.microsoft.com/office/2006/metadata/properties"/>
-    <ds:schemaRef ds:uri="34c01fac-d9f3-480c-9b42-9d7107ab8273"/>
-    <ds:schemaRef ds:uri="http://purl.org/dc/dcmitype/"/>
-    <ds:schemaRef ds:uri="http://schemas.microsoft.com/office/infopath/2007/PartnerControls"/>
-    <ds:schemaRef ds:uri="http://purl.org/dc/terms/"/>
-    <ds:schemaRef ds:uri="http://www.w3.org/XML/1998/namespace"/>
-    <ds:schemaRef ds:uri="http://schemas.openxmlformats.org/package/2006/metadata/core-properties"/>
-    <ds:schemaRef ds:uri="http://purl.org/dc/elements/1.1/"/>
+    <ds:schemaRef ds:uri="http://schemas.microsoft.com/sharepoint/v3/contenttype/forms"/>
   </ds:schemaRefs>
 </ds:datastoreItem>
 </file>
@@ -12745,9 +14971,17 @@
 </file>
 
 <file path=customXml/itemProps3.xml><?xml version="1.0" encoding="utf-8"?>
-<ds:datastoreItem xmlns:ds="http://schemas.openxmlformats.org/officeDocument/2006/customXml" ds:itemID="{DDEE3F12-403A-44ED-AE86-0837013D1DD6}">
+<ds:datastoreItem xmlns:ds="http://schemas.openxmlformats.org/officeDocument/2006/customXml" ds:itemID="{60C67BEE-D13F-4BD2-98A5-34D8A0977F68}">
   <ds:schemaRefs>
-    <ds:schemaRef ds:uri="http://schemas.microsoft.com/sharepoint/v3/contenttype/forms"/>
+    <ds:schemaRef ds:uri="http://schemas.microsoft.com/office/2006/documentManagement/types"/>
+    <ds:schemaRef ds:uri="http://schemas.microsoft.com/office/2006/metadata/properties"/>
+    <ds:schemaRef ds:uri="34c01fac-d9f3-480c-9b42-9d7107ab8273"/>
+    <ds:schemaRef ds:uri="http://purl.org/dc/dcmitype/"/>
+    <ds:schemaRef ds:uri="http://schemas.microsoft.com/office/infopath/2007/PartnerControls"/>
+    <ds:schemaRef ds:uri="http://purl.org/dc/terms/"/>
+    <ds:schemaRef ds:uri="http://www.w3.org/XML/1998/namespace"/>
+    <ds:schemaRef ds:uri="http://schemas.openxmlformats.org/package/2006/metadata/core-properties"/>
+    <ds:schemaRef ds:uri="http://purl.org/dc/elements/1.1/"/>
   </ds:schemaRefs>
 </ds:datastoreItem>
 </file>
--- a/CST8917_Final_Oral_Exam_Presentation.pptx
+++ b/CST8917_Final_Oral_Exam_Presentation.pptx
@@ -7639,7 +7639,7 @@
         </p:nvSpPr>
         <p:spPr>
           <a:xfrm>
-            <a:off x="3286100" y="2564904"/>
+            <a:off x="3430116" y="764704"/>
             <a:ext cx="4896544" cy="1446550"/>
           </a:xfrm>
           <a:prstGeom prst="rect">
@@ -7672,6 +7672,39 @@
           </a:p>
         </p:txBody>
       </p:sp>
+      <p:pic>
+        <p:nvPicPr>
+          <p:cNvPr id="5" name="Online Media 4" title="CST8917 Final Oral Exam">
+            <a:hlinkClick r:id="" action="ppaction://media"/>
+            <a:extLst>
+              <a:ext uri="{FF2B5EF4-FFF2-40B4-BE49-F238E27FC236}">
+                <a16:creationId xmlns:a16="http://schemas.microsoft.com/office/drawing/2014/main" id="{E867A8CA-204B-EBE4-D3EC-F2C694F450B3}"/>
+              </a:ext>
+            </a:extLst>
+          </p:cNvPr>
+          <p:cNvPicPr>
+            <a:picLocks noRot="1" noChangeAspect="1"/>
+          </p:cNvPicPr>
+          <p:nvPr>
+            <a:videoFile r:link="rId1"/>
+          </p:nvPr>
+        </p:nvPicPr>
+        <p:blipFill>
+          <a:blip r:embed="rId3"/>
+          <a:stretch>
+            <a:fillRect/>
+          </a:stretch>
+        </p:blipFill>
+        <p:spPr>
+          <a:xfrm>
+            <a:off x="3286100" y="2564904"/>
+            <a:ext cx="5328592" cy="3996444"/>
+          </a:xfrm>
+          <a:prstGeom prst="rect">
+            <a:avLst/>
+          </a:prstGeom>
+        </p:spPr>
+      </p:pic>
     </p:spTree>
     <p:extLst>
       <p:ext uri="{BB962C8B-B14F-4D97-AF65-F5344CB8AC3E}">
@@ -7682,18 +7715,153 @@
   <p:clrMapOvr>
     <a:masterClrMapping/>
   </p:clrMapOvr>
-  <mc:AlternateContent xmlns:mc="http://schemas.openxmlformats.org/markup-compatibility/2006">
-    <mc:Choice xmlns:p14="http://schemas.microsoft.com/office/powerpoint/2010/main" Requires="p14">
+  <mc:AlternateContent xmlns:mc="http://schemas.openxmlformats.org/markup-compatibility/2006" xmlns:p14="http://schemas.microsoft.com/office/powerpoint/2010/main">
+    <mc:Choice Requires="p14">
       <p:transition spd="slow" p14:dur="800">
         <p14:flythrough/>
       </p:transition>
     </mc:Choice>
-    <mc:Fallback>
+    <mc:Fallback xmlns="">
       <p:transition spd="slow">
         <p:fade/>
       </p:transition>
     </mc:Fallback>
   </mc:AlternateContent>
+  <p:timing>
+    <p:tnLst>
+      <p:par>
+        <p:cTn id="1" dur="indefinite" restart="never" nodeType="tmRoot">
+          <p:childTnLst>
+            <p:seq concurrent="1" nextAc="seek">
+              <p:cTn id="2" dur="indefinite" nodeType="mainSeq">
+                <p:childTnLst>
+                  <p:par>
+                    <p:cTn id="3" fill="hold">
+                      <p:stCondLst>
+                        <p:cond delay="indefinite"/>
+                      </p:stCondLst>
+                      <p:childTnLst>
+                        <p:par>
+                          <p:cTn id="4" fill="hold">
+                            <p:stCondLst>
+                              <p:cond delay="0"/>
+                            </p:stCondLst>
+                            <p:childTnLst>
+                              <p:par>
+                                <p:cTn id="5" presetID="1" presetClass="mediacall" presetSubtype="0" fill="hold" nodeType="clickEffect">
+                                  <p:stCondLst>
+                                    <p:cond delay="0"/>
+                                  </p:stCondLst>
+                                  <p:childTnLst>
+                                    <p:cmd type="call" cmd="playFrom(0.0)">
+                                      <p:cBhvr>
+                                        <p:cTn id="6" dur="1" fill="hold"/>
+                                        <p:tgtEl>
+                                          <p:spTgt spid="5"/>
+                                        </p:tgtEl>
+                                      </p:cBhvr>
+                                    </p:cmd>
+                                  </p:childTnLst>
+                                </p:cTn>
+                              </p:par>
+                            </p:childTnLst>
+                          </p:cTn>
+                        </p:par>
+                      </p:childTnLst>
+                    </p:cTn>
+                  </p:par>
+                </p:childTnLst>
+              </p:cTn>
+              <p:prevCondLst>
+                <p:cond evt="onPrev" delay="0">
+                  <p:tgtEl>
+                    <p:sldTgt/>
+                  </p:tgtEl>
+                </p:cond>
+              </p:prevCondLst>
+              <p:nextCondLst>
+                <p:cond evt="onNext" delay="0">
+                  <p:tgtEl>
+                    <p:sldTgt/>
+                  </p:tgtEl>
+                </p:cond>
+              </p:nextCondLst>
+            </p:seq>
+            <p:video>
+              <p:cMediaNode vol="80000">
+                <p:cTn id="7" fill="hold" display="0">
+                  <p:stCondLst>
+                    <p:cond delay="indefinite"/>
+                  </p:stCondLst>
+                </p:cTn>
+                <p:tgtEl>
+                  <p:spTgt spid="5"/>
+                </p:tgtEl>
+              </p:cMediaNode>
+            </p:video>
+            <p:seq concurrent="1" nextAc="seek">
+              <p:cTn id="8" restart="whenNotActive" fill="hold" evtFilter="cancelBubble" nodeType="interactiveSeq">
+                <p:stCondLst>
+                  <p:cond evt="onClick" delay="0">
+                    <p:tgtEl>
+                      <p:spTgt spid="5"/>
+                    </p:tgtEl>
+                  </p:cond>
+                </p:stCondLst>
+                <p:endSync evt="end" delay="0">
+                  <p:rtn val="all"/>
+                </p:endSync>
+                <p:childTnLst>
+                  <p:par>
+                    <p:cTn id="9" fill="hold">
+                      <p:stCondLst>
+                        <p:cond delay="0"/>
+                      </p:stCondLst>
+                      <p:childTnLst>
+                        <p:par>
+                          <p:cTn id="10" fill="hold">
+                            <p:stCondLst>
+                              <p:cond delay="0"/>
+                            </p:stCondLst>
+                            <p:childTnLst>
+                              <p:par>
+                                <p:cTn id="11" presetID="2" presetClass="mediacall" presetSubtype="0" fill="hold" nodeType="clickEffect">
+                                  <p:stCondLst>
+                                    <p:cond delay="0"/>
+                                  </p:stCondLst>
+                                  <p:childTnLst>
+                                    <p:cmd type="call" cmd="togglePause">
+                                      <p:cBhvr>
+                                        <p:cTn id="12" dur="1" fill="hold"/>
+                                        <p:tgtEl>
+                                          <p:spTgt spid="5"/>
+                                        </p:tgtEl>
+                                      </p:cBhvr>
+                                    </p:cmd>
+                                  </p:childTnLst>
+                                </p:cTn>
+                              </p:par>
+                            </p:childTnLst>
+                          </p:cTn>
+                        </p:par>
+                      </p:childTnLst>
+                    </p:cTn>
+                  </p:par>
+                </p:childTnLst>
+              </p:cTn>
+              <p:nextCondLst>
+                <p:cond evt="onClick" delay="0">
+                  <p:tgtEl>
+                    <p:spTgt spid="5"/>
+                  </p:tgtEl>
+                </p:cond>
+              </p:nextCondLst>
+            </p:seq>
+          </p:childTnLst>
+        </p:cTn>
+      </p:par>
+    </p:tnLst>
+  </p:timing>
 </p:sld>
 </file>
 
@@ -14748,12 +14916,11 @@
 </file>
 
 <file path=customXml/item1.xml><?xml version="1.0" encoding="utf-8"?>
-<?mso-contentType ?>
-<FormTemplates xmlns="http://schemas.microsoft.com/sharepoint/v3/contenttype/forms">
-  <Display>DocumentLibraryForm</Display>
-  <Edit>DocumentLibraryForm</Edit>
-  <New>DocumentLibraryForm</New>
-</FormTemplates>
+<p:properties xmlns:p="http://schemas.microsoft.com/office/2006/metadata/properties" xmlns:xsi="http://www.w3.org/2001/XMLSchema-instance" xmlns:pc="http://schemas.microsoft.com/office/infopath/2007/PartnerControls">
+  <documentManagement>
+    <_activity xmlns="34c01fac-d9f3-480c-9b42-9d7107ab8273" xsi:nil="true"/>
+  </documentManagement>
+</p:properties>
 </file>
 
 <file path=customXml/item2.xml><?xml version="1.0" encoding="utf-8"?>
@@ -14937,17 +15104,26 @@
 </file>
 
 <file path=customXml/item3.xml><?xml version="1.0" encoding="utf-8"?>
-<p:properties xmlns:p="http://schemas.microsoft.com/office/2006/metadata/properties" xmlns:xsi="http://www.w3.org/2001/XMLSchema-instance" xmlns:pc="http://schemas.microsoft.com/office/infopath/2007/PartnerControls">
-  <documentManagement>
-    <_activity xmlns="34c01fac-d9f3-480c-9b42-9d7107ab8273" xsi:nil="true"/>
-  </documentManagement>
-</p:properties>
+<?mso-contentType ?>
+<FormTemplates xmlns="http://schemas.microsoft.com/sharepoint/v3/contenttype/forms">
+  <Display>DocumentLibraryForm</Display>
+  <Edit>DocumentLibraryForm</Edit>
+  <New>DocumentLibraryForm</New>
+</FormTemplates>
 </file>
 
 <file path=customXml/itemProps1.xml><?xml version="1.0" encoding="utf-8"?>
-<ds:datastoreItem xmlns:ds="http://schemas.openxmlformats.org/officeDocument/2006/customXml" ds:itemID="{DDEE3F12-403A-44ED-AE86-0837013D1DD6}">
+<ds:datastoreItem xmlns:ds="http://schemas.openxmlformats.org/officeDocument/2006/customXml" ds:itemID="{60C67BEE-D13F-4BD2-98A5-34D8A0977F68}">
   <ds:schemaRefs>
-    <ds:schemaRef ds:uri="http://schemas.microsoft.com/sharepoint/v3/contenttype/forms"/>
+    <ds:schemaRef ds:uri="http://schemas.microsoft.com/office/2006/documentManagement/types"/>
+    <ds:schemaRef ds:uri="http://schemas.microsoft.com/office/2006/metadata/properties"/>
+    <ds:schemaRef ds:uri="34c01fac-d9f3-480c-9b42-9d7107ab8273"/>
+    <ds:schemaRef ds:uri="http://purl.org/dc/dcmitype/"/>
+    <ds:schemaRef ds:uri="http://schemas.microsoft.com/office/infopath/2007/PartnerControls"/>
+    <ds:schemaRef ds:uri="http://purl.org/dc/terms/"/>
+    <ds:schemaRef ds:uri="http://www.w3.org/XML/1998/namespace"/>
+    <ds:schemaRef ds:uri="http://schemas.openxmlformats.org/package/2006/metadata/core-properties"/>
+    <ds:schemaRef ds:uri="http://purl.org/dc/elements/1.1/"/>
   </ds:schemaRefs>
 </ds:datastoreItem>
 </file>
@@ -14971,17 +15147,9 @@
 </file>
 
 <file path=customXml/itemProps3.xml><?xml version="1.0" encoding="utf-8"?>
-<ds:datastoreItem xmlns:ds="http://schemas.openxmlformats.org/officeDocument/2006/customXml" ds:itemID="{60C67BEE-D13F-4BD2-98A5-34D8A0977F68}">
+<ds:datastoreItem xmlns:ds="http://schemas.openxmlformats.org/officeDocument/2006/customXml" ds:itemID="{DDEE3F12-403A-44ED-AE86-0837013D1DD6}">
   <ds:schemaRefs>
-    <ds:schemaRef ds:uri="http://schemas.microsoft.com/office/2006/documentManagement/types"/>
-    <ds:schemaRef ds:uri="http://schemas.microsoft.com/office/2006/metadata/properties"/>
-    <ds:schemaRef ds:uri="34c01fac-d9f3-480c-9b42-9d7107ab8273"/>
-    <ds:schemaRef ds:uri="http://purl.org/dc/dcmitype/"/>
-    <ds:schemaRef ds:uri="http://schemas.microsoft.com/office/infopath/2007/PartnerControls"/>
-    <ds:schemaRef ds:uri="http://purl.org/dc/terms/"/>
-    <ds:schemaRef ds:uri="http://www.w3.org/XML/1998/namespace"/>
-    <ds:schemaRef ds:uri="http://schemas.openxmlformats.org/package/2006/metadata/core-properties"/>
-    <ds:schemaRef ds:uri="http://purl.org/dc/elements/1.1/"/>
+    <ds:schemaRef ds:uri="http://schemas.microsoft.com/sharepoint/v3/contenttype/forms"/>
   </ds:schemaRefs>
 </ds:datastoreItem>
 </file>